--- a/AdvectionComparison.pptx
+++ b/AdvectionComparison.pptx
@@ -209,7 +209,7 @@
           <a:p>
             <a:fld id="{25529952-ED70-434C-B8E3-9C1838112CA8}" type="datetimeFigureOut">
               <a:rPr lang="en-US" smtClean="0"/>
-              <a:t>3/5/21</a:t>
+              <a:t>3/6/21</a:t>
             </a:fld>
             <a:endParaRPr lang="en-US"/>
           </a:p>
@@ -707,7 +707,7 @@
           <a:p>
             <a:fld id="{8BE64104-6D47-8A42-AF60-5CCB12BB1FB0}" type="datetimeFigureOut">
               <a:rPr lang="en-US" smtClean="0"/>
-              <a:t>3/5/21</a:t>
+              <a:t>3/6/21</a:t>
             </a:fld>
             <a:endParaRPr lang="en-US"/>
           </a:p>
@@ -905,7 +905,7 @@
           <a:p>
             <a:fld id="{8BE64104-6D47-8A42-AF60-5CCB12BB1FB0}" type="datetimeFigureOut">
               <a:rPr lang="en-US" smtClean="0"/>
-              <a:t>3/5/21</a:t>
+              <a:t>3/6/21</a:t>
             </a:fld>
             <a:endParaRPr lang="en-US"/>
           </a:p>
@@ -1113,7 +1113,7 @@
           <a:p>
             <a:fld id="{8BE64104-6D47-8A42-AF60-5CCB12BB1FB0}" type="datetimeFigureOut">
               <a:rPr lang="en-US" smtClean="0"/>
-              <a:t>3/5/21</a:t>
+              <a:t>3/6/21</a:t>
             </a:fld>
             <a:endParaRPr lang="en-US"/>
           </a:p>
@@ -1311,7 +1311,7 @@
           <a:p>
             <a:fld id="{8BE64104-6D47-8A42-AF60-5CCB12BB1FB0}" type="datetimeFigureOut">
               <a:rPr lang="en-US" smtClean="0"/>
-              <a:t>3/5/21</a:t>
+              <a:t>3/6/21</a:t>
             </a:fld>
             <a:endParaRPr lang="en-US"/>
           </a:p>
@@ -1586,7 +1586,7 @@
           <a:p>
             <a:fld id="{8BE64104-6D47-8A42-AF60-5CCB12BB1FB0}" type="datetimeFigureOut">
               <a:rPr lang="en-US" smtClean="0"/>
-              <a:t>3/5/21</a:t>
+              <a:t>3/6/21</a:t>
             </a:fld>
             <a:endParaRPr lang="en-US"/>
           </a:p>
@@ -1851,7 +1851,7 @@
           <a:p>
             <a:fld id="{8BE64104-6D47-8A42-AF60-5CCB12BB1FB0}" type="datetimeFigureOut">
               <a:rPr lang="en-US" smtClean="0"/>
-              <a:t>3/5/21</a:t>
+              <a:t>3/6/21</a:t>
             </a:fld>
             <a:endParaRPr lang="en-US"/>
           </a:p>
@@ -2263,7 +2263,7 @@
           <a:p>
             <a:fld id="{8BE64104-6D47-8A42-AF60-5CCB12BB1FB0}" type="datetimeFigureOut">
               <a:rPr lang="en-US" smtClean="0"/>
-              <a:t>3/5/21</a:t>
+              <a:t>3/6/21</a:t>
             </a:fld>
             <a:endParaRPr lang="en-US"/>
           </a:p>
@@ -2404,7 +2404,7 @@
           <a:p>
             <a:fld id="{8BE64104-6D47-8A42-AF60-5CCB12BB1FB0}" type="datetimeFigureOut">
               <a:rPr lang="en-US" smtClean="0"/>
-              <a:t>3/5/21</a:t>
+              <a:t>3/6/21</a:t>
             </a:fld>
             <a:endParaRPr lang="en-US"/>
           </a:p>
@@ -2517,7 +2517,7 @@
           <a:p>
             <a:fld id="{8BE64104-6D47-8A42-AF60-5CCB12BB1FB0}" type="datetimeFigureOut">
               <a:rPr lang="en-US" smtClean="0"/>
-              <a:t>3/5/21</a:t>
+              <a:t>3/6/21</a:t>
             </a:fld>
             <a:endParaRPr lang="en-US"/>
           </a:p>
@@ -2828,7 +2828,7 @@
           <a:p>
             <a:fld id="{8BE64104-6D47-8A42-AF60-5CCB12BB1FB0}" type="datetimeFigureOut">
               <a:rPr lang="en-US" smtClean="0"/>
-              <a:t>3/5/21</a:t>
+              <a:t>3/6/21</a:t>
             </a:fld>
             <a:endParaRPr lang="en-US"/>
           </a:p>
@@ -3116,7 +3116,7 @@
           <a:p>
             <a:fld id="{8BE64104-6D47-8A42-AF60-5CCB12BB1FB0}" type="datetimeFigureOut">
               <a:rPr lang="en-US" smtClean="0"/>
-              <a:t>3/5/21</a:t>
+              <a:t>3/6/21</a:t>
             </a:fld>
             <a:endParaRPr lang="en-US"/>
           </a:p>
@@ -3357,7 +3357,7 @@
           <a:p>
             <a:fld id="{8BE64104-6D47-8A42-AF60-5CCB12BB1FB0}" type="datetimeFigureOut">
               <a:rPr lang="en-US" smtClean="0"/>
-              <a:t>3/5/21</a:t>
+              <a:t>3/6/21</a:t>
             </a:fld>
             <a:endParaRPr lang="en-US"/>
           </a:p>
@@ -14273,6 +14273,58 @@
           </a:prstGeom>
         </p:spPr>
       </p:pic>
+      <p:sp>
+        <p:nvSpPr>
+          <p:cNvPr id="2" name="Rectangle 1">
+            <a:extLst>
+              <a:ext uri="{FF2B5EF4-FFF2-40B4-BE49-F238E27FC236}">
+                <a16:creationId xmlns:a16="http://schemas.microsoft.com/office/drawing/2014/main" id="{B6AF9EC0-9D1F-9E44-B735-098473816161}"/>
+              </a:ext>
+            </a:extLst>
+          </p:cNvPr>
+          <p:cNvSpPr/>
+          <p:nvPr/>
+        </p:nvSpPr>
+        <p:spPr>
+          <a:xfrm>
+            <a:off x="7802880" y="2438400"/>
+            <a:ext cx="487680" cy="1578964"/>
+          </a:xfrm>
+          <a:prstGeom prst="rect">
+            <a:avLst/>
+          </a:prstGeom>
+          <a:noFill/>
+          <a:ln w="44450">
+            <a:solidFill>
+              <a:srgbClr val="00DCEE"/>
+            </a:solidFill>
+          </a:ln>
+        </p:spPr>
+        <p:style>
+          <a:lnRef idx="2">
+            <a:schemeClr val="accent1">
+              <a:shade val="50000"/>
+            </a:schemeClr>
+          </a:lnRef>
+          <a:fillRef idx="1">
+            <a:schemeClr val="accent1"/>
+          </a:fillRef>
+          <a:effectRef idx="0">
+            <a:schemeClr val="accent1"/>
+          </a:effectRef>
+          <a:fontRef idx="minor">
+            <a:schemeClr val="lt1"/>
+          </a:fontRef>
+        </p:style>
+        <p:txBody>
+          <a:bodyPr rtlCol="0" anchor="ctr"/>
+          <a:lstStyle/>
+          <a:p>
+            <a:pPr algn="ctr"/>
+            <a:endParaRPr lang="en-US"/>
+          </a:p>
+        </p:txBody>
+      </p:sp>
     </p:spTree>
     <p:extLst>
       <p:ext uri="{BB962C8B-B14F-4D97-AF65-F5344CB8AC3E}">
@@ -45951,7 +46003,7 @@
         </p:nvSpPr>
         <p:spPr>
           <a:xfrm>
-            <a:off x="6464300" y="2743200"/>
+            <a:off x="6100628" y="1145702"/>
             <a:ext cx="4813300" cy="825500"/>
           </a:xfrm>
           <a:custGeom>
@@ -46043,7 +46095,7 @@
         </p:nvCxnSpPr>
         <p:spPr>
           <a:xfrm>
-            <a:off x="1201123" y="5917616"/>
+            <a:off x="837451" y="4320118"/>
             <a:ext cx="4794440" cy="0"/>
           </a:xfrm>
           <a:prstGeom prst="straightConnector1">
@@ -46088,7 +46140,7 @@
         </p:nvCxnSpPr>
         <p:spPr>
           <a:xfrm>
-            <a:off x="6474258" y="5916914"/>
+            <a:off x="6110586" y="4319416"/>
             <a:ext cx="4786982" cy="0"/>
           </a:xfrm>
           <a:prstGeom prst="straightConnector1">
@@ -46127,15 +46179,16 @@
             </a:extLst>
           </p:cNvPr>
           <p:cNvCxnSpPr>
-            <a:stCxn id="49" idx="6"/>
-            <a:endCxn id="52" idx="6"/>
+            <a:cxnSpLocks/>
+            <a:stCxn id="49" idx="4"/>
+            <a:endCxn id="52" idx="0"/>
           </p:cNvCxnSpPr>
           <p:nvPr/>
         </p:nvCxnSpPr>
         <p:spPr>
           <a:xfrm>
-            <a:off x="7526355" y="909761"/>
-            <a:ext cx="4069706" cy="8367"/>
+            <a:off x="5461894" y="5318010"/>
+            <a:ext cx="2459" cy="404918"/>
           </a:xfrm>
           <a:prstGeom prst="line">
             <a:avLst/>
@@ -46177,7 +46230,7 @@
         </p:nvCxnSpPr>
         <p:spPr>
           <a:xfrm>
-            <a:off x="6449543" y="1827372"/>
+            <a:off x="6085871" y="229874"/>
             <a:ext cx="120" cy="4345666"/>
           </a:xfrm>
           <a:prstGeom prst="line">
@@ -46216,7 +46269,7 @@
         </p:nvCxnSpPr>
         <p:spPr>
           <a:xfrm flipV="1">
-            <a:off x="1198154" y="1716628"/>
+            <a:off x="834482" y="119130"/>
             <a:ext cx="0" cy="4472609"/>
           </a:xfrm>
           <a:prstGeom prst="straightConnector1">
@@ -46260,7 +46313,7 @@
         </p:nvCxnSpPr>
         <p:spPr>
           <a:xfrm>
-            <a:off x="1173016" y="6189237"/>
+            <a:off x="809344" y="4591739"/>
             <a:ext cx="11018984" cy="0"/>
           </a:xfrm>
           <a:prstGeom prst="straightConnector1">
@@ -46302,8 +46355,8 @@
         </p:nvSpPr>
         <p:spPr>
           <a:xfrm>
-            <a:off x="5644455" y="6076828"/>
-            <a:ext cx="979755" cy="646331"/>
+            <a:off x="10603626" y="4535637"/>
+            <a:ext cx="1067921" cy="707886"/>
           </a:xfrm>
           <a:prstGeom prst="rect">
             <a:avLst/>
@@ -46317,7 +46370,7 @@
           <a:lstStyle/>
           <a:p>
             <a:r>
-              <a:rPr lang="en-US" sz="3600" i="1" dirty="0">
+              <a:rPr lang="en-US" sz="4000" i="1" dirty="0">
                 <a:latin typeface="Times New Roman" panose="02020603050405020304" pitchFamily="18" charset="0"/>
                 <a:cs typeface="Times New Roman" panose="02020603050405020304" pitchFamily="18" charset="0"/>
               </a:rPr>
@@ -46340,8 +46393,8 @@
         </p:nvSpPr>
         <p:spPr>
           <a:xfrm>
-            <a:off x="748032" y="1749006"/>
-            <a:ext cx="389850" cy="646331"/>
+            <a:off x="384360" y="151508"/>
+            <a:ext cx="412292" cy="707886"/>
           </a:xfrm>
           <a:prstGeom prst="rect">
             <a:avLst/>
@@ -46355,7 +46408,7 @@
           <a:lstStyle/>
           <a:p>
             <a:r>
-              <a:rPr lang="en-US" sz="3600" i="1" dirty="0">
+              <a:rPr lang="en-US" sz="4000" i="1" dirty="0">
                 <a:latin typeface="Times New Roman" panose="02020603050405020304" pitchFamily="18" charset="0"/>
                 <a:cs typeface="Times New Roman" panose="02020603050405020304" pitchFamily="18" charset="0"/>
               </a:rPr>
@@ -46380,7 +46433,7 @@
         </p:nvCxnSpPr>
         <p:spPr>
           <a:xfrm flipH="1">
-            <a:off x="5995681" y="1827372"/>
+            <a:off x="5632009" y="229874"/>
             <a:ext cx="3740" cy="4345666"/>
           </a:xfrm>
           <a:prstGeom prst="line">
@@ -46421,7 +46474,7 @@
         </p:nvCxnSpPr>
         <p:spPr>
           <a:xfrm flipH="1">
-            <a:off x="11268702" y="1831310"/>
+            <a:off x="10905030" y="233812"/>
             <a:ext cx="0" cy="4345666"/>
           </a:xfrm>
           <a:prstGeom prst="line">
@@ -46460,7 +46513,7 @@
         </p:nvSpPr>
         <p:spPr>
           <a:xfrm>
-            <a:off x="1060994" y="5359171"/>
+            <a:off x="697322" y="3761673"/>
             <a:ext cx="274320" cy="274320"/>
           </a:xfrm>
           <a:prstGeom prst="ellipse">
@@ -46514,7 +46567,7 @@
         </p:nvSpPr>
         <p:spPr>
           <a:xfrm>
-            <a:off x="1060876" y="3916999"/>
+            <a:off x="697204" y="2319501"/>
             <a:ext cx="274320" cy="274320"/>
           </a:xfrm>
           <a:prstGeom prst="ellipse">
@@ -46568,7 +46621,7 @@
         </p:nvSpPr>
         <p:spPr>
           <a:xfrm>
-            <a:off x="1060876" y="2474828"/>
+            <a:off x="697204" y="877330"/>
             <a:ext cx="274320" cy="274320"/>
           </a:xfrm>
           <a:prstGeom prst="ellipse">
@@ -46622,7 +46675,7 @@
         </p:nvSpPr>
         <p:spPr>
           <a:xfrm>
-            <a:off x="6337098" y="5359171"/>
+            <a:off x="5973426" y="3761673"/>
             <a:ext cx="274320" cy="274320"/>
           </a:xfrm>
           <a:prstGeom prst="ellipse">
@@ -46676,7 +46729,7 @@
         </p:nvSpPr>
         <p:spPr>
           <a:xfrm>
-            <a:off x="6337098" y="3916999"/>
+            <a:off x="5973426" y="2319501"/>
             <a:ext cx="274320" cy="274320"/>
           </a:xfrm>
           <a:prstGeom prst="ellipse">
@@ -46730,7 +46783,7 @@
         </p:nvSpPr>
         <p:spPr>
           <a:xfrm>
-            <a:off x="6322636" y="2474828"/>
+            <a:off x="5958964" y="877330"/>
             <a:ext cx="274320" cy="274320"/>
           </a:xfrm>
           <a:prstGeom prst="ellipse">
@@ -46784,7 +46837,7 @@
         </p:nvSpPr>
         <p:spPr>
           <a:xfrm>
-            <a:off x="1198154" y="2092273"/>
+            <a:off x="834482" y="494775"/>
             <a:ext cx="4807536" cy="519953"/>
           </a:xfrm>
           <a:custGeom>
@@ -46874,7 +46927,7 @@
         </p:nvSpPr>
         <p:spPr>
           <a:xfrm>
-            <a:off x="1179327" y="3096321"/>
+            <a:off x="815655" y="1498823"/>
             <a:ext cx="4816236" cy="972300"/>
           </a:xfrm>
           <a:custGeom>
@@ -46964,7 +47017,7 @@
         </p:nvSpPr>
         <p:spPr>
           <a:xfrm>
-            <a:off x="1206968" y="4512744"/>
+            <a:off x="843296" y="2915246"/>
             <a:ext cx="4798724" cy="968188"/>
           </a:xfrm>
           <a:custGeom>
@@ -47054,7 +47107,7 @@
         </p:nvSpPr>
         <p:spPr>
           <a:xfrm>
-            <a:off x="6459672" y="2088754"/>
+            <a:off x="6096000" y="491256"/>
             <a:ext cx="4810225" cy="505543"/>
           </a:xfrm>
           <a:custGeom>
@@ -47144,7 +47197,7 @@
         </p:nvSpPr>
         <p:spPr>
           <a:xfrm>
-            <a:off x="6459671" y="3078391"/>
+            <a:off x="6095999" y="1480893"/>
             <a:ext cx="4807837" cy="986118"/>
           </a:xfrm>
           <a:custGeom>
@@ -47234,7 +47287,7 @@
         </p:nvSpPr>
         <p:spPr>
           <a:xfrm>
-            <a:off x="6477601" y="4864508"/>
+            <a:off x="6113929" y="3267010"/>
             <a:ext cx="4796599" cy="598495"/>
           </a:xfrm>
           <a:custGeom>
@@ -47324,7 +47377,7 @@
         </p:nvSpPr>
         <p:spPr>
           <a:xfrm>
-            <a:off x="5863645" y="1943934"/>
+            <a:off x="5499973" y="346436"/>
             <a:ext cx="274320" cy="274320"/>
           </a:xfrm>
           <a:prstGeom prst="ellipse">
@@ -47378,7 +47431,7 @@
         </p:nvSpPr>
         <p:spPr>
           <a:xfrm>
-            <a:off x="5863645" y="2967464"/>
+            <a:off x="5499973" y="1369966"/>
             <a:ext cx="274320" cy="274320"/>
           </a:xfrm>
           <a:prstGeom prst="ellipse">
@@ -47432,7 +47485,7 @@
         </p:nvSpPr>
         <p:spPr>
           <a:xfrm>
-            <a:off x="5864252" y="4369513"/>
+            <a:off x="5500580" y="2772015"/>
             <a:ext cx="274320" cy="274320"/>
           </a:xfrm>
           <a:prstGeom prst="ellipse">
@@ -47486,7 +47539,7 @@
         </p:nvSpPr>
         <p:spPr>
           <a:xfrm>
-            <a:off x="11131538" y="2038902"/>
+            <a:off x="10767866" y="441404"/>
             <a:ext cx="274320" cy="274320"/>
           </a:xfrm>
           <a:prstGeom prst="ellipse">
@@ -47540,7 +47593,7 @@
         </p:nvSpPr>
         <p:spPr>
           <a:xfrm>
-            <a:off x="11135961" y="2967464"/>
+            <a:off x="10772289" y="1369966"/>
             <a:ext cx="274320" cy="274320"/>
           </a:xfrm>
           <a:prstGeom prst="ellipse">
@@ -47594,7 +47647,7 @@
         </p:nvSpPr>
         <p:spPr>
           <a:xfrm>
-            <a:off x="11139968" y="5055625"/>
+            <a:off x="10776296" y="3458127"/>
             <a:ext cx="274320" cy="274320"/>
           </a:xfrm>
           <a:prstGeom prst="ellipse">
@@ -47648,7 +47701,7 @@
         </p:nvSpPr>
         <p:spPr>
           <a:xfrm>
-            <a:off x="1056637" y="4307082"/>
+            <a:off x="692965" y="2709584"/>
             <a:ext cx="274320" cy="274320"/>
           </a:xfrm>
           <a:prstGeom prst="ellipse">
@@ -47702,7 +47755,7 @@
         </p:nvSpPr>
         <p:spPr>
           <a:xfrm>
-            <a:off x="5860013" y="3456631"/>
+            <a:off x="5496341" y="1859133"/>
             <a:ext cx="274320" cy="274320"/>
           </a:xfrm>
           <a:prstGeom prst="ellipse">
@@ -47756,7 +47809,7 @@
         </p:nvSpPr>
         <p:spPr>
           <a:xfrm>
-            <a:off x="11131538" y="2576037"/>
+            <a:off x="10767866" y="978539"/>
             <a:ext cx="274320" cy="274320"/>
           </a:xfrm>
           <a:prstGeom prst="ellipse">
@@ -47810,7 +47863,7 @@
         </p:nvCxnSpPr>
         <p:spPr>
           <a:xfrm>
-            <a:off x="929439" y="2594297"/>
+            <a:off x="565767" y="996799"/>
             <a:ext cx="0" cy="1459862"/>
           </a:xfrm>
           <a:prstGeom prst="straightConnector1">
@@ -47853,7 +47906,7 @@
         </p:nvCxnSpPr>
         <p:spPr>
           <a:xfrm>
-            <a:off x="929439" y="4064509"/>
+            <a:off x="565767" y="2467011"/>
             <a:ext cx="0" cy="1459862"/>
           </a:xfrm>
           <a:prstGeom prst="straightConnector1">
@@ -47896,7 +47949,7 @@
         </p:nvSpPr>
         <p:spPr>
           <a:xfrm>
-            <a:off x="6312502" y="3456631"/>
+            <a:off x="5948830" y="1859133"/>
             <a:ext cx="274320" cy="274320"/>
           </a:xfrm>
           <a:prstGeom prst="ellipse">
@@ -47950,7 +48003,7 @@
         </p:nvSpPr>
         <p:spPr>
           <a:xfrm>
-            <a:off x="1173016" y="3616273"/>
+            <a:off x="809344" y="2018775"/>
             <a:ext cx="4832674" cy="904114"/>
           </a:xfrm>
           <a:custGeom>
@@ -48040,8 +48093,8 @@
         </p:nvSpPr>
         <p:spPr>
           <a:xfrm>
-            <a:off x="2785565" y="5609915"/>
-            <a:ext cx="1622587" cy="523220"/>
+            <a:off x="2187931" y="3970852"/>
+            <a:ext cx="1995700" cy="584775"/>
           </a:xfrm>
           <a:prstGeom prst="rect">
             <a:avLst/>
@@ -48058,7 +48111,7 @@
           <a:p>
             <a:pPr algn="ctr"/>
             <a:r>
-              <a:rPr lang="en-US" sz="2800" dirty="0">
+              <a:rPr lang="en-US" sz="3200" b="1" dirty="0">
                 <a:latin typeface="Times New Roman" panose="02020603050405020304" pitchFamily="18" charset="0"/>
                 <a:cs typeface="Times New Roman" panose="02020603050405020304" pitchFamily="18" charset="0"/>
               </a:rPr>
@@ -48081,8 +48134,8 @@
         </p:nvSpPr>
         <p:spPr>
           <a:xfrm>
-            <a:off x="8097600" y="5609915"/>
-            <a:ext cx="1592072" cy="523220"/>
+            <a:off x="7504366" y="3970852"/>
+            <a:ext cx="1958168" cy="584775"/>
           </a:xfrm>
           <a:prstGeom prst="rect">
             <a:avLst/>
@@ -48099,7 +48152,7 @@
           <a:p>
             <a:pPr algn="ctr"/>
             <a:r>
-              <a:rPr lang="en-US" sz="2800" dirty="0">
+              <a:rPr lang="en-US" sz="3200" b="1" dirty="0">
                 <a:latin typeface="Times New Roman" panose="02020603050405020304" pitchFamily="18" charset="0"/>
                 <a:cs typeface="Times New Roman" panose="02020603050405020304" pitchFamily="18" charset="0"/>
               </a:rPr>
@@ -48122,7 +48175,7 @@
         </p:nvSpPr>
         <p:spPr>
           <a:xfrm>
-            <a:off x="1487996" y="767160"/>
+            <a:off x="645434" y="5018065"/>
             <a:ext cx="274320" cy="274320"/>
           </a:xfrm>
           <a:prstGeom prst="ellipse">
@@ -48176,7 +48229,7 @@
         </p:nvSpPr>
         <p:spPr>
           <a:xfrm>
-            <a:off x="5581250" y="767160"/>
+            <a:off x="645434" y="5727115"/>
             <a:ext cx="274320" cy="274320"/>
           </a:xfrm>
           <a:prstGeom prst="ellipse">
@@ -48226,15 +48279,16 @@
             </a:extLst>
           </p:cNvPr>
           <p:cNvCxnSpPr>
-            <a:stCxn id="41" idx="6"/>
-            <a:endCxn id="42" idx="2"/>
+            <a:cxnSpLocks/>
+            <a:stCxn id="41" idx="4"/>
+            <a:endCxn id="42" idx="0"/>
           </p:cNvCxnSpPr>
           <p:nvPr/>
         </p:nvCxnSpPr>
         <p:spPr>
           <a:xfrm>
-            <a:off x="1762316" y="904320"/>
-            <a:ext cx="3818934" cy="0"/>
+            <a:off x="782594" y="5292385"/>
+            <a:ext cx="0" cy="434730"/>
           </a:xfrm>
           <a:prstGeom prst="line">
             <a:avLst/>
@@ -48274,8 +48328,8 @@
         </p:nvSpPr>
         <p:spPr>
           <a:xfrm>
-            <a:off x="1705763" y="877203"/>
-            <a:ext cx="3945576" cy="954107"/>
+            <a:off x="940767" y="5032696"/>
+            <a:ext cx="4314691" cy="1015663"/>
           </a:xfrm>
           <a:prstGeom prst="rect">
             <a:avLst/>
@@ -48288,9 +48342,8 @@
           </a:bodyPr>
           <a:lstStyle/>
           <a:p>
-            <a:pPr algn="ctr"/>
             <a:r>
-              <a:rPr lang="en-US" sz="2800" dirty="0">
+              <a:rPr lang="en-US" sz="3000" dirty="0">
                 <a:latin typeface="Times New Roman" panose="02020603050405020304" pitchFamily="18" charset="0"/>
                 <a:cs typeface="Times New Roman" panose="02020603050405020304" pitchFamily="18" charset="0"/>
               </a:rPr>
@@ -48313,7 +48366,7 @@
         </p:nvSpPr>
         <p:spPr>
           <a:xfrm>
-            <a:off x="7252035" y="772601"/>
+            <a:off x="5324734" y="5043690"/>
             <a:ext cx="274320" cy="274320"/>
           </a:xfrm>
           <a:prstGeom prst="ellipse">
@@ -48367,7 +48420,7 @@
         </p:nvSpPr>
         <p:spPr>
           <a:xfrm>
-            <a:off x="11321741" y="780968"/>
+            <a:off x="5327193" y="5722928"/>
             <a:ext cx="274320" cy="274320"/>
           </a:xfrm>
           <a:prstGeom prst="ellipse">
@@ -48421,8 +48474,8 @@
         </p:nvSpPr>
         <p:spPr>
           <a:xfrm>
-            <a:off x="7450270" y="895168"/>
-            <a:ext cx="3955588" cy="954107"/>
+            <a:off x="5631458" y="5019902"/>
+            <a:ext cx="3955588" cy="1015663"/>
           </a:xfrm>
           <a:prstGeom prst="rect">
             <a:avLst/>
@@ -48435,9 +48488,8 @@
           </a:bodyPr>
           <a:lstStyle/>
           <a:p>
-            <a:pPr algn="ctr"/>
             <a:r>
-              <a:rPr lang="en-US" sz="2800" dirty="0">
+              <a:rPr lang="en-US" sz="3000" dirty="0">
                 <a:latin typeface="Times New Roman" panose="02020603050405020304" pitchFamily="18" charset="0"/>
                 <a:cs typeface="Times New Roman" panose="02020603050405020304" pitchFamily="18" charset="0"/>
               </a:rPr>

--- a/AdvectionComparison.pptx
+++ b/AdvectionComparison.pptx
@@ -5,7 +5,7 @@
     <p:sldMasterId id="2147483648" r:id="rId1"/>
   </p:sldMasterIdLst>
   <p:notesMasterIdLst>
-    <p:notesMasterId r:id="rId15"/>
+    <p:notesMasterId r:id="rId16"/>
   </p:notesMasterIdLst>
   <p:sldIdLst>
     <p:sldId id="256" r:id="rId2"/>
@@ -15,12 +15,13 @@
     <p:sldId id="266" r:id="rId6"/>
     <p:sldId id="267" r:id="rId7"/>
     <p:sldId id="268" r:id="rId8"/>
-    <p:sldId id="260" r:id="rId9"/>
-    <p:sldId id="261" r:id="rId10"/>
-    <p:sldId id="262" r:id="rId11"/>
-    <p:sldId id="263" r:id="rId12"/>
-    <p:sldId id="264" r:id="rId13"/>
-    <p:sldId id="258" r:id="rId14"/>
+    <p:sldId id="269" r:id="rId9"/>
+    <p:sldId id="260" r:id="rId10"/>
+    <p:sldId id="261" r:id="rId11"/>
+    <p:sldId id="262" r:id="rId12"/>
+    <p:sldId id="263" r:id="rId13"/>
+    <p:sldId id="264" r:id="rId14"/>
+    <p:sldId id="258" r:id="rId15"/>
   </p:sldIdLst>
   <p:sldSz cx="12192000" cy="6858000"/>
   <p:notesSz cx="6858000" cy="9144000"/>
@@ -209,7 +210,7 @@
           <a:p>
             <a:fld id="{25529952-ED70-434C-B8E3-9C1838112CA8}" type="datetimeFigureOut">
               <a:rPr lang="en-US" smtClean="0"/>
-              <a:t>3/6/21</a:t>
+              <a:t>3/7/21</a:t>
             </a:fld>
             <a:endParaRPr lang="en-US"/>
           </a:p>
@@ -560,6 +561,90 @@
 </p:notes>
 </file>
 
+<file path=ppt/notesSlides/notesSlide2.xml><?xml version="1.0" encoding="utf-8"?>
+<p:notes xmlns:a="http://schemas.openxmlformats.org/drawingml/2006/main" xmlns:r="http://schemas.openxmlformats.org/officeDocument/2006/relationships" xmlns:p="http://schemas.openxmlformats.org/presentationml/2006/main">
+  <p:cSld>
+    <p:spTree>
+      <p:nvGrpSpPr>
+        <p:cNvPr id="1" name=""/>
+        <p:cNvGrpSpPr/>
+        <p:nvPr/>
+      </p:nvGrpSpPr>
+      <p:grpSpPr>
+        <a:xfrm>
+          <a:off x="0" y="0"/>
+          <a:ext cx="0" cy="0"/>
+          <a:chOff x="0" y="0"/>
+          <a:chExt cx="0" cy="0"/>
+        </a:xfrm>
+      </p:grpSpPr>
+      <p:sp>
+        <p:nvSpPr>
+          <p:cNvPr id="2" name="Slide Image Placeholder 1"/>
+          <p:cNvSpPr>
+            <a:spLocks noGrp="1" noRot="1" noChangeAspect="1"/>
+          </p:cNvSpPr>
+          <p:nvPr>
+            <p:ph type="sldImg"/>
+          </p:nvPr>
+        </p:nvSpPr>
+        <p:spPr/>
+      </p:sp>
+      <p:sp>
+        <p:nvSpPr>
+          <p:cNvPr id="3" name="Notes Placeholder 2"/>
+          <p:cNvSpPr>
+            <a:spLocks noGrp="1"/>
+          </p:cNvSpPr>
+          <p:nvPr>
+            <p:ph type="body" idx="1"/>
+          </p:nvPr>
+        </p:nvSpPr>
+        <p:spPr/>
+        <p:txBody>
+          <a:bodyPr/>
+          <a:lstStyle/>
+          <a:p>
+            <a:endParaRPr lang="en-US" dirty="0"/>
+          </a:p>
+        </p:txBody>
+      </p:sp>
+      <p:sp>
+        <p:nvSpPr>
+          <p:cNvPr id="4" name="Slide Number Placeholder 3"/>
+          <p:cNvSpPr>
+            <a:spLocks noGrp="1"/>
+          </p:cNvSpPr>
+          <p:nvPr>
+            <p:ph type="sldNum" sz="quarter" idx="5"/>
+          </p:nvPr>
+        </p:nvSpPr>
+        <p:spPr/>
+        <p:txBody>
+          <a:bodyPr/>
+          <a:lstStyle/>
+          <a:p>
+            <a:fld id="{E5A681AB-83E6-DA45-9940-46058A6D8969}" type="slidenum">
+              <a:rPr lang="en-US" smtClean="0"/>
+              <a:t>8</a:t>
+            </a:fld>
+            <a:endParaRPr lang="en-US"/>
+          </a:p>
+        </p:txBody>
+      </p:sp>
+    </p:spTree>
+    <p:extLst>
+      <p:ext uri="{BB962C8B-B14F-4D97-AF65-F5344CB8AC3E}">
+        <p14:creationId xmlns:p14="http://schemas.microsoft.com/office/powerpoint/2010/main" val="1257555826"/>
+      </p:ext>
+    </p:extLst>
+  </p:cSld>
+  <p:clrMapOvr>
+    <a:masterClrMapping/>
+  </p:clrMapOvr>
+</p:notes>
+</file>
+
 <file path=ppt/slideLayouts/slideLayout1.xml><?xml version="1.0" encoding="utf-8"?>
 <p:sldLayout xmlns:a="http://schemas.openxmlformats.org/drawingml/2006/main" xmlns:r="http://schemas.openxmlformats.org/officeDocument/2006/relationships" xmlns:p="http://schemas.openxmlformats.org/presentationml/2006/main" type="title" preserve="1">
   <p:cSld name="Title Slide">
@@ -707,7 +792,7 @@
           <a:p>
             <a:fld id="{8BE64104-6D47-8A42-AF60-5CCB12BB1FB0}" type="datetimeFigureOut">
               <a:rPr lang="en-US" smtClean="0"/>
-              <a:t>3/6/21</a:t>
+              <a:t>3/7/21</a:t>
             </a:fld>
             <a:endParaRPr lang="en-US"/>
           </a:p>
@@ -905,7 +990,7 @@
           <a:p>
             <a:fld id="{8BE64104-6D47-8A42-AF60-5CCB12BB1FB0}" type="datetimeFigureOut">
               <a:rPr lang="en-US" smtClean="0"/>
-              <a:t>3/6/21</a:t>
+              <a:t>3/7/21</a:t>
             </a:fld>
             <a:endParaRPr lang="en-US"/>
           </a:p>
@@ -1113,7 +1198,7 @@
           <a:p>
             <a:fld id="{8BE64104-6D47-8A42-AF60-5CCB12BB1FB0}" type="datetimeFigureOut">
               <a:rPr lang="en-US" smtClean="0"/>
-              <a:t>3/6/21</a:t>
+              <a:t>3/7/21</a:t>
             </a:fld>
             <a:endParaRPr lang="en-US"/>
           </a:p>
@@ -1311,7 +1396,7 @@
           <a:p>
             <a:fld id="{8BE64104-6D47-8A42-AF60-5CCB12BB1FB0}" type="datetimeFigureOut">
               <a:rPr lang="en-US" smtClean="0"/>
-              <a:t>3/6/21</a:t>
+              <a:t>3/7/21</a:t>
             </a:fld>
             <a:endParaRPr lang="en-US"/>
           </a:p>
@@ -1586,7 +1671,7 @@
           <a:p>
             <a:fld id="{8BE64104-6D47-8A42-AF60-5CCB12BB1FB0}" type="datetimeFigureOut">
               <a:rPr lang="en-US" smtClean="0"/>
-              <a:t>3/6/21</a:t>
+              <a:t>3/7/21</a:t>
             </a:fld>
             <a:endParaRPr lang="en-US"/>
           </a:p>
@@ -1851,7 +1936,7 @@
           <a:p>
             <a:fld id="{8BE64104-6D47-8A42-AF60-5CCB12BB1FB0}" type="datetimeFigureOut">
               <a:rPr lang="en-US" smtClean="0"/>
-              <a:t>3/6/21</a:t>
+              <a:t>3/7/21</a:t>
             </a:fld>
             <a:endParaRPr lang="en-US"/>
           </a:p>
@@ -2263,7 +2348,7 @@
           <a:p>
             <a:fld id="{8BE64104-6D47-8A42-AF60-5CCB12BB1FB0}" type="datetimeFigureOut">
               <a:rPr lang="en-US" smtClean="0"/>
-              <a:t>3/6/21</a:t>
+              <a:t>3/7/21</a:t>
             </a:fld>
             <a:endParaRPr lang="en-US"/>
           </a:p>
@@ -2404,7 +2489,7 @@
           <a:p>
             <a:fld id="{8BE64104-6D47-8A42-AF60-5CCB12BB1FB0}" type="datetimeFigureOut">
               <a:rPr lang="en-US" smtClean="0"/>
-              <a:t>3/6/21</a:t>
+              <a:t>3/7/21</a:t>
             </a:fld>
             <a:endParaRPr lang="en-US"/>
           </a:p>
@@ -2517,7 +2602,7 @@
           <a:p>
             <a:fld id="{8BE64104-6D47-8A42-AF60-5CCB12BB1FB0}" type="datetimeFigureOut">
               <a:rPr lang="en-US" smtClean="0"/>
-              <a:t>3/6/21</a:t>
+              <a:t>3/7/21</a:t>
             </a:fld>
             <a:endParaRPr lang="en-US"/>
           </a:p>
@@ -2828,7 +2913,7 @@
           <a:p>
             <a:fld id="{8BE64104-6D47-8A42-AF60-5CCB12BB1FB0}" type="datetimeFigureOut">
               <a:rPr lang="en-US" smtClean="0"/>
-              <a:t>3/6/21</a:t>
+              <a:t>3/7/21</a:t>
             </a:fld>
             <a:endParaRPr lang="en-US"/>
           </a:p>
@@ -3116,7 +3201,7 @@
           <a:p>
             <a:fld id="{8BE64104-6D47-8A42-AF60-5CCB12BB1FB0}" type="datetimeFigureOut">
               <a:rPr lang="en-US" smtClean="0"/>
-              <a:t>3/6/21</a:t>
+              <a:t>3/7/21</a:t>
             </a:fld>
             <a:endParaRPr lang="en-US"/>
           </a:p>
@@ -3357,7 +3442,7 @@
           <a:p>
             <a:fld id="{8BE64104-6D47-8A42-AF60-5CCB12BB1FB0}" type="datetimeFigureOut">
               <a:rPr lang="en-US" smtClean="0"/>
-              <a:t>3/6/21</a:t>
+              <a:t>3/7/21</a:t>
             </a:fld>
             <a:endParaRPr lang="en-US"/>
           </a:p>
@@ -13934,10 +14019,10 @@
       </p:sp>
       <p:pic>
         <p:nvPicPr>
-          <p:cNvPr id="5" name="Picture 4" descr="A picture containing sitting, computer, shirt, underwear&#10;&#10;Description automatically generated">
-            <a:extLst>
-              <a:ext uri="{FF2B5EF4-FFF2-40B4-BE49-F238E27FC236}">
-                <a16:creationId xmlns:a16="http://schemas.microsoft.com/office/drawing/2014/main" id="{A151A96B-6E49-B849-9E11-ED868A8EC8DD}"/>
+          <p:cNvPr id="3" name="Picture 2" descr="A close up of a logo&#10;&#10;Description automatically generated">
+            <a:extLst>
+              <a:ext uri="{FF2B5EF4-FFF2-40B4-BE49-F238E27FC236}">
+                <a16:creationId xmlns:a16="http://schemas.microsoft.com/office/drawing/2014/main" id="{B3CDC377-2515-8846-97D7-4AB816A66081}"/>
               </a:ext>
             </a:extLst>
           </p:cNvPr>
@@ -13954,8 +14039,8 @@
         </p:blipFill>
         <p:spPr>
           <a:xfrm>
-            <a:off x="647123" y="1462556"/>
-            <a:ext cx="4895683" cy="4760444"/>
+            <a:off x="5695950" y="1279558"/>
+            <a:ext cx="5911153" cy="4927600"/>
           </a:xfrm>
           <a:prstGeom prst="rect">
             <a:avLst/>
@@ -13964,10 +14049,10 @@
       </p:pic>
       <p:pic>
         <p:nvPicPr>
-          <p:cNvPr id="7" name="Picture 6" descr="A picture containing shirt, underwear&#10;&#10;Description automatically generated">
-            <a:extLst>
-              <a:ext uri="{FF2B5EF4-FFF2-40B4-BE49-F238E27FC236}">
-                <a16:creationId xmlns:a16="http://schemas.microsoft.com/office/drawing/2014/main" id="{59957571-4F96-E14A-B8C0-765D13EFB8F4}"/>
+          <p:cNvPr id="6" name="Picture 5" descr="A close up of a logo&#10;&#10;Description automatically generated">
+            <a:extLst>
+              <a:ext uri="{FF2B5EF4-FFF2-40B4-BE49-F238E27FC236}">
+                <a16:creationId xmlns:a16="http://schemas.microsoft.com/office/drawing/2014/main" id="{C8E692DF-BBD5-FC4C-A0F1-2F2E64CA315F}"/>
               </a:ext>
             </a:extLst>
           </p:cNvPr>
@@ -13978,13 +14063,13 @@
         </p:nvPicPr>
         <p:blipFill rotWithShape="1">
           <a:blip r:embed="rId3"/>
-          <a:srcRect l="2010" t="359"/>
+          <a:srcRect l="2847" t="492"/>
           <a:stretch/>
         </p:blipFill>
         <p:spPr>
           <a:xfrm>
-            <a:off x="5689600" y="1407584"/>
-            <a:ext cx="5892799" cy="4797277"/>
+            <a:off x="723899" y="1320800"/>
+            <a:ext cx="4744147" cy="4927600"/>
           </a:xfrm>
           <a:prstGeom prst="rect">
             <a:avLst/>
@@ -13994,7 +14079,7 @@
     </p:spTree>
     <p:extLst>
       <p:ext uri="{BB962C8B-B14F-4D97-AF65-F5344CB8AC3E}">
-        <p14:creationId xmlns:p14="http://schemas.microsoft.com/office/powerpoint/2010/main" val="526482442"/>
+        <p14:creationId xmlns:p14="http://schemas.microsoft.com/office/powerpoint/2010/main" val="4233128128"/>
       </p:ext>
     </p:extLst>
   </p:cSld>
@@ -14075,10 +14160,10 @@
       </p:sp>
       <p:pic>
         <p:nvPicPr>
-          <p:cNvPr id="3" name="Picture 2" descr="A close up of a logo&#10;&#10;Description automatically generated">
-            <a:extLst>
-              <a:ext uri="{FF2B5EF4-FFF2-40B4-BE49-F238E27FC236}">
-                <a16:creationId xmlns:a16="http://schemas.microsoft.com/office/drawing/2014/main" id="{AD93B4EB-A4DD-2149-A073-5BD9F4D41758}"/>
+          <p:cNvPr id="5" name="Picture 4" descr="A picture containing sitting, computer, shirt, underwear&#10;&#10;Description automatically generated">
+            <a:extLst>
+              <a:ext uri="{FF2B5EF4-FFF2-40B4-BE49-F238E27FC236}">
+                <a16:creationId xmlns:a16="http://schemas.microsoft.com/office/drawing/2014/main" id="{A151A96B-6E49-B849-9E11-ED868A8EC8DD}"/>
               </a:ext>
             </a:extLst>
           </p:cNvPr>
@@ -14095,8 +14180,8 @@
         </p:blipFill>
         <p:spPr>
           <a:xfrm>
-            <a:off x="648396" y="1385986"/>
-            <a:ext cx="4893881" cy="4742211"/>
+            <a:off x="647123" y="1462556"/>
+            <a:ext cx="4895683" cy="4760444"/>
           </a:xfrm>
           <a:prstGeom prst="rect">
             <a:avLst/>
@@ -14105,10 +14190,10 @@
       </p:pic>
       <p:pic>
         <p:nvPicPr>
-          <p:cNvPr id="6" name="Picture 5" descr="A close up of a logo&#10;&#10;Description automatically generated">
-            <a:extLst>
-              <a:ext uri="{FF2B5EF4-FFF2-40B4-BE49-F238E27FC236}">
-                <a16:creationId xmlns:a16="http://schemas.microsoft.com/office/drawing/2014/main" id="{D956E85A-568D-174D-A267-32A59D575DF4}"/>
+          <p:cNvPr id="7" name="Picture 6" descr="A picture containing shirt, underwear&#10;&#10;Description automatically generated">
+            <a:extLst>
+              <a:ext uri="{FF2B5EF4-FFF2-40B4-BE49-F238E27FC236}">
+                <a16:creationId xmlns:a16="http://schemas.microsoft.com/office/drawing/2014/main" id="{59957571-4F96-E14A-B8C0-765D13EFB8F4}"/>
               </a:ext>
             </a:extLst>
           </p:cNvPr>
@@ -14117,16 +14202,15 @@
           </p:cNvPicPr>
           <p:nvPr/>
         </p:nvPicPr>
-        <p:blipFill>
+        <p:blipFill rotWithShape="1">
           <a:blip r:embed="rId3"/>
-          <a:stretch>
-            <a:fillRect/>
-          </a:stretch>
+          <a:srcRect l="2010" t="359"/>
+          <a:stretch/>
         </p:blipFill>
         <p:spPr>
           <a:xfrm>
-            <a:off x="5715000" y="1412298"/>
-            <a:ext cx="5803900" cy="4732099"/>
+            <a:off x="5689600" y="1407584"/>
+            <a:ext cx="5892799" cy="4797277"/>
           </a:xfrm>
           <a:prstGeom prst="rect">
             <a:avLst/>
@@ -14136,7 +14220,7 @@
     </p:spTree>
     <p:extLst>
       <p:ext uri="{BB962C8B-B14F-4D97-AF65-F5344CB8AC3E}">
-        <p14:creationId xmlns:p14="http://schemas.microsoft.com/office/powerpoint/2010/main" val="323051971"/>
+        <p14:creationId xmlns:p14="http://schemas.microsoft.com/office/powerpoint/2010/main" val="526482442"/>
       </p:ext>
     </p:extLst>
   </p:cSld>
@@ -14217,6 +14301,148 @@
       </p:sp>
       <p:pic>
         <p:nvPicPr>
+          <p:cNvPr id="3" name="Picture 2" descr="A close up of a logo&#10;&#10;Description automatically generated">
+            <a:extLst>
+              <a:ext uri="{FF2B5EF4-FFF2-40B4-BE49-F238E27FC236}">
+                <a16:creationId xmlns:a16="http://schemas.microsoft.com/office/drawing/2014/main" id="{AD93B4EB-A4DD-2149-A073-5BD9F4D41758}"/>
+              </a:ext>
+            </a:extLst>
+          </p:cNvPr>
+          <p:cNvPicPr>
+            <a:picLocks noChangeAspect="1"/>
+          </p:cNvPicPr>
+          <p:nvPr/>
+        </p:nvPicPr>
+        <p:blipFill>
+          <a:blip r:embed="rId2"/>
+          <a:stretch>
+            <a:fillRect/>
+          </a:stretch>
+        </p:blipFill>
+        <p:spPr>
+          <a:xfrm>
+            <a:off x="648396" y="1385986"/>
+            <a:ext cx="4893881" cy="4742211"/>
+          </a:xfrm>
+          <a:prstGeom prst="rect">
+            <a:avLst/>
+          </a:prstGeom>
+        </p:spPr>
+      </p:pic>
+      <p:pic>
+        <p:nvPicPr>
+          <p:cNvPr id="6" name="Picture 5" descr="A close up of a logo&#10;&#10;Description automatically generated">
+            <a:extLst>
+              <a:ext uri="{FF2B5EF4-FFF2-40B4-BE49-F238E27FC236}">
+                <a16:creationId xmlns:a16="http://schemas.microsoft.com/office/drawing/2014/main" id="{D956E85A-568D-174D-A267-32A59D575DF4}"/>
+              </a:ext>
+            </a:extLst>
+          </p:cNvPr>
+          <p:cNvPicPr>
+            <a:picLocks noChangeAspect="1"/>
+          </p:cNvPicPr>
+          <p:nvPr/>
+        </p:nvPicPr>
+        <p:blipFill>
+          <a:blip r:embed="rId3"/>
+          <a:stretch>
+            <a:fillRect/>
+          </a:stretch>
+        </p:blipFill>
+        <p:spPr>
+          <a:xfrm>
+            <a:off x="5715000" y="1412298"/>
+            <a:ext cx="5803900" cy="4732099"/>
+          </a:xfrm>
+          <a:prstGeom prst="rect">
+            <a:avLst/>
+          </a:prstGeom>
+        </p:spPr>
+      </p:pic>
+    </p:spTree>
+    <p:extLst>
+      <p:ext uri="{BB962C8B-B14F-4D97-AF65-F5344CB8AC3E}">
+        <p14:creationId xmlns:p14="http://schemas.microsoft.com/office/powerpoint/2010/main" val="323051971"/>
+      </p:ext>
+    </p:extLst>
+  </p:cSld>
+  <p:clrMapOvr>
+    <a:masterClrMapping/>
+  </p:clrMapOvr>
+</p:sld>
+</file>
+
+<file path=ppt/slides/slide13.xml><?xml version="1.0" encoding="utf-8"?>
+<p:sld xmlns:a="http://schemas.openxmlformats.org/drawingml/2006/main" xmlns:r="http://schemas.openxmlformats.org/officeDocument/2006/relationships" xmlns:p="http://schemas.openxmlformats.org/presentationml/2006/main">
+  <p:cSld>
+    <p:spTree>
+      <p:nvGrpSpPr>
+        <p:cNvPr id="1" name=""/>
+        <p:cNvGrpSpPr/>
+        <p:nvPr/>
+      </p:nvGrpSpPr>
+      <p:grpSpPr>
+        <a:xfrm>
+          <a:off x="0" y="0"/>
+          <a:ext cx="0" cy="0"/>
+          <a:chOff x="0" y="0"/>
+          <a:chExt cx="0" cy="0"/>
+        </a:xfrm>
+      </p:grpSpPr>
+      <p:sp>
+        <p:nvSpPr>
+          <p:cNvPr id="8" name="Rectangle 7">
+            <a:extLst>
+              <a:ext uri="{FF2B5EF4-FFF2-40B4-BE49-F238E27FC236}">
+                <a16:creationId xmlns:a16="http://schemas.microsoft.com/office/drawing/2014/main" id="{EB361D05-5012-1943-8EFF-9BF39DE34245}"/>
+              </a:ext>
+            </a:extLst>
+          </p:cNvPr>
+          <p:cNvSpPr/>
+          <p:nvPr/>
+        </p:nvSpPr>
+        <p:spPr>
+          <a:xfrm>
+            <a:off x="584896" y="1227684"/>
+            <a:ext cx="11111803" cy="5058816"/>
+          </a:xfrm>
+          <a:prstGeom prst="rect">
+            <a:avLst/>
+          </a:prstGeom>
+          <a:noFill/>
+          <a:ln w="38100">
+            <a:solidFill>
+              <a:schemeClr val="tx1"/>
+            </a:solidFill>
+          </a:ln>
+        </p:spPr>
+        <p:style>
+          <a:lnRef idx="2">
+            <a:schemeClr val="accent1">
+              <a:shade val="50000"/>
+            </a:schemeClr>
+          </a:lnRef>
+          <a:fillRef idx="1">
+            <a:schemeClr val="accent1"/>
+          </a:fillRef>
+          <a:effectRef idx="0">
+            <a:schemeClr val="accent1"/>
+          </a:effectRef>
+          <a:fontRef idx="minor">
+            <a:schemeClr val="lt1"/>
+          </a:fontRef>
+        </p:style>
+        <p:txBody>
+          <a:bodyPr rtlCol="0" anchor="ctr"/>
+          <a:lstStyle/>
+          <a:p>
+            <a:pPr algn="ctr"/>
+            <a:endParaRPr lang="en-US"/>
+          </a:p>
+        </p:txBody>
+      </p:sp>
+      <p:pic>
+        <p:nvPicPr>
           <p:cNvPr id="4" name="Picture 3" descr="A picture containing clock&#10;&#10;Description automatically generated">
             <a:extLst>
               <a:ext uri="{FF2B5EF4-FFF2-40B4-BE49-F238E27FC236}">
@@ -14338,7 +14564,7 @@
 </p:sld>
 </file>
 
-<file path=ppt/slides/slide13.xml><?xml version="1.0" encoding="utf-8"?>
+<file path=ppt/slides/slide14.xml><?xml version="1.0" encoding="utf-8"?>
 <p:sld xmlns:a="http://schemas.openxmlformats.org/drawingml/2006/main" xmlns:r="http://schemas.openxmlformats.org/officeDocument/2006/relationships" xmlns:p="http://schemas.openxmlformats.org/presentationml/2006/main">
   <p:cSld>
     <p:spTree>
@@ -46187,7 +46413,7 @@
         </p:nvCxnSpPr>
         <p:spPr>
           <a:xfrm>
-            <a:off x="5461894" y="5318010"/>
+            <a:off x="5769894" y="5318010"/>
             <a:ext cx="2459" cy="404918"/>
           </a:xfrm>
           <a:prstGeom prst="line">
@@ -48175,7 +48401,7 @@
         </p:nvSpPr>
         <p:spPr>
           <a:xfrm>
-            <a:off x="645434" y="5018065"/>
+            <a:off x="953434" y="5018065"/>
             <a:ext cx="274320" cy="274320"/>
           </a:xfrm>
           <a:prstGeom prst="ellipse">
@@ -48229,7 +48455,7 @@
         </p:nvSpPr>
         <p:spPr>
           <a:xfrm>
-            <a:off x="645434" y="5727115"/>
+            <a:off x="953434" y="5727115"/>
             <a:ext cx="274320" cy="274320"/>
           </a:xfrm>
           <a:prstGeom prst="ellipse">
@@ -48287,7 +48513,7 @@
         </p:nvCxnSpPr>
         <p:spPr>
           <a:xfrm>
-            <a:off x="782594" y="5292385"/>
+            <a:off x="1090594" y="5292385"/>
             <a:ext cx="0" cy="434730"/>
           </a:xfrm>
           <a:prstGeom prst="line">
@@ -48328,7 +48554,7 @@
         </p:nvSpPr>
         <p:spPr>
           <a:xfrm>
-            <a:off x="940767" y="5032696"/>
+            <a:off x="1248767" y="5032696"/>
             <a:ext cx="4314691" cy="1015663"/>
           </a:xfrm>
           <a:prstGeom prst="rect">
@@ -48366,7 +48592,7 @@
         </p:nvSpPr>
         <p:spPr>
           <a:xfrm>
-            <a:off x="5324734" y="5043690"/>
+            <a:off x="5632734" y="5043690"/>
             <a:ext cx="274320" cy="274320"/>
           </a:xfrm>
           <a:prstGeom prst="ellipse">
@@ -48420,7 +48646,7 @@
         </p:nvSpPr>
         <p:spPr>
           <a:xfrm>
-            <a:off x="5327193" y="5722928"/>
+            <a:off x="5635193" y="5722928"/>
             <a:ext cx="274320" cy="274320"/>
           </a:xfrm>
           <a:prstGeom prst="ellipse">
@@ -48474,7 +48700,7 @@
         </p:nvSpPr>
         <p:spPr>
           <a:xfrm>
-            <a:off x="5631458" y="5019902"/>
+            <a:off x="5939458" y="5019902"/>
             <a:ext cx="3955588" cy="1015663"/>
           </a:xfrm>
           <a:prstGeom prst="rect">
@@ -48528,72 +48754,12 @@
           <a:chExt cx="0" cy="0"/>
         </a:xfrm>
       </p:grpSpPr>
-      <p:pic>
-        <p:nvPicPr>
-          <p:cNvPr id="5" name="Picture 4" descr="A picture containing sitting, computer, shirt, underwear&#10;&#10;Description automatically generated">
-            <a:extLst>
-              <a:ext uri="{FF2B5EF4-FFF2-40B4-BE49-F238E27FC236}">
-                <a16:creationId xmlns:a16="http://schemas.microsoft.com/office/drawing/2014/main" id="{DB638FEC-0F0F-E74D-B782-317B7CB9E1F3}"/>
-              </a:ext>
-            </a:extLst>
-          </p:cNvPr>
-          <p:cNvPicPr>
-            <a:picLocks noChangeAspect="1"/>
-          </p:cNvPicPr>
-          <p:nvPr/>
-        </p:nvPicPr>
-        <p:blipFill>
-          <a:blip r:embed="rId2"/>
-          <a:stretch>
-            <a:fillRect/>
-          </a:stretch>
-        </p:blipFill>
-        <p:spPr>
-          <a:xfrm>
-            <a:off x="6654223" y="1284524"/>
-            <a:ext cx="5144077" cy="5001976"/>
-          </a:xfrm>
-          <a:prstGeom prst="rect">
-            <a:avLst/>
-          </a:prstGeom>
-        </p:spPr>
-      </p:pic>
-      <p:pic>
-        <p:nvPicPr>
-          <p:cNvPr id="7" name="Picture 6" descr="A picture containing shirt, underwear&#10;&#10;Description automatically generated">
-            <a:extLst>
-              <a:ext uri="{FF2B5EF4-FFF2-40B4-BE49-F238E27FC236}">
-                <a16:creationId xmlns:a16="http://schemas.microsoft.com/office/drawing/2014/main" id="{11DFDFAF-957A-C844-A8A6-C1F6713FBB4E}"/>
-              </a:ext>
-            </a:extLst>
-          </p:cNvPr>
-          <p:cNvPicPr>
-            <a:picLocks noChangeAspect="1"/>
-          </p:cNvPicPr>
-          <p:nvPr/>
-        </p:nvPicPr>
-        <p:blipFill>
-          <a:blip r:embed="rId3"/>
-          <a:stretch>
-            <a:fillRect/>
-          </a:stretch>
-        </p:blipFill>
-        <p:spPr>
-          <a:xfrm>
-            <a:off x="0" y="1227684"/>
-            <a:ext cx="6318784" cy="5058816"/>
-          </a:xfrm>
-          <a:prstGeom prst="rect">
-            <a:avLst/>
-          </a:prstGeom>
-        </p:spPr>
-      </p:pic>
-      <p:sp>
-        <p:nvSpPr>
-          <p:cNvPr id="8" name="Rectangle 7">
-            <a:extLst>
-              <a:ext uri="{FF2B5EF4-FFF2-40B4-BE49-F238E27FC236}">
-                <a16:creationId xmlns:a16="http://schemas.microsoft.com/office/drawing/2014/main" id="{EB361D05-5012-1943-8EFF-9BF39DE34245}"/>
+      <p:sp>
+        <p:nvSpPr>
+          <p:cNvPr id="6" name="Freeform 5">
+            <a:extLst>
+              <a:ext uri="{FF2B5EF4-FFF2-40B4-BE49-F238E27FC236}">
+                <a16:creationId xmlns:a16="http://schemas.microsoft.com/office/drawing/2014/main" id="{47BFB0B9-919C-2640-845B-2F4236B90A8B}"/>
               </a:ext>
             </a:extLst>
           </p:cNvPr>
@@ -48602,16 +48768,54 @@
         </p:nvSpPr>
         <p:spPr>
           <a:xfrm>
-            <a:off x="114300" y="1227684"/>
-            <a:ext cx="11582400" cy="5058816"/>
-          </a:xfrm>
-          <a:prstGeom prst="rect">
-            <a:avLst/>
-          </a:prstGeom>
+            <a:off x="6100628" y="1656971"/>
+            <a:ext cx="4813300" cy="670355"/>
+          </a:xfrm>
+          <a:custGeom>
+            <a:avLst/>
+            <a:gdLst>
+              <a:gd name="connsiteX0" fmla="*/ 0 w 4813300"/>
+              <a:gd name="connsiteY0" fmla="*/ 825500 h 825500"/>
+              <a:gd name="connsiteX1" fmla="*/ 1993900 w 4813300"/>
+              <a:gd name="connsiteY1" fmla="*/ 368300 h 825500"/>
+              <a:gd name="connsiteX2" fmla="*/ 4813300 w 4813300"/>
+              <a:gd name="connsiteY2" fmla="*/ 0 h 825500"/>
+            </a:gdLst>
+            <a:ahLst/>
+            <a:cxnLst>
+              <a:cxn ang="0">
+                <a:pos x="connsiteX0" y="connsiteY0"/>
+              </a:cxn>
+              <a:cxn ang="0">
+                <a:pos x="connsiteX1" y="connsiteY1"/>
+              </a:cxn>
+              <a:cxn ang="0">
+                <a:pos x="connsiteX2" y="connsiteY2"/>
+              </a:cxn>
+            </a:cxnLst>
+            <a:rect l="l" t="t" r="r" b="b"/>
+            <a:pathLst>
+              <a:path w="4813300" h="825500">
+                <a:moveTo>
+                  <a:pt x="0" y="825500"/>
+                </a:moveTo>
+                <a:cubicBezTo>
+                  <a:pt x="595841" y="665691"/>
+                  <a:pt x="1191683" y="505883"/>
+                  <a:pt x="1993900" y="368300"/>
+                </a:cubicBezTo>
+                <a:cubicBezTo>
+                  <a:pt x="2796117" y="230717"/>
+                  <a:pt x="3804708" y="115358"/>
+                  <a:pt x="4813300" y="0"/>
+                </a:cubicBezTo>
+              </a:path>
+            </a:pathLst>
+          </a:custGeom>
           <a:noFill/>
-          <a:ln>
-            <a:solidFill>
-              <a:schemeClr val="tx1"/>
+          <a:ln w="25400">
+            <a:solidFill>
+              <a:srgbClr val="C00000"/>
             </a:solidFill>
           </a:ln>
         </p:spPr>
@@ -48640,10 +48844,2435 @@
           </a:p>
         </p:txBody>
       </p:sp>
+      <p:cxnSp>
+        <p:nvCxnSpPr>
+          <p:cNvPr id="67" name="Straight Arrow Connector 66">
+            <a:extLst>
+              <a:ext uri="{FF2B5EF4-FFF2-40B4-BE49-F238E27FC236}">
+                <a16:creationId xmlns:a16="http://schemas.microsoft.com/office/drawing/2014/main" id="{C4F68EC2-12A7-BD4A-987B-708B291533C6}"/>
+              </a:ext>
+            </a:extLst>
+          </p:cNvPr>
+          <p:cNvCxnSpPr>
+            <a:cxnSpLocks/>
+          </p:cNvCxnSpPr>
+          <p:nvPr/>
+        </p:nvCxnSpPr>
+        <p:spPr>
+          <a:xfrm>
+            <a:off x="837451" y="4320118"/>
+            <a:ext cx="4794440" cy="0"/>
+          </a:xfrm>
+          <a:prstGeom prst="straightConnector1">
+            <a:avLst/>
+          </a:prstGeom>
+          <a:ln w="25400">
+            <a:solidFill>
+              <a:srgbClr val="00B0F0"/>
+            </a:solidFill>
+            <a:headEnd type="triangle" w="lg" len="lg"/>
+            <a:tailEnd type="triangle" w="lg" len="lg"/>
+          </a:ln>
+        </p:spPr>
+        <p:style>
+          <a:lnRef idx="1">
+            <a:schemeClr val="accent1"/>
+          </a:lnRef>
+          <a:fillRef idx="0">
+            <a:schemeClr val="accent1"/>
+          </a:fillRef>
+          <a:effectRef idx="0">
+            <a:schemeClr val="accent1"/>
+          </a:effectRef>
+          <a:fontRef idx="minor">
+            <a:schemeClr val="tx1"/>
+          </a:fontRef>
+        </p:style>
+      </p:cxnSp>
+      <p:cxnSp>
+        <p:nvCxnSpPr>
+          <p:cNvPr id="20" name="Straight Arrow Connector 19">
+            <a:extLst>
+              <a:ext uri="{FF2B5EF4-FFF2-40B4-BE49-F238E27FC236}">
+                <a16:creationId xmlns:a16="http://schemas.microsoft.com/office/drawing/2014/main" id="{AB73F608-712C-5A48-9087-AD5CA2B975A8}"/>
+              </a:ext>
+            </a:extLst>
+          </p:cNvPr>
+          <p:cNvCxnSpPr>
+            <a:cxnSpLocks/>
+          </p:cNvCxnSpPr>
+          <p:nvPr/>
+        </p:nvCxnSpPr>
+        <p:spPr>
+          <a:xfrm>
+            <a:off x="6110586" y="4319416"/>
+            <a:ext cx="4786982" cy="0"/>
+          </a:xfrm>
+          <a:prstGeom prst="straightConnector1">
+            <a:avLst/>
+          </a:prstGeom>
+          <a:ln w="25400">
+            <a:solidFill>
+              <a:srgbClr val="00B0F0"/>
+            </a:solidFill>
+            <a:headEnd type="triangle" w="lg" len="lg"/>
+            <a:tailEnd type="triangle" w="lg" len="lg"/>
+          </a:ln>
+        </p:spPr>
+        <p:style>
+          <a:lnRef idx="1">
+            <a:schemeClr val="accent1"/>
+          </a:lnRef>
+          <a:fillRef idx="0">
+            <a:schemeClr val="accent1"/>
+          </a:fillRef>
+          <a:effectRef idx="0">
+            <a:schemeClr val="accent1"/>
+          </a:effectRef>
+          <a:fontRef idx="minor">
+            <a:schemeClr val="tx1"/>
+          </a:fontRef>
+        </p:style>
+      </p:cxnSp>
+      <p:cxnSp>
+        <p:nvCxnSpPr>
+          <p:cNvPr id="15" name="Straight Connector 14">
+            <a:extLst>
+              <a:ext uri="{FF2B5EF4-FFF2-40B4-BE49-F238E27FC236}">
+                <a16:creationId xmlns:a16="http://schemas.microsoft.com/office/drawing/2014/main" id="{8BE514AF-65BA-7D43-883A-C8B08B2EA806}"/>
+              </a:ext>
+            </a:extLst>
+          </p:cNvPr>
+          <p:cNvCxnSpPr>
+            <a:cxnSpLocks/>
+            <a:stCxn id="49" idx="4"/>
+            <a:endCxn id="52" idx="0"/>
+          </p:cNvCxnSpPr>
+          <p:nvPr/>
+        </p:nvCxnSpPr>
+        <p:spPr>
+          <a:xfrm>
+            <a:off x="5769894" y="5318010"/>
+            <a:ext cx="2459" cy="404918"/>
+          </a:xfrm>
+          <a:prstGeom prst="line">
+            <a:avLst/>
+          </a:prstGeom>
+          <a:ln w="25400">
+            <a:solidFill>
+              <a:srgbClr val="C00000"/>
+            </a:solidFill>
+          </a:ln>
+        </p:spPr>
+        <p:style>
+          <a:lnRef idx="1">
+            <a:schemeClr val="accent1"/>
+          </a:lnRef>
+          <a:fillRef idx="0">
+            <a:schemeClr val="accent1"/>
+          </a:fillRef>
+          <a:effectRef idx="0">
+            <a:schemeClr val="accent1"/>
+          </a:effectRef>
+          <a:fontRef idx="minor">
+            <a:schemeClr val="tx1"/>
+          </a:fontRef>
+        </p:style>
+      </p:cxnSp>
+      <p:cxnSp>
+        <p:nvCxnSpPr>
+          <p:cNvPr id="32" name="Straight Connector 31">
+            <a:extLst>
+              <a:ext uri="{FF2B5EF4-FFF2-40B4-BE49-F238E27FC236}">
+                <a16:creationId xmlns:a16="http://schemas.microsoft.com/office/drawing/2014/main" id="{0CED7FA7-C467-A746-9E49-7B1272FF77B1}"/>
+              </a:ext>
+            </a:extLst>
+          </p:cNvPr>
+          <p:cNvCxnSpPr>
+            <a:cxnSpLocks/>
+          </p:cNvCxnSpPr>
+          <p:nvPr/>
+        </p:nvCxnSpPr>
+        <p:spPr>
+          <a:xfrm>
+            <a:off x="6085871" y="826633"/>
+            <a:ext cx="120" cy="3749040"/>
+          </a:xfrm>
+          <a:prstGeom prst="line">
+            <a:avLst/>
+          </a:prstGeom>
+          <a:ln w="25400">
+            <a:prstDash val="dash"/>
+          </a:ln>
+        </p:spPr>
+        <p:style>
+          <a:lnRef idx="1">
+            <a:schemeClr val="accent1"/>
+          </a:lnRef>
+          <a:fillRef idx="0">
+            <a:schemeClr val="accent1"/>
+          </a:fillRef>
+          <a:effectRef idx="0">
+            <a:schemeClr val="accent1"/>
+          </a:effectRef>
+          <a:fontRef idx="minor">
+            <a:schemeClr val="tx1"/>
+          </a:fontRef>
+        </p:style>
+      </p:cxnSp>
+      <p:cxnSp>
+        <p:nvCxnSpPr>
+          <p:cNvPr id="3" name="Straight Arrow Connector 2">
+            <a:extLst>
+              <a:ext uri="{FF2B5EF4-FFF2-40B4-BE49-F238E27FC236}">
+                <a16:creationId xmlns:a16="http://schemas.microsoft.com/office/drawing/2014/main" id="{AD969CCC-AC02-364F-9573-48E130C0F8B6}"/>
+              </a:ext>
+            </a:extLst>
+          </p:cNvPr>
+          <p:cNvCxnSpPr>
+            <a:cxnSpLocks/>
+          </p:cNvCxnSpPr>
+          <p:nvPr/>
+        </p:nvCxnSpPr>
+        <p:spPr>
+          <a:xfrm flipV="1">
+            <a:off x="834482" y="741145"/>
+            <a:ext cx="0" cy="3850595"/>
+          </a:xfrm>
+          <a:prstGeom prst="straightConnector1">
+            <a:avLst/>
+          </a:prstGeom>
+          <a:ln w="50800">
+            <a:solidFill>
+              <a:schemeClr val="tx1"/>
+            </a:solidFill>
+            <a:tailEnd type="triangle" w="lg" len="lg"/>
+          </a:ln>
+        </p:spPr>
+        <p:style>
+          <a:lnRef idx="1">
+            <a:schemeClr val="accent1"/>
+          </a:lnRef>
+          <a:fillRef idx="0">
+            <a:schemeClr val="accent1"/>
+          </a:fillRef>
+          <a:effectRef idx="0">
+            <a:schemeClr val="accent1"/>
+          </a:effectRef>
+          <a:fontRef idx="minor">
+            <a:schemeClr val="tx1"/>
+          </a:fontRef>
+        </p:style>
+      </p:cxnSp>
+      <p:cxnSp>
+        <p:nvCxnSpPr>
+          <p:cNvPr id="76" name="Straight Arrow Connector 75">
+            <a:extLst>
+              <a:ext uri="{FF2B5EF4-FFF2-40B4-BE49-F238E27FC236}">
+                <a16:creationId xmlns:a16="http://schemas.microsoft.com/office/drawing/2014/main" id="{5B465CC3-ADEE-9E4C-BC6D-E1986E21953F}"/>
+              </a:ext>
+            </a:extLst>
+          </p:cNvPr>
+          <p:cNvCxnSpPr>
+            <a:cxnSpLocks/>
+          </p:cNvCxnSpPr>
+          <p:nvPr/>
+        </p:nvCxnSpPr>
+        <p:spPr>
+          <a:xfrm>
+            <a:off x="809344" y="4591739"/>
+            <a:ext cx="11018984" cy="0"/>
+          </a:xfrm>
+          <a:prstGeom prst="straightConnector1">
+            <a:avLst/>
+          </a:prstGeom>
+          <a:ln w="50800">
+            <a:solidFill>
+              <a:schemeClr val="tx1"/>
+            </a:solidFill>
+            <a:tailEnd type="triangle" w="lg" len="lg"/>
+          </a:ln>
+        </p:spPr>
+        <p:style>
+          <a:lnRef idx="1">
+            <a:schemeClr val="accent1"/>
+          </a:lnRef>
+          <a:fillRef idx="0">
+            <a:schemeClr val="accent1"/>
+          </a:fillRef>
+          <a:effectRef idx="0">
+            <a:schemeClr val="accent1"/>
+          </a:effectRef>
+          <a:fontRef idx="minor">
+            <a:schemeClr val="tx1"/>
+          </a:fontRef>
+        </p:style>
+      </p:cxnSp>
+      <p:sp>
+        <p:nvSpPr>
+          <p:cNvPr id="26" name="TextBox 25">
+            <a:extLst>
+              <a:ext uri="{FF2B5EF4-FFF2-40B4-BE49-F238E27FC236}">
+                <a16:creationId xmlns:a16="http://schemas.microsoft.com/office/drawing/2014/main" id="{20BA0DFE-4C28-9D4F-B1B3-EC82C6497FB1}"/>
+              </a:ext>
+            </a:extLst>
+          </p:cNvPr>
+          <p:cNvSpPr txBox="1"/>
+          <p:nvPr/>
+        </p:nvSpPr>
+        <p:spPr>
+          <a:xfrm>
+            <a:off x="10603626" y="4535637"/>
+            <a:ext cx="1067921" cy="707886"/>
+          </a:xfrm>
+          <a:prstGeom prst="rect">
+            <a:avLst/>
+          </a:prstGeom>
+          <a:noFill/>
+        </p:spPr>
+        <p:txBody>
+          <a:bodyPr wrap="none" rtlCol="0">
+            <a:spAutoFit/>
+          </a:bodyPr>
+          <a:lstStyle/>
+          <a:p>
+            <a:r>
+              <a:rPr lang="en-US" sz="4000" i="1" dirty="0">
+                <a:latin typeface="Times New Roman" panose="02020603050405020304" pitchFamily="18" charset="0"/>
+                <a:cs typeface="Times New Roman" panose="02020603050405020304" pitchFamily="18" charset="0"/>
+              </a:rPr>
+              <a:t>time</a:t>
+            </a:r>
+          </a:p>
+        </p:txBody>
+      </p:sp>
+      <p:sp>
+        <p:nvSpPr>
+          <p:cNvPr id="84" name="TextBox 83">
+            <a:extLst>
+              <a:ext uri="{FF2B5EF4-FFF2-40B4-BE49-F238E27FC236}">
+                <a16:creationId xmlns:a16="http://schemas.microsoft.com/office/drawing/2014/main" id="{09FB2E0F-6599-B843-BBCF-AB8A3162E5B9}"/>
+              </a:ext>
+            </a:extLst>
+          </p:cNvPr>
+          <p:cNvSpPr txBox="1"/>
+          <p:nvPr/>
+        </p:nvSpPr>
+        <p:spPr>
+          <a:xfrm>
+            <a:off x="384360" y="777149"/>
+            <a:ext cx="412292" cy="707886"/>
+          </a:xfrm>
+          <a:prstGeom prst="rect">
+            <a:avLst/>
+          </a:prstGeom>
+          <a:noFill/>
+        </p:spPr>
+        <p:txBody>
+          <a:bodyPr wrap="none" rtlCol="0">
+            <a:spAutoFit/>
+          </a:bodyPr>
+          <a:lstStyle/>
+          <a:p>
+            <a:r>
+              <a:rPr lang="en-US" sz="4000" i="1" dirty="0">
+                <a:latin typeface="Times New Roman" panose="02020603050405020304" pitchFamily="18" charset="0"/>
+                <a:cs typeface="Times New Roman" panose="02020603050405020304" pitchFamily="18" charset="0"/>
+              </a:rPr>
+              <a:t>x</a:t>
+            </a:r>
+          </a:p>
+        </p:txBody>
+      </p:sp>
+      <p:cxnSp>
+        <p:nvCxnSpPr>
+          <p:cNvPr id="29" name="Straight Connector 28">
+            <a:extLst>
+              <a:ext uri="{FF2B5EF4-FFF2-40B4-BE49-F238E27FC236}">
+                <a16:creationId xmlns:a16="http://schemas.microsoft.com/office/drawing/2014/main" id="{E8679CCD-CC7B-CC41-B61B-EDD07FC16A66}"/>
+              </a:ext>
+            </a:extLst>
+          </p:cNvPr>
+          <p:cNvCxnSpPr>
+            <a:cxnSpLocks/>
+          </p:cNvCxnSpPr>
+          <p:nvPr/>
+        </p:nvCxnSpPr>
+        <p:spPr>
+          <a:xfrm flipH="1">
+            <a:off x="5632009" y="826633"/>
+            <a:ext cx="3740" cy="3749040"/>
+          </a:xfrm>
+          <a:prstGeom prst="line">
+            <a:avLst/>
+          </a:prstGeom>
+          <a:ln w="25400">
+            <a:prstDash val="dash"/>
+          </a:ln>
+        </p:spPr>
+        <p:style>
+          <a:lnRef idx="1">
+            <a:schemeClr val="accent1"/>
+          </a:lnRef>
+          <a:fillRef idx="0">
+            <a:schemeClr val="accent1"/>
+          </a:fillRef>
+          <a:effectRef idx="0">
+            <a:schemeClr val="accent1"/>
+          </a:effectRef>
+          <a:fontRef idx="minor">
+            <a:schemeClr val="tx1"/>
+          </a:fontRef>
+        </p:style>
+      </p:cxnSp>
+      <p:cxnSp>
+        <p:nvCxnSpPr>
+          <p:cNvPr id="85" name="Straight Connector 84">
+            <a:extLst>
+              <a:ext uri="{FF2B5EF4-FFF2-40B4-BE49-F238E27FC236}">
+                <a16:creationId xmlns:a16="http://schemas.microsoft.com/office/drawing/2014/main" id="{1FC6E0A0-F1BD-5D42-ADE5-FC9A305B7FC1}"/>
+              </a:ext>
+            </a:extLst>
+          </p:cNvPr>
+          <p:cNvCxnSpPr>
+            <a:cxnSpLocks/>
+          </p:cNvCxnSpPr>
+          <p:nvPr/>
+        </p:nvCxnSpPr>
+        <p:spPr>
+          <a:xfrm flipH="1">
+            <a:off x="10905030" y="830571"/>
+            <a:ext cx="0" cy="3749040"/>
+          </a:xfrm>
+          <a:prstGeom prst="line">
+            <a:avLst/>
+          </a:prstGeom>
+          <a:ln w="25400">
+            <a:prstDash val="dash"/>
+          </a:ln>
+        </p:spPr>
+        <p:style>
+          <a:lnRef idx="1">
+            <a:schemeClr val="accent1"/>
+          </a:lnRef>
+          <a:fillRef idx="0">
+            <a:schemeClr val="accent1"/>
+          </a:fillRef>
+          <a:effectRef idx="0">
+            <a:schemeClr val="accent1"/>
+          </a:effectRef>
+          <a:fontRef idx="minor">
+            <a:schemeClr val="tx1"/>
+          </a:fontRef>
+        </p:style>
+      </p:cxnSp>
+      <p:sp>
+        <p:nvSpPr>
+          <p:cNvPr id="40" name="Oval 39">
+            <a:extLst>
+              <a:ext uri="{FF2B5EF4-FFF2-40B4-BE49-F238E27FC236}">
+                <a16:creationId xmlns:a16="http://schemas.microsoft.com/office/drawing/2014/main" id="{DCF002DD-21C0-C74C-AEB2-33C6A7101CFC}"/>
+              </a:ext>
+            </a:extLst>
+          </p:cNvPr>
+          <p:cNvSpPr/>
+          <p:nvPr/>
+        </p:nvSpPr>
+        <p:spPr>
+          <a:xfrm>
+            <a:off x="697322" y="3761673"/>
+            <a:ext cx="274320" cy="274320"/>
+          </a:xfrm>
+          <a:prstGeom prst="ellipse">
+            <a:avLst/>
+          </a:prstGeom>
+          <a:solidFill>
+            <a:schemeClr val="tx1"/>
+          </a:solidFill>
+          <a:ln>
+            <a:solidFill>
+              <a:schemeClr val="tx1"/>
+            </a:solidFill>
+          </a:ln>
+        </p:spPr>
+        <p:style>
+          <a:lnRef idx="2">
+            <a:schemeClr val="accent1">
+              <a:shade val="50000"/>
+            </a:schemeClr>
+          </a:lnRef>
+          <a:fillRef idx="1">
+            <a:schemeClr val="accent1"/>
+          </a:fillRef>
+          <a:effectRef idx="0">
+            <a:schemeClr val="accent1"/>
+          </a:effectRef>
+          <a:fontRef idx="minor">
+            <a:schemeClr val="lt1"/>
+          </a:fontRef>
+        </p:style>
+        <p:txBody>
+          <a:bodyPr rtlCol="0" anchor="ctr"/>
+          <a:lstStyle/>
+          <a:p>
+            <a:pPr algn="ctr"/>
+            <a:endParaRPr lang="en-US"/>
+          </a:p>
+        </p:txBody>
+      </p:sp>
+      <p:sp>
+        <p:nvSpPr>
+          <p:cNvPr id="94" name="Oval 93">
+            <a:extLst>
+              <a:ext uri="{FF2B5EF4-FFF2-40B4-BE49-F238E27FC236}">
+                <a16:creationId xmlns:a16="http://schemas.microsoft.com/office/drawing/2014/main" id="{A8D5A449-5E23-594A-957F-6DE741CA87C8}"/>
+              </a:ext>
+            </a:extLst>
+          </p:cNvPr>
+          <p:cNvSpPr/>
+          <p:nvPr/>
+        </p:nvSpPr>
+        <p:spPr>
+          <a:xfrm>
+            <a:off x="697204" y="2714126"/>
+            <a:ext cx="274320" cy="274320"/>
+          </a:xfrm>
+          <a:prstGeom prst="ellipse">
+            <a:avLst/>
+          </a:prstGeom>
+          <a:solidFill>
+            <a:schemeClr val="tx1"/>
+          </a:solidFill>
+          <a:ln>
+            <a:solidFill>
+              <a:schemeClr val="tx1"/>
+            </a:solidFill>
+          </a:ln>
+        </p:spPr>
+        <p:style>
+          <a:lnRef idx="2">
+            <a:schemeClr val="accent1">
+              <a:shade val="50000"/>
+            </a:schemeClr>
+          </a:lnRef>
+          <a:fillRef idx="1">
+            <a:schemeClr val="accent1"/>
+          </a:fillRef>
+          <a:effectRef idx="0">
+            <a:schemeClr val="accent1"/>
+          </a:effectRef>
+          <a:fontRef idx="minor">
+            <a:schemeClr val="lt1"/>
+          </a:fontRef>
+        </p:style>
+        <p:txBody>
+          <a:bodyPr rtlCol="0" anchor="ctr"/>
+          <a:lstStyle/>
+          <a:p>
+            <a:pPr algn="ctr"/>
+            <a:endParaRPr lang="en-US"/>
+          </a:p>
+        </p:txBody>
+      </p:sp>
+      <p:sp>
+        <p:nvSpPr>
+          <p:cNvPr id="100" name="Oval 99">
+            <a:extLst>
+              <a:ext uri="{FF2B5EF4-FFF2-40B4-BE49-F238E27FC236}">
+                <a16:creationId xmlns:a16="http://schemas.microsoft.com/office/drawing/2014/main" id="{84D5DB6B-357A-AE49-860D-8C58022E612D}"/>
+              </a:ext>
+            </a:extLst>
+          </p:cNvPr>
+          <p:cNvSpPr/>
+          <p:nvPr/>
+        </p:nvSpPr>
+        <p:spPr>
+          <a:xfrm>
+            <a:off x="697204" y="1656972"/>
+            <a:ext cx="274320" cy="274320"/>
+          </a:xfrm>
+          <a:prstGeom prst="ellipse">
+            <a:avLst/>
+          </a:prstGeom>
+          <a:solidFill>
+            <a:schemeClr val="tx1"/>
+          </a:solidFill>
+          <a:ln>
+            <a:solidFill>
+              <a:schemeClr val="tx1"/>
+            </a:solidFill>
+          </a:ln>
+        </p:spPr>
+        <p:style>
+          <a:lnRef idx="2">
+            <a:schemeClr val="accent1">
+              <a:shade val="50000"/>
+            </a:schemeClr>
+          </a:lnRef>
+          <a:fillRef idx="1">
+            <a:schemeClr val="accent1"/>
+          </a:fillRef>
+          <a:effectRef idx="0">
+            <a:schemeClr val="accent1"/>
+          </a:effectRef>
+          <a:fontRef idx="minor">
+            <a:schemeClr val="lt1"/>
+          </a:fontRef>
+        </p:style>
+        <p:txBody>
+          <a:bodyPr rtlCol="0" anchor="ctr"/>
+          <a:lstStyle/>
+          <a:p>
+            <a:pPr algn="ctr"/>
+            <a:endParaRPr lang="en-US"/>
+          </a:p>
+        </p:txBody>
+      </p:sp>
+      <p:sp>
+        <p:nvSpPr>
+          <p:cNvPr id="108" name="Oval 107">
+            <a:extLst>
+              <a:ext uri="{FF2B5EF4-FFF2-40B4-BE49-F238E27FC236}">
+                <a16:creationId xmlns:a16="http://schemas.microsoft.com/office/drawing/2014/main" id="{EE50A70E-8453-1F47-988A-71F7B4E92766}"/>
+              </a:ext>
+            </a:extLst>
+          </p:cNvPr>
+          <p:cNvSpPr/>
+          <p:nvPr/>
+        </p:nvSpPr>
+        <p:spPr>
+          <a:xfrm>
+            <a:off x="5973426" y="3761673"/>
+            <a:ext cx="274320" cy="274320"/>
+          </a:xfrm>
+          <a:prstGeom prst="ellipse">
+            <a:avLst/>
+          </a:prstGeom>
+          <a:solidFill>
+            <a:schemeClr val="tx1"/>
+          </a:solidFill>
+          <a:ln>
+            <a:solidFill>
+              <a:schemeClr val="tx1"/>
+            </a:solidFill>
+          </a:ln>
+        </p:spPr>
+        <p:style>
+          <a:lnRef idx="2">
+            <a:schemeClr val="accent1">
+              <a:shade val="50000"/>
+            </a:schemeClr>
+          </a:lnRef>
+          <a:fillRef idx="1">
+            <a:schemeClr val="accent1"/>
+          </a:fillRef>
+          <a:effectRef idx="0">
+            <a:schemeClr val="accent1"/>
+          </a:effectRef>
+          <a:fontRef idx="minor">
+            <a:schemeClr val="lt1"/>
+          </a:fontRef>
+        </p:style>
+        <p:txBody>
+          <a:bodyPr rtlCol="0" anchor="ctr"/>
+          <a:lstStyle/>
+          <a:p>
+            <a:pPr algn="ctr"/>
+            <a:endParaRPr lang="en-US"/>
+          </a:p>
+        </p:txBody>
+      </p:sp>
+      <p:sp>
+        <p:nvSpPr>
+          <p:cNvPr id="109" name="Oval 108">
+            <a:extLst>
+              <a:ext uri="{FF2B5EF4-FFF2-40B4-BE49-F238E27FC236}">
+                <a16:creationId xmlns:a16="http://schemas.microsoft.com/office/drawing/2014/main" id="{7C6DA02E-996D-9843-96B3-8ED558AE5448}"/>
+              </a:ext>
+            </a:extLst>
+          </p:cNvPr>
+          <p:cNvSpPr/>
+          <p:nvPr/>
+        </p:nvSpPr>
+        <p:spPr>
+          <a:xfrm>
+            <a:off x="5973426" y="2714126"/>
+            <a:ext cx="274320" cy="274320"/>
+          </a:xfrm>
+          <a:prstGeom prst="ellipse">
+            <a:avLst/>
+          </a:prstGeom>
+          <a:solidFill>
+            <a:schemeClr val="tx1"/>
+          </a:solidFill>
+          <a:ln>
+            <a:solidFill>
+              <a:schemeClr val="tx1"/>
+            </a:solidFill>
+          </a:ln>
+        </p:spPr>
+        <p:style>
+          <a:lnRef idx="2">
+            <a:schemeClr val="accent1">
+              <a:shade val="50000"/>
+            </a:schemeClr>
+          </a:lnRef>
+          <a:fillRef idx="1">
+            <a:schemeClr val="accent1"/>
+          </a:fillRef>
+          <a:effectRef idx="0">
+            <a:schemeClr val="accent1"/>
+          </a:effectRef>
+          <a:fontRef idx="minor">
+            <a:schemeClr val="lt1"/>
+          </a:fontRef>
+        </p:style>
+        <p:txBody>
+          <a:bodyPr rtlCol="0" anchor="ctr"/>
+          <a:lstStyle/>
+          <a:p>
+            <a:pPr algn="ctr"/>
+            <a:endParaRPr lang="en-US"/>
+          </a:p>
+        </p:txBody>
+      </p:sp>
+      <p:sp>
+        <p:nvSpPr>
+          <p:cNvPr id="110" name="Oval 109">
+            <a:extLst>
+              <a:ext uri="{FF2B5EF4-FFF2-40B4-BE49-F238E27FC236}">
+                <a16:creationId xmlns:a16="http://schemas.microsoft.com/office/drawing/2014/main" id="{86995BDC-EC8A-DD43-B261-36A320672993}"/>
+              </a:ext>
+            </a:extLst>
+          </p:cNvPr>
+          <p:cNvSpPr/>
+          <p:nvPr/>
+        </p:nvSpPr>
+        <p:spPr>
+          <a:xfrm>
+            <a:off x="5958964" y="1656972"/>
+            <a:ext cx="274320" cy="274320"/>
+          </a:xfrm>
+          <a:prstGeom prst="ellipse">
+            <a:avLst/>
+          </a:prstGeom>
+          <a:solidFill>
+            <a:schemeClr val="tx1"/>
+          </a:solidFill>
+          <a:ln>
+            <a:solidFill>
+              <a:schemeClr val="tx1"/>
+            </a:solidFill>
+          </a:ln>
+        </p:spPr>
+        <p:style>
+          <a:lnRef idx="2">
+            <a:schemeClr val="accent1">
+              <a:shade val="50000"/>
+            </a:schemeClr>
+          </a:lnRef>
+          <a:fillRef idx="1">
+            <a:schemeClr val="accent1"/>
+          </a:fillRef>
+          <a:effectRef idx="0">
+            <a:schemeClr val="accent1"/>
+          </a:effectRef>
+          <a:fontRef idx="minor">
+            <a:schemeClr val="lt1"/>
+          </a:fontRef>
+        </p:style>
+        <p:txBody>
+          <a:bodyPr rtlCol="0" anchor="ctr"/>
+          <a:lstStyle/>
+          <a:p>
+            <a:pPr algn="ctr"/>
+            <a:endParaRPr lang="en-US"/>
+          </a:p>
+        </p:txBody>
+      </p:sp>
+      <p:sp>
+        <p:nvSpPr>
+          <p:cNvPr id="124" name="Freeform 123">
+            <a:extLst>
+              <a:ext uri="{FF2B5EF4-FFF2-40B4-BE49-F238E27FC236}">
+                <a16:creationId xmlns:a16="http://schemas.microsoft.com/office/drawing/2014/main" id="{46D88F8F-1A4E-FB42-BB1A-03F6EDCC8B36}"/>
+              </a:ext>
+            </a:extLst>
+          </p:cNvPr>
+          <p:cNvSpPr/>
+          <p:nvPr/>
+        </p:nvSpPr>
+        <p:spPr>
+          <a:xfrm>
+            <a:off x="834482" y="1274417"/>
+            <a:ext cx="4807536" cy="519953"/>
+          </a:xfrm>
+          <a:custGeom>
+            <a:avLst/>
+            <a:gdLst>
+              <a:gd name="connsiteX0" fmla="*/ 0 w 5486400"/>
+              <a:gd name="connsiteY0" fmla="*/ 519953 h 519953"/>
+              <a:gd name="connsiteX1" fmla="*/ 3657600 w 5486400"/>
+              <a:gd name="connsiteY1" fmla="*/ 340659 h 519953"/>
+              <a:gd name="connsiteX2" fmla="*/ 5486400 w 5486400"/>
+              <a:gd name="connsiteY2" fmla="*/ 0 h 519953"/>
+            </a:gdLst>
+            <a:ahLst/>
+            <a:cxnLst>
+              <a:cxn ang="0">
+                <a:pos x="connsiteX0" y="connsiteY0"/>
+              </a:cxn>
+              <a:cxn ang="0">
+                <a:pos x="connsiteX1" y="connsiteY1"/>
+              </a:cxn>
+              <a:cxn ang="0">
+                <a:pos x="connsiteX2" y="connsiteY2"/>
+              </a:cxn>
+            </a:cxnLst>
+            <a:rect l="l" t="t" r="r" b="b"/>
+            <a:pathLst>
+              <a:path w="5486400" h="519953">
+                <a:moveTo>
+                  <a:pt x="0" y="519953"/>
+                </a:moveTo>
+                <a:cubicBezTo>
+                  <a:pt x="1371600" y="473635"/>
+                  <a:pt x="2743200" y="427318"/>
+                  <a:pt x="3657600" y="340659"/>
+                </a:cubicBezTo>
+                <a:cubicBezTo>
+                  <a:pt x="4572000" y="254000"/>
+                  <a:pt x="5029200" y="127000"/>
+                  <a:pt x="5486400" y="0"/>
+                </a:cubicBezTo>
+              </a:path>
+            </a:pathLst>
+          </a:custGeom>
+          <a:noFill/>
+          <a:ln w="25400">
+            <a:solidFill>
+              <a:schemeClr val="tx1"/>
+            </a:solidFill>
+          </a:ln>
+        </p:spPr>
+        <p:style>
+          <a:lnRef idx="2">
+            <a:schemeClr val="accent1">
+              <a:shade val="50000"/>
+            </a:schemeClr>
+          </a:lnRef>
+          <a:fillRef idx="1">
+            <a:schemeClr val="accent1"/>
+          </a:fillRef>
+          <a:effectRef idx="0">
+            <a:schemeClr val="accent1"/>
+          </a:effectRef>
+          <a:fontRef idx="minor">
+            <a:schemeClr val="lt1"/>
+          </a:fontRef>
+        </p:style>
+        <p:txBody>
+          <a:bodyPr rtlCol="0" anchor="ctr"/>
+          <a:lstStyle/>
+          <a:p>
+            <a:pPr algn="ctr"/>
+            <a:endParaRPr lang="en-US"/>
+          </a:p>
+        </p:txBody>
+      </p:sp>
+      <p:sp>
+        <p:nvSpPr>
+          <p:cNvPr id="125" name="Freeform 124">
+            <a:extLst>
+              <a:ext uri="{FF2B5EF4-FFF2-40B4-BE49-F238E27FC236}">
+                <a16:creationId xmlns:a16="http://schemas.microsoft.com/office/drawing/2014/main" id="{A2D8B917-58CE-9F44-81C4-9ADCDF27B39C}"/>
+              </a:ext>
+            </a:extLst>
+          </p:cNvPr>
+          <p:cNvSpPr/>
+          <p:nvPr/>
+        </p:nvSpPr>
+        <p:spPr>
+          <a:xfrm>
+            <a:off x="815655" y="1893448"/>
+            <a:ext cx="4816236" cy="972300"/>
+          </a:xfrm>
+          <a:custGeom>
+            <a:avLst/>
+            <a:gdLst>
+              <a:gd name="connsiteX0" fmla="*/ 0 w 5504329"/>
+              <a:gd name="connsiteY0" fmla="*/ 968188 h 972300"/>
+              <a:gd name="connsiteX1" fmla="*/ 3173506 w 5504329"/>
+              <a:gd name="connsiteY1" fmla="*/ 824752 h 972300"/>
+              <a:gd name="connsiteX2" fmla="*/ 5504329 w 5504329"/>
+              <a:gd name="connsiteY2" fmla="*/ 0 h 972300"/>
+            </a:gdLst>
+            <a:ahLst/>
+            <a:cxnLst>
+              <a:cxn ang="0">
+                <a:pos x="connsiteX0" y="connsiteY0"/>
+              </a:cxn>
+              <a:cxn ang="0">
+                <a:pos x="connsiteX1" y="connsiteY1"/>
+              </a:cxn>
+              <a:cxn ang="0">
+                <a:pos x="connsiteX2" y="connsiteY2"/>
+              </a:cxn>
+            </a:cxnLst>
+            <a:rect l="l" t="t" r="r" b="b"/>
+            <a:pathLst>
+              <a:path w="5504329" h="972300">
+                <a:moveTo>
+                  <a:pt x="0" y="968188"/>
+                </a:moveTo>
+                <a:cubicBezTo>
+                  <a:pt x="1128059" y="977152"/>
+                  <a:pt x="2256118" y="986117"/>
+                  <a:pt x="3173506" y="824752"/>
+                </a:cubicBezTo>
+                <a:cubicBezTo>
+                  <a:pt x="4090894" y="663387"/>
+                  <a:pt x="4797611" y="331693"/>
+                  <a:pt x="5504329" y="0"/>
+                </a:cubicBezTo>
+              </a:path>
+            </a:pathLst>
+          </a:custGeom>
+          <a:noFill/>
+          <a:ln w="25400">
+            <a:solidFill>
+              <a:schemeClr val="tx1"/>
+            </a:solidFill>
+          </a:ln>
+        </p:spPr>
+        <p:style>
+          <a:lnRef idx="2">
+            <a:schemeClr val="accent1">
+              <a:shade val="50000"/>
+            </a:schemeClr>
+          </a:lnRef>
+          <a:fillRef idx="1">
+            <a:schemeClr val="accent1"/>
+          </a:fillRef>
+          <a:effectRef idx="0">
+            <a:schemeClr val="accent1"/>
+          </a:effectRef>
+          <a:fontRef idx="minor">
+            <a:schemeClr val="lt1"/>
+          </a:fontRef>
+        </p:style>
+        <p:txBody>
+          <a:bodyPr rtlCol="0" anchor="ctr"/>
+          <a:lstStyle/>
+          <a:p>
+            <a:pPr algn="ctr"/>
+            <a:endParaRPr lang="en-US"/>
+          </a:p>
+        </p:txBody>
+      </p:sp>
+      <p:sp>
+        <p:nvSpPr>
+          <p:cNvPr id="126" name="Freeform 125">
+            <a:extLst>
+              <a:ext uri="{FF2B5EF4-FFF2-40B4-BE49-F238E27FC236}">
+                <a16:creationId xmlns:a16="http://schemas.microsoft.com/office/drawing/2014/main" id="{50916F8B-2717-7E4E-B991-BDCA8C34F0D1}"/>
+              </a:ext>
+            </a:extLst>
+          </p:cNvPr>
+          <p:cNvSpPr/>
+          <p:nvPr/>
+        </p:nvSpPr>
+        <p:spPr>
+          <a:xfrm>
+            <a:off x="843296" y="3003690"/>
+            <a:ext cx="4798724" cy="879743"/>
+          </a:xfrm>
+          <a:custGeom>
+            <a:avLst/>
+            <a:gdLst>
+              <a:gd name="connsiteX0" fmla="*/ 0 w 5468471"/>
+              <a:gd name="connsiteY0" fmla="*/ 968188 h 968188"/>
+              <a:gd name="connsiteX1" fmla="*/ 2617694 w 5468471"/>
+              <a:gd name="connsiteY1" fmla="*/ 735106 h 968188"/>
+              <a:gd name="connsiteX2" fmla="*/ 5468471 w 5468471"/>
+              <a:gd name="connsiteY2" fmla="*/ 0 h 968188"/>
+            </a:gdLst>
+            <a:ahLst/>
+            <a:cxnLst>
+              <a:cxn ang="0">
+                <a:pos x="connsiteX0" y="connsiteY0"/>
+              </a:cxn>
+              <a:cxn ang="0">
+                <a:pos x="connsiteX1" y="connsiteY1"/>
+              </a:cxn>
+              <a:cxn ang="0">
+                <a:pos x="connsiteX2" y="connsiteY2"/>
+              </a:cxn>
+            </a:cxnLst>
+            <a:rect l="l" t="t" r="r" b="b"/>
+            <a:pathLst>
+              <a:path w="5468471" h="968188">
+                <a:moveTo>
+                  <a:pt x="0" y="968188"/>
+                </a:moveTo>
+                <a:cubicBezTo>
+                  <a:pt x="853141" y="932329"/>
+                  <a:pt x="1706282" y="896471"/>
+                  <a:pt x="2617694" y="735106"/>
+                </a:cubicBezTo>
+                <a:cubicBezTo>
+                  <a:pt x="3529106" y="573741"/>
+                  <a:pt x="4498788" y="286870"/>
+                  <a:pt x="5468471" y="0"/>
+                </a:cubicBezTo>
+              </a:path>
+            </a:pathLst>
+          </a:custGeom>
+          <a:noFill/>
+          <a:ln w="25400">
+            <a:solidFill>
+              <a:schemeClr val="tx1"/>
+            </a:solidFill>
+          </a:ln>
+        </p:spPr>
+        <p:style>
+          <a:lnRef idx="2">
+            <a:schemeClr val="accent1">
+              <a:shade val="50000"/>
+            </a:schemeClr>
+          </a:lnRef>
+          <a:fillRef idx="1">
+            <a:schemeClr val="accent1"/>
+          </a:fillRef>
+          <a:effectRef idx="0">
+            <a:schemeClr val="accent1"/>
+          </a:effectRef>
+          <a:fontRef idx="minor">
+            <a:schemeClr val="lt1"/>
+          </a:fontRef>
+        </p:style>
+        <p:txBody>
+          <a:bodyPr rtlCol="0" anchor="ctr"/>
+          <a:lstStyle/>
+          <a:p>
+            <a:pPr algn="ctr"/>
+            <a:endParaRPr lang="en-US"/>
+          </a:p>
+        </p:txBody>
+      </p:sp>
+      <p:sp>
+        <p:nvSpPr>
+          <p:cNvPr id="127" name="Freeform 126">
+            <a:extLst>
+              <a:ext uri="{FF2B5EF4-FFF2-40B4-BE49-F238E27FC236}">
+                <a16:creationId xmlns:a16="http://schemas.microsoft.com/office/drawing/2014/main" id="{010EE951-D465-0A41-BE9E-9EE49D574A09}"/>
+              </a:ext>
+            </a:extLst>
+          </p:cNvPr>
+          <p:cNvSpPr/>
+          <p:nvPr/>
+        </p:nvSpPr>
+        <p:spPr>
+          <a:xfrm>
+            <a:off x="6096000" y="1270898"/>
+            <a:ext cx="4810225" cy="505543"/>
+          </a:xfrm>
+          <a:custGeom>
+            <a:avLst/>
+            <a:gdLst>
+              <a:gd name="connsiteX0" fmla="*/ 0 w 4930588"/>
+              <a:gd name="connsiteY0" fmla="*/ 505543 h 505543"/>
+              <a:gd name="connsiteX1" fmla="*/ 2456329 w 4930588"/>
+              <a:gd name="connsiteY1" fmla="*/ 39378 h 505543"/>
+              <a:gd name="connsiteX2" fmla="*/ 4930588 w 4930588"/>
+              <a:gd name="connsiteY2" fmla="*/ 57308 h 505543"/>
+            </a:gdLst>
+            <a:ahLst/>
+            <a:cxnLst>
+              <a:cxn ang="0">
+                <a:pos x="connsiteX0" y="connsiteY0"/>
+              </a:cxn>
+              <a:cxn ang="0">
+                <a:pos x="connsiteX1" y="connsiteY1"/>
+              </a:cxn>
+              <a:cxn ang="0">
+                <a:pos x="connsiteX2" y="connsiteY2"/>
+              </a:cxn>
+            </a:cxnLst>
+            <a:rect l="l" t="t" r="r" b="b"/>
+            <a:pathLst>
+              <a:path w="4930588" h="505543">
+                <a:moveTo>
+                  <a:pt x="0" y="505543"/>
+                </a:moveTo>
+                <a:cubicBezTo>
+                  <a:pt x="817282" y="309813"/>
+                  <a:pt x="1634564" y="114084"/>
+                  <a:pt x="2456329" y="39378"/>
+                </a:cubicBezTo>
+                <a:cubicBezTo>
+                  <a:pt x="3278094" y="-35328"/>
+                  <a:pt x="4104341" y="10990"/>
+                  <a:pt x="4930588" y="57308"/>
+                </a:cubicBezTo>
+              </a:path>
+            </a:pathLst>
+          </a:custGeom>
+          <a:noFill/>
+          <a:ln w="25400">
+            <a:solidFill>
+              <a:schemeClr val="tx1"/>
+            </a:solidFill>
+          </a:ln>
+        </p:spPr>
+        <p:style>
+          <a:lnRef idx="2">
+            <a:schemeClr val="accent1">
+              <a:shade val="50000"/>
+            </a:schemeClr>
+          </a:lnRef>
+          <a:fillRef idx="1">
+            <a:schemeClr val="accent1"/>
+          </a:fillRef>
+          <a:effectRef idx="0">
+            <a:schemeClr val="accent1"/>
+          </a:effectRef>
+          <a:fontRef idx="minor">
+            <a:schemeClr val="lt1"/>
+          </a:fontRef>
+        </p:style>
+        <p:txBody>
+          <a:bodyPr rtlCol="0" anchor="ctr"/>
+          <a:lstStyle/>
+          <a:p>
+            <a:pPr algn="ctr"/>
+            <a:endParaRPr lang="en-US"/>
+          </a:p>
+        </p:txBody>
+      </p:sp>
+      <p:sp>
+        <p:nvSpPr>
+          <p:cNvPr id="128" name="Freeform 127">
+            <a:extLst>
+              <a:ext uri="{FF2B5EF4-FFF2-40B4-BE49-F238E27FC236}">
+                <a16:creationId xmlns:a16="http://schemas.microsoft.com/office/drawing/2014/main" id="{C5A6B780-0E7C-D049-920F-6B1479E85AAB}"/>
+              </a:ext>
+            </a:extLst>
+          </p:cNvPr>
+          <p:cNvSpPr/>
+          <p:nvPr/>
+        </p:nvSpPr>
+        <p:spPr>
+          <a:xfrm>
+            <a:off x="6095999" y="2015692"/>
+            <a:ext cx="4807837" cy="845944"/>
+          </a:xfrm>
+          <a:custGeom>
+            <a:avLst/>
+            <a:gdLst>
+              <a:gd name="connsiteX0" fmla="*/ 0 w 4930588"/>
+              <a:gd name="connsiteY0" fmla="*/ 986118 h 986118"/>
+              <a:gd name="connsiteX1" fmla="*/ 3119718 w 4930588"/>
+              <a:gd name="connsiteY1" fmla="*/ 484094 h 986118"/>
+              <a:gd name="connsiteX2" fmla="*/ 4930588 w 4930588"/>
+              <a:gd name="connsiteY2" fmla="*/ 0 h 986118"/>
+            </a:gdLst>
+            <a:ahLst/>
+            <a:cxnLst>
+              <a:cxn ang="0">
+                <a:pos x="connsiteX0" y="connsiteY0"/>
+              </a:cxn>
+              <a:cxn ang="0">
+                <a:pos x="connsiteX1" y="connsiteY1"/>
+              </a:cxn>
+              <a:cxn ang="0">
+                <a:pos x="connsiteX2" y="connsiteY2"/>
+              </a:cxn>
+            </a:cxnLst>
+            <a:rect l="l" t="t" r="r" b="b"/>
+            <a:pathLst>
+              <a:path w="4930588" h="986118">
+                <a:moveTo>
+                  <a:pt x="0" y="986118"/>
+                </a:moveTo>
+                <a:cubicBezTo>
+                  <a:pt x="1148976" y="817282"/>
+                  <a:pt x="2297953" y="648447"/>
+                  <a:pt x="3119718" y="484094"/>
+                </a:cubicBezTo>
+                <a:cubicBezTo>
+                  <a:pt x="3941483" y="319741"/>
+                  <a:pt x="4436035" y="159870"/>
+                  <a:pt x="4930588" y="0"/>
+                </a:cubicBezTo>
+              </a:path>
+            </a:pathLst>
+          </a:custGeom>
+          <a:noFill/>
+          <a:ln w="25400">
+            <a:solidFill>
+              <a:schemeClr val="tx1"/>
+            </a:solidFill>
+          </a:ln>
+        </p:spPr>
+        <p:style>
+          <a:lnRef idx="2">
+            <a:schemeClr val="accent1">
+              <a:shade val="50000"/>
+            </a:schemeClr>
+          </a:lnRef>
+          <a:fillRef idx="1">
+            <a:schemeClr val="accent1"/>
+          </a:fillRef>
+          <a:effectRef idx="0">
+            <a:schemeClr val="accent1"/>
+          </a:effectRef>
+          <a:fontRef idx="minor">
+            <a:schemeClr val="lt1"/>
+          </a:fontRef>
+        </p:style>
+        <p:txBody>
+          <a:bodyPr rtlCol="0" anchor="ctr"/>
+          <a:lstStyle/>
+          <a:p>
+            <a:pPr algn="ctr"/>
+            <a:endParaRPr lang="en-US"/>
+          </a:p>
+        </p:txBody>
+      </p:sp>
+      <p:sp>
+        <p:nvSpPr>
+          <p:cNvPr id="129" name="Freeform 128">
+            <a:extLst>
+              <a:ext uri="{FF2B5EF4-FFF2-40B4-BE49-F238E27FC236}">
+                <a16:creationId xmlns:a16="http://schemas.microsoft.com/office/drawing/2014/main" id="{6305C155-0D47-C542-A2A0-9AD00EE899E8}"/>
+              </a:ext>
+            </a:extLst>
+          </p:cNvPr>
+          <p:cNvSpPr/>
+          <p:nvPr/>
+        </p:nvSpPr>
+        <p:spPr>
+          <a:xfrm>
+            <a:off x="6113929" y="3267010"/>
+            <a:ext cx="4796599" cy="598495"/>
+          </a:xfrm>
+          <a:custGeom>
+            <a:avLst/>
+            <a:gdLst>
+              <a:gd name="connsiteX0" fmla="*/ 0 w 4948518"/>
+              <a:gd name="connsiteY0" fmla="*/ 598495 h 598495"/>
+              <a:gd name="connsiteX1" fmla="*/ 2277035 w 4948518"/>
+              <a:gd name="connsiteY1" fmla="*/ 6824 h 598495"/>
+              <a:gd name="connsiteX2" fmla="*/ 4948518 w 4948518"/>
+              <a:gd name="connsiteY2" fmla="*/ 329554 h 598495"/>
+            </a:gdLst>
+            <a:ahLst/>
+            <a:cxnLst>
+              <a:cxn ang="0">
+                <a:pos x="connsiteX0" y="connsiteY0"/>
+              </a:cxn>
+              <a:cxn ang="0">
+                <a:pos x="connsiteX1" y="connsiteY1"/>
+              </a:cxn>
+              <a:cxn ang="0">
+                <a:pos x="connsiteX2" y="connsiteY2"/>
+              </a:cxn>
+            </a:cxnLst>
+            <a:rect l="l" t="t" r="r" b="b"/>
+            <a:pathLst>
+              <a:path w="4948518" h="598495">
+                <a:moveTo>
+                  <a:pt x="0" y="598495"/>
+                </a:moveTo>
+                <a:cubicBezTo>
+                  <a:pt x="726141" y="325071"/>
+                  <a:pt x="1452282" y="51647"/>
+                  <a:pt x="2277035" y="6824"/>
+                </a:cubicBezTo>
+                <a:cubicBezTo>
+                  <a:pt x="3101788" y="-37999"/>
+                  <a:pt x="4025153" y="145777"/>
+                  <a:pt x="4948518" y="329554"/>
+                </a:cubicBezTo>
+              </a:path>
+            </a:pathLst>
+          </a:custGeom>
+          <a:noFill/>
+          <a:ln w="25400">
+            <a:solidFill>
+              <a:schemeClr val="tx1"/>
+            </a:solidFill>
+          </a:ln>
+        </p:spPr>
+        <p:style>
+          <a:lnRef idx="2">
+            <a:schemeClr val="accent1">
+              <a:shade val="50000"/>
+            </a:schemeClr>
+          </a:lnRef>
+          <a:fillRef idx="1">
+            <a:schemeClr val="accent1"/>
+          </a:fillRef>
+          <a:effectRef idx="0">
+            <a:schemeClr val="accent1"/>
+          </a:effectRef>
+          <a:fontRef idx="minor">
+            <a:schemeClr val="lt1"/>
+          </a:fontRef>
+        </p:style>
+        <p:txBody>
+          <a:bodyPr rtlCol="0" anchor="ctr"/>
+          <a:lstStyle/>
+          <a:p>
+            <a:pPr algn="ctr"/>
+            <a:endParaRPr lang="en-US"/>
+          </a:p>
+        </p:txBody>
+      </p:sp>
+      <p:sp>
+        <p:nvSpPr>
+          <p:cNvPr id="130" name="Oval 129">
+            <a:extLst>
+              <a:ext uri="{FF2B5EF4-FFF2-40B4-BE49-F238E27FC236}">
+                <a16:creationId xmlns:a16="http://schemas.microsoft.com/office/drawing/2014/main" id="{DB6DA9D9-8C59-ED4D-BFD1-E80808D850A3}"/>
+              </a:ext>
+            </a:extLst>
+          </p:cNvPr>
+          <p:cNvSpPr/>
+          <p:nvPr/>
+        </p:nvSpPr>
+        <p:spPr>
+          <a:xfrm>
+            <a:off x="5499973" y="1126078"/>
+            <a:ext cx="274320" cy="274320"/>
+          </a:xfrm>
+          <a:prstGeom prst="ellipse">
+            <a:avLst/>
+          </a:prstGeom>
+          <a:solidFill>
+            <a:schemeClr val="bg1"/>
+          </a:solidFill>
+          <a:ln w="50800">
+            <a:solidFill>
+              <a:schemeClr val="tx1"/>
+            </a:solidFill>
+          </a:ln>
+        </p:spPr>
+        <p:style>
+          <a:lnRef idx="2">
+            <a:schemeClr val="accent1">
+              <a:shade val="50000"/>
+            </a:schemeClr>
+          </a:lnRef>
+          <a:fillRef idx="1">
+            <a:schemeClr val="accent1"/>
+          </a:fillRef>
+          <a:effectRef idx="0">
+            <a:schemeClr val="accent1"/>
+          </a:effectRef>
+          <a:fontRef idx="minor">
+            <a:schemeClr val="lt1"/>
+          </a:fontRef>
+        </p:style>
+        <p:txBody>
+          <a:bodyPr rtlCol="0" anchor="ctr"/>
+          <a:lstStyle/>
+          <a:p>
+            <a:pPr algn="ctr"/>
+            <a:endParaRPr lang="en-US"/>
+          </a:p>
+        </p:txBody>
+      </p:sp>
+      <p:sp>
+        <p:nvSpPr>
+          <p:cNvPr id="131" name="Oval 130">
+            <a:extLst>
+              <a:ext uri="{FF2B5EF4-FFF2-40B4-BE49-F238E27FC236}">
+                <a16:creationId xmlns:a16="http://schemas.microsoft.com/office/drawing/2014/main" id="{323C23E8-A83D-8147-AC17-78E72130C549}"/>
+              </a:ext>
+            </a:extLst>
+          </p:cNvPr>
+          <p:cNvSpPr/>
+          <p:nvPr/>
+        </p:nvSpPr>
+        <p:spPr>
+          <a:xfrm>
+            <a:off x="5499973" y="1764591"/>
+            <a:ext cx="274320" cy="274320"/>
+          </a:xfrm>
+          <a:prstGeom prst="ellipse">
+            <a:avLst/>
+          </a:prstGeom>
+          <a:solidFill>
+            <a:schemeClr val="bg1"/>
+          </a:solidFill>
+          <a:ln w="50800">
+            <a:solidFill>
+              <a:schemeClr val="tx1"/>
+            </a:solidFill>
+          </a:ln>
+        </p:spPr>
+        <p:style>
+          <a:lnRef idx="2">
+            <a:schemeClr val="accent1">
+              <a:shade val="50000"/>
+            </a:schemeClr>
+          </a:lnRef>
+          <a:fillRef idx="1">
+            <a:schemeClr val="accent1"/>
+          </a:fillRef>
+          <a:effectRef idx="0">
+            <a:schemeClr val="accent1"/>
+          </a:effectRef>
+          <a:fontRef idx="minor">
+            <a:schemeClr val="lt1"/>
+          </a:fontRef>
+        </p:style>
+        <p:txBody>
+          <a:bodyPr rtlCol="0" anchor="ctr"/>
+          <a:lstStyle/>
+          <a:p>
+            <a:pPr algn="ctr"/>
+            <a:endParaRPr lang="en-US"/>
+          </a:p>
+        </p:txBody>
+      </p:sp>
+      <p:sp>
+        <p:nvSpPr>
+          <p:cNvPr id="132" name="Oval 131">
+            <a:extLst>
+              <a:ext uri="{FF2B5EF4-FFF2-40B4-BE49-F238E27FC236}">
+                <a16:creationId xmlns:a16="http://schemas.microsoft.com/office/drawing/2014/main" id="{937585FE-4E2B-2D43-B667-13CCBBC06E71}"/>
+              </a:ext>
+            </a:extLst>
+          </p:cNvPr>
+          <p:cNvSpPr/>
+          <p:nvPr/>
+        </p:nvSpPr>
+        <p:spPr>
+          <a:xfrm>
+            <a:off x="5500580" y="2839390"/>
+            <a:ext cx="274320" cy="274320"/>
+          </a:xfrm>
+          <a:prstGeom prst="ellipse">
+            <a:avLst/>
+          </a:prstGeom>
+          <a:solidFill>
+            <a:schemeClr val="bg1"/>
+          </a:solidFill>
+          <a:ln w="50800">
+            <a:solidFill>
+              <a:schemeClr val="tx1"/>
+            </a:solidFill>
+          </a:ln>
+        </p:spPr>
+        <p:style>
+          <a:lnRef idx="2">
+            <a:schemeClr val="accent1">
+              <a:shade val="50000"/>
+            </a:schemeClr>
+          </a:lnRef>
+          <a:fillRef idx="1">
+            <a:schemeClr val="accent1"/>
+          </a:fillRef>
+          <a:effectRef idx="0">
+            <a:schemeClr val="accent1"/>
+          </a:effectRef>
+          <a:fontRef idx="minor">
+            <a:schemeClr val="lt1"/>
+          </a:fontRef>
+        </p:style>
+        <p:txBody>
+          <a:bodyPr rtlCol="0" anchor="ctr"/>
+          <a:lstStyle/>
+          <a:p>
+            <a:pPr algn="ctr"/>
+            <a:endParaRPr lang="en-US"/>
+          </a:p>
+        </p:txBody>
+      </p:sp>
+      <p:sp>
+        <p:nvSpPr>
+          <p:cNvPr id="133" name="Oval 132">
+            <a:extLst>
+              <a:ext uri="{FF2B5EF4-FFF2-40B4-BE49-F238E27FC236}">
+                <a16:creationId xmlns:a16="http://schemas.microsoft.com/office/drawing/2014/main" id="{47D5BD3E-C284-F44C-B4A1-7F06607829D0}"/>
+              </a:ext>
+            </a:extLst>
+          </p:cNvPr>
+          <p:cNvSpPr/>
+          <p:nvPr/>
+        </p:nvSpPr>
+        <p:spPr>
+          <a:xfrm>
+            <a:off x="10767866" y="1221046"/>
+            <a:ext cx="274320" cy="274320"/>
+          </a:xfrm>
+          <a:prstGeom prst="ellipse">
+            <a:avLst/>
+          </a:prstGeom>
+          <a:solidFill>
+            <a:schemeClr val="bg1"/>
+          </a:solidFill>
+          <a:ln w="50800">
+            <a:solidFill>
+              <a:schemeClr val="tx1"/>
+            </a:solidFill>
+          </a:ln>
+        </p:spPr>
+        <p:style>
+          <a:lnRef idx="2">
+            <a:schemeClr val="accent1">
+              <a:shade val="50000"/>
+            </a:schemeClr>
+          </a:lnRef>
+          <a:fillRef idx="1">
+            <a:schemeClr val="accent1"/>
+          </a:fillRef>
+          <a:effectRef idx="0">
+            <a:schemeClr val="accent1"/>
+          </a:effectRef>
+          <a:fontRef idx="minor">
+            <a:schemeClr val="lt1"/>
+          </a:fontRef>
+        </p:style>
+        <p:txBody>
+          <a:bodyPr rtlCol="0" anchor="ctr"/>
+          <a:lstStyle/>
+          <a:p>
+            <a:pPr algn="ctr"/>
+            <a:endParaRPr lang="en-US"/>
+          </a:p>
+        </p:txBody>
+      </p:sp>
+      <p:sp>
+        <p:nvSpPr>
+          <p:cNvPr id="134" name="Oval 133">
+            <a:extLst>
+              <a:ext uri="{FF2B5EF4-FFF2-40B4-BE49-F238E27FC236}">
+                <a16:creationId xmlns:a16="http://schemas.microsoft.com/office/drawing/2014/main" id="{0E12DBB2-F4E4-9E43-AD48-AAF87156AFCC}"/>
+              </a:ext>
+            </a:extLst>
+          </p:cNvPr>
+          <p:cNvSpPr/>
+          <p:nvPr/>
+        </p:nvSpPr>
+        <p:spPr>
+          <a:xfrm>
+            <a:off x="10772289" y="1860841"/>
+            <a:ext cx="274320" cy="274320"/>
+          </a:xfrm>
+          <a:prstGeom prst="ellipse">
+            <a:avLst/>
+          </a:prstGeom>
+          <a:solidFill>
+            <a:schemeClr val="bg1"/>
+          </a:solidFill>
+          <a:ln w="50800">
+            <a:solidFill>
+              <a:schemeClr val="tx1"/>
+            </a:solidFill>
+          </a:ln>
+        </p:spPr>
+        <p:style>
+          <a:lnRef idx="2">
+            <a:schemeClr val="accent1">
+              <a:shade val="50000"/>
+            </a:schemeClr>
+          </a:lnRef>
+          <a:fillRef idx="1">
+            <a:schemeClr val="accent1"/>
+          </a:fillRef>
+          <a:effectRef idx="0">
+            <a:schemeClr val="accent1"/>
+          </a:effectRef>
+          <a:fontRef idx="minor">
+            <a:schemeClr val="lt1"/>
+          </a:fontRef>
+        </p:style>
+        <p:txBody>
+          <a:bodyPr rtlCol="0" anchor="ctr"/>
+          <a:lstStyle/>
+          <a:p>
+            <a:pPr algn="ctr"/>
+            <a:endParaRPr lang="en-US"/>
+          </a:p>
+        </p:txBody>
+      </p:sp>
+      <p:sp>
+        <p:nvSpPr>
+          <p:cNvPr id="135" name="Oval 134">
+            <a:extLst>
+              <a:ext uri="{FF2B5EF4-FFF2-40B4-BE49-F238E27FC236}">
+                <a16:creationId xmlns:a16="http://schemas.microsoft.com/office/drawing/2014/main" id="{E70C2583-CD22-C349-B82C-CB88CB513B2F}"/>
+              </a:ext>
+            </a:extLst>
+          </p:cNvPr>
+          <p:cNvSpPr/>
+          <p:nvPr/>
+        </p:nvSpPr>
+        <p:spPr>
+          <a:xfrm>
+            <a:off x="10776296" y="3458127"/>
+            <a:ext cx="274320" cy="274320"/>
+          </a:xfrm>
+          <a:prstGeom prst="ellipse">
+            <a:avLst/>
+          </a:prstGeom>
+          <a:solidFill>
+            <a:schemeClr val="bg1"/>
+          </a:solidFill>
+          <a:ln w="50800">
+            <a:solidFill>
+              <a:schemeClr val="tx1"/>
+            </a:solidFill>
+          </a:ln>
+        </p:spPr>
+        <p:style>
+          <a:lnRef idx="2">
+            <a:schemeClr val="accent1">
+              <a:shade val="50000"/>
+            </a:schemeClr>
+          </a:lnRef>
+          <a:fillRef idx="1">
+            <a:schemeClr val="accent1"/>
+          </a:fillRef>
+          <a:effectRef idx="0">
+            <a:schemeClr val="accent1"/>
+          </a:effectRef>
+          <a:fontRef idx="minor">
+            <a:schemeClr val="lt1"/>
+          </a:fontRef>
+        </p:style>
+        <p:txBody>
+          <a:bodyPr rtlCol="0" anchor="ctr"/>
+          <a:lstStyle/>
+          <a:p>
+            <a:pPr algn="ctr"/>
+            <a:endParaRPr lang="en-US"/>
+          </a:p>
+        </p:txBody>
+      </p:sp>
+      <p:sp>
+        <p:nvSpPr>
+          <p:cNvPr id="136" name="Oval 135">
+            <a:extLst>
+              <a:ext uri="{FF2B5EF4-FFF2-40B4-BE49-F238E27FC236}">
+                <a16:creationId xmlns:a16="http://schemas.microsoft.com/office/drawing/2014/main" id="{1AB6EF56-7A3C-5446-99B4-518F54A0949B}"/>
+              </a:ext>
+            </a:extLst>
+          </p:cNvPr>
+          <p:cNvSpPr/>
+          <p:nvPr/>
+        </p:nvSpPr>
+        <p:spPr>
+          <a:xfrm>
+            <a:off x="692965" y="3065709"/>
+            <a:ext cx="274320" cy="274320"/>
+          </a:xfrm>
+          <a:prstGeom prst="ellipse">
+            <a:avLst/>
+          </a:prstGeom>
+          <a:solidFill>
+            <a:srgbClr val="C00000"/>
+          </a:solidFill>
+          <a:ln>
+            <a:solidFill>
+              <a:schemeClr val="tx1"/>
+            </a:solidFill>
+          </a:ln>
+        </p:spPr>
+        <p:style>
+          <a:lnRef idx="2">
+            <a:schemeClr val="accent1">
+              <a:shade val="50000"/>
+            </a:schemeClr>
+          </a:lnRef>
+          <a:fillRef idx="1">
+            <a:schemeClr val="accent1"/>
+          </a:fillRef>
+          <a:effectRef idx="0">
+            <a:schemeClr val="accent1"/>
+          </a:effectRef>
+          <a:fontRef idx="minor">
+            <a:schemeClr val="lt1"/>
+          </a:fontRef>
+        </p:style>
+        <p:txBody>
+          <a:bodyPr rtlCol="0" anchor="ctr"/>
+          <a:lstStyle/>
+          <a:p>
+            <a:pPr algn="ctr"/>
+            <a:endParaRPr lang="en-US"/>
+          </a:p>
+        </p:txBody>
+      </p:sp>
+      <p:sp>
+        <p:nvSpPr>
+          <p:cNvPr id="138" name="Oval 137">
+            <a:extLst>
+              <a:ext uri="{FF2B5EF4-FFF2-40B4-BE49-F238E27FC236}">
+                <a16:creationId xmlns:a16="http://schemas.microsoft.com/office/drawing/2014/main" id="{021AF6ED-9CAA-5046-9A23-B6B963F36198}"/>
+              </a:ext>
+            </a:extLst>
+          </p:cNvPr>
+          <p:cNvSpPr/>
+          <p:nvPr/>
+        </p:nvSpPr>
+        <p:spPr>
+          <a:xfrm>
+            <a:off x="5496341" y="2167133"/>
+            <a:ext cx="274320" cy="274320"/>
+          </a:xfrm>
+          <a:prstGeom prst="ellipse">
+            <a:avLst/>
+          </a:prstGeom>
+          <a:solidFill>
+            <a:srgbClr val="C00000"/>
+          </a:solidFill>
+          <a:ln>
+            <a:solidFill>
+              <a:schemeClr val="tx1"/>
+            </a:solidFill>
+          </a:ln>
+        </p:spPr>
+        <p:style>
+          <a:lnRef idx="2">
+            <a:schemeClr val="accent1">
+              <a:shade val="50000"/>
+            </a:schemeClr>
+          </a:lnRef>
+          <a:fillRef idx="1">
+            <a:schemeClr val="accent1"/>
+          </a:fillRef>
+          <a:effectRef idx="0">
+            <a:schemeClr val="accent1"/>
+          </a:effectRef>
+          <a:fontRef idx="minor">
+            <a:schemeClr val="lt1"/>
+          </a:fontRef>
+        </p:style>
+        <p:txBody>
+          <a:bodyPr rtlCol="0" anchor="ctr"/>
+          <a:lstStyle/>
+          <a:p>
+            <a:pPr algn="ctr"/>
+            <a:endParaRPr lang="en-US"/>
+          </a:p>
+        </p:txBody>
+      </p:sp>
+      <p:sp>
+        <p:nvSpPr>
+          <p:cNvPr id="139" name="Oval 138">
+            <a:extLst>
+              <a:ext uri="{FF2B5EF4-FFF2-40B4-BE49-F238E27FC236}">
+                <a16:creationId xmlns:a16="http://schemas.microsoft.com/office/drawing/2014/main" id="{D5B307B1-46F9-4746-B217-C0CF229F0695}"/>
+              </a:ext>
+            </a:extLst>
+          </p:cNvPr>
+          <p:cNvSpPr/>
+          <p:nvPr/>
+        </p:nvSpPr>
+        <p:spPr>
+          <a:xfrm>
+            <a:off x="10767866" y="1546414"/>
+            <a:ext cx="274320" cy="274320"/>
+          </a:xfrm>
+          <a:prstGeom prst="ellipse">
+            <a:avLst/>
+          </a:prstGeom>
+          <a:solidFill>
+            <a:srgbClr val="C00000"/>
+          </a:solidFill>
+          <a:ln>
+            <a:solidFill>
+              <a:schemeClr val="tx1"/>
+            </a:solidFill>
+          </a:ln>
+        </p:spPr>
+        <p:style>
+          <a:lnRef idx="2">
+            <a:schemeClr val="accent1">
+              <a:shade val="50000"/>
+            </a:schemeClr>
+          </a:lnRef>
+          <a:fillRef idx="1">
+            <a:schemeClr val="accent1"/>
+          </a:fillRef>
+          <a:effectRef idx="0">
+            <a:schemeClr val="accent1"/>
+          </a:effectRef>
+          <a:fontRef idx="minor">
+            <a:schemeClr val="lt1"/>
+          </a:fontRef>
+        </p:style>
+        <p:txBody>
+          <a:bodyPr rtlCol="0" anchor="ctr"/>
+          <a:lstStyle/>
+          <a:p>
+            <a:pPr algn="ctr"/>
+            <a:endParaRPr lang="en-US"/>
+          </a:p>
+        </p:txBody>
+      </p:sp>
+      <p:cxnSp>
+        <p:nvCxnSpPr>
+          <p:cNvPr id="148" name="Straight Arrow Connector 147">
+            <a:extLst>
+              <a:ext uri="{FF2B5EF4-FFF2-40B4-BE49-F238E27FC236}">
+                <a16:creationId xmlns:a16="http://schemas.microsoft.com/office/drawing/2014/main" id="{E07EAF2D-BBA3-9F45-8BC9-079F54DEA256}"/>
+              </a:ext>
+            </a:extLst>
+          </p:cNvPr>
+          <p:cNvCxnSpPr>
+            <a:cxnSpLocks/>
+          </p:cNvCxnSpPr>
+          <p:nvPr/>
+        </p:nvCxnSpPr>
+        <p:spPr>
+          <a:xfrm>
+            <a:off x="565767" y="1764590"/>
+            <a:ext cx="0" cy="1069848"/>
+          </a:xfrm>
+          <a:prstGeom prst="straightConnector1">
+            <a:avLst/>
+          </a:prstGeom>
+          <a:ln w="25400">
+            <a:solidFill>
+              <a:srgbClr val="FFC000"/>
+            </a:solidFill>
+            <a:headEnd type="triangle" w="lg" len="lg"/>
+            <a:tailEnd type="triangle" w="lg" len="lg"/>
+          </a:ln>
+        </p:spPr>
+        <p:style>
+          <a:lnRef idx="1">
+            <a:schemeClr val="accent1"/>
+          </a:lnRef>
+          <a:fillRef idx="0">
+            <a:schemeClr val="accent1"/>
+          </a:fillRef>
+          <a:effectRef idx="0">
+            <a:schemeClr val="accent1"/>
+          </a:effectRef>
+          <a:fontRef idx="minor">
+            <a:schemeClr val="tx1"/>
+          </a:fontRef>
+        </p:style>
+      </p:cxnSp>
+      <p:cxnSp>
+        <p:nvCxnSpPr>
+          <p:cNvPr id="149" name="Straight Arrow Connector 148">
+            <a:extLst>
+              <a:ext uri="{FF2B5EF4-FFF2-40B4-BE49-F238E27FC236}">
+                <a16:creationId xmlns:a16="http://schemas.microsoft.com/office/drawing/2014/main" id="{96789EB6-ECDD-0549-8CBE-33D71C7D6980}"/>
+              </a:ext>
+            </a:extLst>
+          </p:cNvPr>
+          <p:cNvCxnSpPr>
+            <a:cxnSpLocks/>
+          </p:cNvCxnSpPr>
+          <p:nvPr/>
+        </p:nvCxnSpPr>
+        <p:spPr>
+          <a:xfrm>
+            <a:off x="565767" y="2861636"/>
+            <a:ext cx="0" cy="1065237"/>
+          </a:xfrm>
+          <a:prstGeom prst="straightConnector1">
+            <a:avLst/>
+          </a:prstGeom>
+          <a:ln w="25400">
+            <a:solidFill>
+              <a:srgbClr val="FFC000"/>
+            </a:solidFill>
+            <a:headEnd type="triangle" w="lg" len="lg"/>
+            <a:tailEnd type="triangle" w="lg" len="lg"/>
+          </a:ln>
+        </p:spPr>
+        <p:style>
+          <a:lnRef idx="1">
+            <a:schemeClr val="accent1"/>
+          </a:lnRef>
+          <a:fillRef idx="0">
+            <a:schemeClr val="accent1"/>
+          </a:fillRef>
+          <a:effectRef idx="0">
+            <a:schemeClr val="accent1"/>
+          </a:effectRef>
+          <a:fontRef idx="minor">
+            <a:schemeClr val="tx1"/>
+          </a:fontRef>
+        </p:style>
+      </p:cxnSp>
+      <p:sp>
+        <p:nvSpPr>
+          <p:cNvPr id="33" name="Oval 32">
+            <a:extLst>
+              <a:ext uri="{FF2B5EF4-FFF2-40B4-BE49-F238E27FC236}">
+                <a16:creationId xmlns:a16="http://schemas.microsoft.com/office/drawing/2014/main" id="{91CC0E09-D2F4-6C4B-8E51-8C30D5E38AB5}"/>
+              </a:ext>
+            </a:extLst>
+          </p:cNvPr>
+          <p:cNvSpPr/>
+          <p:nvPr/>
+        </p:nvSpPr>
+        <p:spPr>
+          <a:xfrm>
+            <a:off x="5948830" y="2167133"/>
+            <a:ext cx="274320" cy="274320"/>
+          </a:xfrm>
+          <a:prstGeom prst="ellipse">
+            <a:avLst/>
+          </a:prstGeom>
+          <a:solidFill>
+            <a:srgbClr val="C00000"/>
+          </a:solidFill>
+          <a:ln>
+            <a:solidFill>
+              <a:schemeClr val="tx1"/>
+            </a:solidFill>
+          </a:ln>
+        </p:spPr>
+        <p:style>
+          <a:lnRef idx="2">
+            <a:schemeClr val="accent1">
+              <a:shade val="50000"/>
+            </a:schemeClr>
+          </a:lnRef>
+          <a:fillRef idx="1">
+            <a:schemeClr val="accent1"/>
+          </a:fillRef>
+          <a:effectRef idx="0">
+            <a:schemeClr val="accent1"/>
+          </a:effectRef>
+          <a:fontRef idx="minor">
+            <a:schemeClr val="lt1"/>
+          </a:fontRef>
+        </p:style>
+        <p:txBody>
+          <a:bodyPr rtlCol="0" anchor="ctr"/>
+          <a:lstStyle/>
+          <a:p>
+            <a:pPr algn="ctr"/>
+            <a:endParaRPr lang="en-US"/>
+          </a:p>
+        </p:txBody>
+      </p:sp>
+      <p:sp>
+        <p:nvSpPr>
+          <p:cNvPr id="38" name="TextBox 37">
+            <a:extLst>
+              <a:ext uri="{FF2B5EF4-FFF2-40B4-BE49-F238E27FC236}">
+                <a16:creationId xmlns:a16="http://schemas.microsoft.com/office/drawing/2014/main" id="{8B1C75B8-4E2D-F84D-962D-4DAE40B1B8FC}"/>
+              </a:ext>
+            </a:extLst>
+          </p:cNvPr>
+          <p:cNvSpPr txBox="1"/>
+          <p:nvPr/>
+        </p:nvSpPr>
+        <p:spPr>
+          <a:xfrm>
+            <a:off x="2187931" y="3970852"/>
+            <a:ext cx="1995700" cy="584775"/>
+          </a:xfrm>
+          <a:prstGeom prst="rect">
+            <a:avLst/>
+          </a:prstGeom>
+          <a:solidFill>
+            <a:schemeClr val="bg1"/>
+          </a:solidFill>
+        </p:spPr>
+        <p:txBody>
+          <a:bodyPr wrap="square" rtlCol="0">
+            <a:spAutoFit/>
+          </a:bodyPr>
+          <a:lstStyle/>
+          <a:p>
+            <a:pPr algn="ctr"/>
+            <a:r>
+              <a:rPr lang="en-US" sz="3200" b="1" dirty="0">
+                <a:latin typeface="Times New Roman" panose="02020603050405020304" pitchFamily="18" charset="0"/>
+                <a:cs typeface="Times New Roman" panose="02020603050405020304" pitchFamily="18" charset="0"/>
+              </a:rPr>
+              <a:t>Interval 1</a:t>
+            </a:r>
+          </a:p>
+        </p:txBody>
+      </p:sp>
+      <p:sp>
+        <p:nvSpPr>
+          <p:cNvPr id="39" name="TextBox 38">
+            <a:extLst>
+              <a:ext uri="{FF2B5EF4-FFF2-40B4-BE49-F238E27FC236}">
+                <a16:creationId xmlns:a16="http://schemas.microsoft.com/office/drawing/2014/main" id="{D6574E8A-7831-5C4A-8D4A-E2EE0F82608B}"/>
+              </a:ext>
+            </a:extLst>
+          </p:cNvPr>
+          <p:cNvSpPr txBox="1"/>
+          <p:nvPr/>
+        </p:nvSpPr>
+        <p:spPr>
+          <a:xfrm>
+            <a:off x="7504366" y="3970852"/>
+            <a:ext cx="1958168" cy="584775"/>
+          </a:xfrm>
+          <a:prstGeom prst="rect">
+            <a:avLst/>
+          </a:prstGeom>
+          <a:solidFill>
+            <a:schemeClr val="bg1"/>
+          </a:solidFill>
+        </p:spPr>
+        <p:txBody>
+          <a:bodyPr wrap="square" rtlCol="0">
+            <a:spAutoFit/>
+          </a:bodyPr>
+          <a:lstStyle/>
+          <a:p>
+            <a:pPr algn="ctr"/>
+            <a:r>
+              <a:rPr lang="en-US" sz="3200" b="1" dirty="0">
+                <a:latin typeface="Times New Roman" panose="02020603050405020304" pitchFamily="18" charset="0"/>
+                <a:cs typeface="Times New Roman" panose="02020603050405020304" pitchFamily="18" charset="0"/>
+              </a:rPr>
+              <a:t>Interval 2</a:t>
+            </a:r>
+          </a:p>
+        </p:txBody>
+      </p:sp>
+      <p:sp>
+        <p:nvSpPr>
+          <p:cNvPr id="41" name="Oval 40">
+            <a:extLst>
+              <a:ext uri="{FF2B5EF4-FFF2-40B4-BE49-F238E27FC236}">
+                <a16:creationId xmlns:a16="http://schemas.microsoft.com/office/drawing/2014/main" id="{99F67756-6EC7-DC43-8297-D12455A369AF}"/>
+              </a:ext>
+            </a:extLst>
+          </p:cNvPr>
+          <p:cNvSpPr/>
+          <p:nvPr/>
+        </p:nvSpPr>
+        <p:spPr>
+          <a:xfrm>
+            <a:off x="953434" y="5018065"/>
+            <a:ext cx="274320" cy="274320"/>
+          </a:xfrm>
+          <a:prstGeom prst="ellipse">
+            <a:avLst/>
+          </a:prstGeom>
+          <a:solidFill>
+            <a:schemeClr val="tx1"/>
+          </a:solidFill>
+          <a:ln>
+            <a:solidFill>
+              <a:schemeClr val="tx1"/>
+            </a:solidFill>
+          </a:ln>
+        </p:spPr>
+        <p:style>
+          <a:lnRef idx="2">
+            <a:schemeClr val="accent1">
+              <a:shade val="50000"/>
+            </a:schemeClr>
+          </a:lnRef>
+          <a:fillRef idx="1">
+            <a:schemeClr val="accent1"/>
+          </a:fillRef>
+          <a:effectRef idx="0">
+            <a:schemeClr val="accent1"/>
+          </a:effectRef>
+          <a:fontRef idx="minor">
+            <a:schemeClr val="lt1"/>
+          </a:fontRef>
+        </p:style>
+        <p:txBody>
+          <a:bodyPr rtlCol="0" anchor="ctr"/>
+          <a:lstStyle/>
+          <a:p>
+            <a:pPr algn="ctr"/>
+            <a:endParaRPr lang="en-US"/>
+          </a:p>
+        </p:txBody>
+      </p:sp>
+      <p:sp>
+        <p:nvSpPr>
+          <p:cNvPr id="42" name="Oval 41">
+            <a:extLst>
+              <a:ext uri="{FF2B5EF4-FFF2-40B4-BE49-F238E27FC236}">
+                <a16:creationId xmlns:a16="http://schemas.microsoft.com/office/drawing/2014/main" id="{A0201795-87A7-6F48-8761-3F432245E42E}"/>
+              </a:ext>
+            </a:extLst>
+          </p:cNvPr>
+          <p:cNvSpPr/>
+          <p:nvPr/>
+        </p:nvSpPr>
+        <p:spPr>
+          <a:xfrm>
+            <a:off x="953434" y="5727115"/>
+            <a:ext cx="274320" cy="274320"/>
+          </a:xfrm>
+          <a:prstGeom prst="ellipse">
+            <a:avLst/>
+          </a:prstGeom>
+          <a:solidFill>
+            <a:schemeClr val="bg1"/>
+          </a:solidFill>
+          <a:ln w="50800">
+            <a:solidFill>
+              <a:schemeClr val="tx1"/>
+            </a:solidFill>
+          </a:ln>
+        </p:spPr>
+        <p:style>
+          <a:lnRef idx="2">
+            <a:schemeClr val="accent1">
+              <a:shade val="50000"/>
+            </a:schemeClr>
+          </a:lnRef>
+          <a:fillRef idx="1">
+            <a:schemeClr val="accent1"/>
+          </a:fillRef>
+          <a:effectRef idx="0">
+            <a:schemeClr val="accent1"/>
+          </a:effectRef>
+          <a:fontRef idx="minor">
+            <a:schemeClr val="lt1"/>
+          </a:fontRef>
+        </p:style>
+        <p:txBody>
+          <a:bodyPr rtlCol="0" anchor="ctr"/>
+          <a:lstStyle/>
+          <a:p>
+            <a:pPr algn="ctr"/>
+            <a:endParaRPr lang="en-US"/>
+          </a:p>
+        </p:txBody>
+      </p:sp>
+      <p:cxnSp>
+        <p:nvCxnSpPr>
+          <p:cNvPr id="7" name="Straight Connector 6">
+            <a:extLst>
+              <a:ext uri="{FF2B5EF4-FFF2-40B4-BE49-F238E27FC236}">
+                <a16:creationId xmlns:a16="http://schemas.microsoft.com/office/drawing/2014/main" id="{EFE7133D-5651-E341-9754-58F56C011AB3}"/>
+              </a:ext>
+            </a:extLst>
+          </p:cNvPr>
+          <p:cNvCxnSpPr>
+            <a:cxnSpLocks/>
+            <a:stCxn id="41" idx="4"/>
+            <a:endCxn id="42" idx="0"/>
+          </p:cNvCxnSpPr>
+          <p:nvPr/>
+        </p:nvCxnSpPr>
+        <p:spPr>
+          <a:xfrm>
+            <a:off x="1090594" y="5292385"/>
+            <a:ext cx="0" cy="434730"/>
+          </a:xfrm>
+          <a:prstGeom prst="line">
+            <a:avLst/>
+          </a:prstGeom>
+          <a:ln w="25400">
+            <a:solidFill>
+              <a:schemeClr val="tx1"/>
+            </a:solidFill>
+          </a:ln>
+        </p:spPr>
+        <p:style>
+          <a:lnRef idx="1">
+            <a:schemeClr val="accent1"/>
+          </a:lnRef>
+          <a:fillRef idx="0">
+            <a:schemeClr val="accent1"/>
+          </a:fillRef>
+          <a:effectRef idx="0">
+            <a:schemeClr val="accent1"/>
+          </a:effectRef>
+          <a:fontRef idx="minor">
+            <a:schemeClr val="tx1"/>
+          </a:fontRef>
+        </p:style>
+      </p:cxnSp>
+      <p:sp>
+        <p:nvSpPr>
+          <p:cNvPr id="11" name="TextBox 10">
+            <a:extLst>
+              <a:ext uri="{FF2B5EF4-FFF2-40B4-BE49-F238E27FC236}">
+                <a16:creationId xmlns:a16="http://schemas.microsoft.com/office/drawing/2014/main" id="{0DB36C12-D215-5C4C-A45E-E427F99BD33F}"/>
+              </a:ext>
+            </a:extLst>
+          </p:cNvPr>
+          <p:cNvSpPr txBox="1"/>
+          <p:nvPr/>
+        </p:nvSpPr>
+        <p:spPr>
+          <a:xfrm>
+            <a:off x="1248767" y="5032696"/>
+            <a:ext cx="4314691" cy="1015663"/>
+          </a:xfrm>
+          <a:prstGeom prst="rect">
+            <a:avLst/>
+          </a:prstGeom>
+          <a:noFill/>
+        </p:spPr>
+        <p:txBody>
+          <a:bodyPr wrap="square" rtlCol="0">
+            <a:spAutoFit/>
+          </a:bodyPr>
+          <a:lstStyle/>
+          <a:p>
+            <a:r>
+              <a:rPr lang="en-US" sz="3000" dirty="0">
+                <a:latin typeface="Times New Roman" panose="02020603050405020304" pitchFamily="18" charset="0"/>
+                <a:cs typeface="Times New Roman" panose="02020603050405020304" pitchFamily="18" charset="0"/>
+              </a:rPr>
+              <a:t>In situ extracted flow map particle trajectory</a:t>
+            </a:r>
+          </a:p>
+        </p:txBody>
+      </p:sp>
+      <p:sp>
+        <p:nvSpPr>
+          <p:cNvPr id="49" name="Oval 48">
+            <a:extLst>
+              <a:ext uri="{FF2B5EF4-FFF2-40B4-BE49-F238E27FC236}">
+                <a16:creationId xmlns:a16="http://schemas.microsoft.com/office/drawing/2014/main" id="{E3F1B865-E7E6-2D48-8833-DDF52FC16B6A}"/>
+              </a:ext>
+            </a:extLst>
+          </p:cNvPr>
+          <p:cNvSpPr/>
+          <p:nvPr/>
+        </p:nvSpPr>
+        <p:spPr>
+          <a:xfrm>
+            <a:off x="5632734" y="5043690"/>
+            <a:ext cx="274320" cy="274320"/>
+          </a:xfrm>
+          <a:prstGeom prst="ellipse">
+            <a:avLst/>
+          </a:prstGeom>
+          <a:solidFill>
+            <a:srgbClr val="C00000"/>
+          </a:solidFill>
+          <a:ln>
+            <a:solidFill>
+              <a:schemeClr val="tx1"/>
+            </a:solidFill>
+          </a:ln>
+        </p:spPr>
+        <p:style>
+          <a:lnRef idx="2">
+            <a:schemeClr val="accent1">
+              <a:shade val="50000"/>
+            </a:schemeClr>
+          </a:lnRef>
+          <a:fillRef idx="1">
+            <a:schemeClr val="accent1"/>
+          </a:fillRef>
+          <a:effectRef idx="0">
+            <a:schemeClr val="accent1"/>
+          </a:effectRef>
+          <a:fontRef idx="minor">
+            <a:schemeClr val="lt1"/>
+          </a:fontRef>
+        </p:style>
+        <p:txBody>
+          <a:bodyPr rtlCol="0" anchor="ctr"/>
+          <a:lstStyle/>
+          <a:p>
+            <a:pPr algn="ctr"/>
+            <a:endParaRPr lang="en-US"/>
+          </a:p>
+        </p:txBody>
+      </p:sp>
+      <p:sp>
+        <p:nvSpPr>
+          <p:cNvPr id="52" name="Oval 51">
+            <a:extLst>
+              <a:ext uri="{FF2B5EF4-FFF2-40B4-BE49-F238E27FC236}">
+                <a16:creationId xmlns:a16="http://schemas.microsoft.com/office/drawing/2014/main" id="{69016A83-7D58-A24E-B62F-489B65D4F585}"/>
+              </a:ext>
+            </a:extLst>
+          </p:cNvPr>
+          <p:cNvSpPr/>
+          <p:nvPr/>
+        </p:nvSpPr>
+        <p:spPr>
+          <a:xfrm>
+            <a:off x="5635193" y="5722928"/>
+            <a:ext cx="274320" cy="274320"/>
+          </a:xfrm>
+          <a:prstGeom prst="ellipse">
+            <a:avLst/>
+          </a:prstGeom>
+          <a:solidFill>
+            <a:srgbClr val="C00000"/>
+          </a:solidFill>
+          <a:ln>
+            <a:solidFill>
+              <a:schemeClr val="tx1"/>
+            </a:solidFill>
+          </a:ln>
+        </p:spPr>
+        <p:style>
+          <a:lnRef idx="2">
+            <a:schemeClr val="accent1">
+              <a:shade val="50000"/>
+            </a:schemeClr>
+          </a:lnRef>
+          <a:fillRef idx="1">
+            <a:schemeClr val="accent1"/>
+          </a:fillRef>
+          <a:effectRef idx="0">
+            <a:schemeClr val="accent1"/>
+          </a:effectRef>
+          <a:fontRef idx="minor">
+            <a:schemeClr val="lt1"/>
+          </a:fontRef>
+        </p:style>
+        <p:txBody>
+          <a:bodyPr rtlCol="0" anchor="ctr"/>
+          <a:lstStyle/>
+          <a:p>
+            <a:pPr algn="ctr"/>
+            <a:endParaRPr lang="en-US"/>
+          </a:p>
+        </p:txBody>
+      </p:sp>
+      <p:sp>
+        <p:nvSpPr>
+          <p:cNvPr id="55" name="TextBox 54">
+            <a:extLst>
+              <a:ext uri="{FF2B5EF4-FFF2-40B4-BE49-F238E27FC236}">
+                <a16:creationId xmlns:a16="http://schemas.microsoft.com/office/drawing/2014/main" id="{E268927D-B29F-E644-A2D9-AA85EA48400D}"/>
+              </a:ext>
+            </a:extLst>
+          </p:cNvPr>
+          <p:cNvSpPr txBox="1"/>
+          <p:nvPr/>
+        </p:nvSpPr>
+        <p:spPr>
+          <a:xfrm>
+            <a:off x="5939458" y="5019902"/>
+            <a:ext cx="3955588" cy="1015663"/>
+          </a:xfrm>
+          <a:prstGeom prst="rect">
+            <a:avLst/>
+          </a:prstGeom>
+          <a:noFill/>
+        </p:spPr>
+        <p:txBody>
+          <a:bodyPr wrap="square" rtlCol="0">
+            <a:spAutoFit/>
+          </a:bodyPr>
+          <a:lstStyle/>
+          <a:p>
+            <a:r>
+              <a:rPr lang="en-US" sz="3000" dirty="0">
+                <a:latin typeface="Times New Roman" panose="02020603050405020304" pitchFamily="18" charset="0"/>
+                <a:cs typeface="Times New Roman" panose="02020603050405020304" pitchFamily="18" charset="0"/>
+              </a:rPr>
+              <a:t>Post hoc reconstructed particle trajectory</a:t>
+            </a:r>
+          </a:p>
+        </p:txBody>
+      </p:sp>
+      <p:sp>
+        <p:nvSpPr>
+          <p:cNvPr id="13" name="Freeform 12">
+            <a:extLst>
+              <a:ext uri="{FF2B5EF4-FFF2-40B4-BE49-F238E27FC236}">
+                <a16:creationId xmlns:a16="http://schemas.microsoft.com/office/drawing/2014/main" id="{8E636F39-CC72-0544-9084-05BE0D6B1FA8}"/>
+              </a:ext>
+            </a:extLst>
+          </p:cNvPr>
+          <p:cNvSpPr/>
+          <p:nvPr/>
+        </p:nvSpPr>
+        <p:spPr>
+          <a:xfrm>
+            <a:off x="856648" y="2350115"/>
+            <a:ext cx="4706754" cy="896579"/>
+          </a:xfrm>
+          <a:custGeom>
+            <a:avLst/>
+            <a:gdLst>
+              <a:gd name="connsiteX0" fmla="*/ 0 w 4706754"/>
+              <a:gd name="connsiteY0" fmla="*/ 827773 h 859630"/>
+              <a:gd name="connsiteX1" fmla="*/ 2213811 w 4706754"/>
+              <a:gd name="connsiteY1" fmla="*/ 760396 h 859630"/>
+              <a:gd name="connsiteX2" fmla="*/ 4706754 w 4706754"/>
+              <a:gd name="connsiteY2" fmla="*/ 0 h 859630"/>
+            </a:gdLst>
+            <a:ahLst/>
+            <a:cxnLst>
+              <a:cxn ang="0">
+                <a:pos x="connsiteX0" y="connsiteY0"/>
+              </a:cxn>
+              <a:cxn ang="0">
+                <a:pos x="connsiteX1" y="connsiteY1"/>
+              </a:cxn>
+              <a:cxn ang="0">
+                <a:pos x="connsiteX2" y="connsiteY2"/>
+              </a:cxn>
+            </a:cxnLst>
+            <a:rect l="l" t="t" r="r" b="b"/>
+            <a:pathLst>
+              <a:path w="4706754" h="859630">
+                <a:moveTo>
+                  <a:pt x="0" y="827773"/>
+                </a:moveTo>
+                <a:cubicBezTo>
+                  <a:pt x="714676" y="863065"/>
+                  <a:pt x="1429352" y="898358"/>
+                  <a:pt x="2213811" y="760396"/>
+                </a:cubicBezTo>
+                <a:cubicBezTo>
+                  <a:pt x="2998270" y="622434"/>
+                  <a:pt x="3852512" y="311217"/>
+                  <a:pt x="4706754" y="0"/>
+                </a:cubicBezTo>
+              </a:path>
+            </a:pathLst>
+          </a:custGeom>
+          <a:noFill/>
+          <a:ln w="25400">
+            <a:solidFill>
+              <a:srgbClr val="C00000"/>
+            </a:solidFill>
+          </a:ln>
+        </p:spPr>
+        <p:style>
+          <a:lnRef idx="2">
+            <a:schemeClr val="accent1">
+              <a:shade val="50000"/>
+            </a:schemeClr>
+          </a:lnRef>
+          <a:fillRef idx="1">
+            <a:schemeClr val="accent1"/>
+          </a:fillRef>
+          <a:effectRef idx="0">
+            <a:schemeClr val="accent1"/>
+          </a:effectRef>
+          <a:fontRef idx="minor">
+            <a:schemeClr val="lt1"/>
+          </a:fontRef>
+        </p:style>
+        <p:txBody>
+          <a:bodyPr rtlCol="0" anchor="ctr"/>
+          <a:lstStyle/>
+          <a:p>
+            <a:pPr algn="ctr"/>
+            <a:endParaRPr lang="en-US"/>
+          </a:p>
+        </p:txBody>
+      </p:sp>
     </p:spTree>
     <p:extLst>
       <p:ext uri="{BB962C8B-B14F-4D97-AF65-F5344CB8AC3E}">
-        <p14:creationId xmlns:p14="http://schemas.microsoft.com/office/powerpoint/2010/main" val="3804798557"/>
+        <p14:creationId xmlns:p14="http://schemas.microsoft.com/office/powerpoint/2010/main" val="2513505001"/>
       </p:ext>
     </p:extLst>
   </p:cSld>
@@ -48670,64 +51299,12 @@
           <a:chExt cx="0" cy="0"/>
         </a:xfrm>
       </p:grpSpPr>
-      <p:sp>
-        <p:nvSpPr>
-          <p:cNvPr id="8" name="Rectangle 7">
-            <a:extLst>
-              <a:ext uri="{FF2B5EF4-FFF2-40B4-BE49-F238E27FC236}">
-                <a16:creationId xmlns:a16="http://schemas.microsoft.com/office/drawing/2014/main" id="{EB361D05-5012-1943-8EFF-9BF39DE34245}"/>
-              </a:ext>
-            </a:extLst>
-          </p:cNvPr>
-          <p:cNvSpPr/>
-          <p:nvPr/>
-        </p:nvSpPr>
-        <p:spPr>
-          <a:xfrm>
-            <a:off x="584896" y="1227684"/>
-            <a:ext cx="11111803" cy="5058816"/>
-          </a:xfrm>
-          <a:prstGeom prst="rect">
-            <a:avLst/>
-          </a:prstGeom>
-          <a:noFill/>
-          <a:ln w="38100">
-            <a:solidFill>
-              <a:schemeClr val="tx1"/>
-            </a:solidFill>
-          </a:ln>
-        </p:spPr>
-        <p:style>
-          <a:lnRef idx="2">
-            <a:schemeClr val="accent1">
-              <a:shade val="50000"/>
-            </a:schemeClr>
-          </a:lnRef>
-          <a:fillRef idx="1">
-            <a:schemeClr val="accent1"/>
-          </a:fillRef>
-          <a:effectRef idx="0">
-            <a:schemeClr val="accent1"/>
-          </a:effectRef>
-          <a:fontRef idx="minor">
-            <a:schemeClr val="lt1"/>
-          </a:fontRef>
-        </p:style>
-        <p:txBody>
-          <a:bodyPr rtlCol="0" anchor="ctr"/>
-          <a:lstStyle/>
-          <a:p>
-            <a:pPr algn="ctr"/>
-            <a:endParaRPr lang="en-US"/>
-          </a:p>
-        </p:txBody>
-      </p:sp>
       <p:pic>
         <p:nvPicPr>
-          <p:cNvPr id="3" name="Picture 2" descr="A close up of a logo&#10;&#10;Description automatically generated">
-            <a:extLst>
-              <a:ext uri="{FF2B5EF4-FFF2-40B4-BE49-F238E27FC236}">
-                <a16:creationId xmlns:a16="http://schemas.microsoft.com/office/drawing/2014/main" id="{B3CDC377-2515-8846-97D7-4AB816A66081}"/>
+          <p:cNvPr id="5" name="Picture 4" descr="A picture containing sitting, computer, shirt, underwear&#10;&#10;Description automatically generated">
+            <a:extLst>
+              <a:ext uri="{FF2B5EF4-FFF2-40B4-BE49-F238E27FC236}">
+                <a16:creationId xmlns:a16="http://schemas.microsoft.com/office/drawing/2014/main" id="{DB638FEC-0F0F-E74D-B782-317B7CB9E1F3}"/>
               </a:ext>
             </a:extLst>
           </p:cNvPr>
@@ -48744,8 +51321,8 @@
         </p:blipFill>
         <p:spPr>
           <a:xfrm>
-            <a:off x="5695950" y="1279558"/>
-            <a:ext cx="5911153" cy="4927600"/>
+            <a:off x="6654223" y="1284524"/>
+            <a:ext cx="5144077" cy="5001976"/>
           </a:xfrm>
           <a:prstGeom prst="rect">
             <a:avLst/>
@@ -48754,10 +51331,10 @@
       </p:pic>
       <p:pic>
         <p:nvPicPr>
-          <p:cNvPr id="6" name="Picture 5" descr="A close up of a logo&#10;&#10;Description automatically generated">
-            <a:extLst>
-              <a:ext uri="{FF2B5EF4-FFF2-40B4-BE49-F238E27FC236}">
-                <a16:creationId xmlns:a16="http://schemas.microsoft.com/office/drawing/2014/main" id="{C8E692DF-BBD5-FC4C-A0F1-2F2E64CA315F}"/>
+          <p:cNvPr id="7" name="Picture 6" descr="A picture containing shirt, underwear&#10;&#10;Description automatically generated">
+            <a:extLst>
+              <a:ext uri="{FF2B5EF4-FFF2-40B4-BE49-F238E27FC236}">
+                <a16:creationId xmlns:a16="http://schemas.microsoft.com/office/drawing/2014/main" id="{11DFDFAF-957A-C844-A8A6-C1F6713FBB4E}"/>
               </a:ext>
             </a:extLst>
           </p:cNvPr>
@@ -48766,25 +51343,78 @@
           </p:cNvPicPr>
           <p:nvPr/>
         </p:nvPicPr>
-        <p:blipFill rotWithShape="1">
+        <p:blipFill>
           <a:blip r:embed="rId3"/>
-          <a:srcRect l="2847" t="492"/>
-          <a:stretch/>
+          <a:stretch>
+            <a:fillRect/>
+          </a:stretch>
         </p:blipFill>
         <p:spPr>
           <a:xfrm>
-            <a:off x="723899" y="1320800"/>
-            <a:ext cx="4744147" cy="4927600"/>
+            <a:off x="0" y="1227684"/>
+            <a:ext cx="6318784" cy="5058816"/>
           </a:xfrm>
           <a:prstGeom prst="rect">
             <a:avLst/>
           </a:prstGeom>
         </p:spPr>
       </p:pic>
+      <p:sp>
+        <p:nvSpPr>
+          <p:cNvPr id="8" name="Rectangle 7">
+            <a:extLst>
+              <a:ext uri="{FF2B5EF4-FFF2-40B4-BE49-F238E27FC236}">
+                <a16:creationId xmlns:a16="http://schemas.microsoft.com/office/drawing/2014/main" id="{EB361D05-5012-1943-8EFF-9BF39DE34245}"/>
+              </a:ext>
+            </a:extLst>
+          </p:cNvPr>
+          <p:cNvSpPr/>
+          <p:nvPr/>
+        </p:nvSpPr>
+        <p:spPr>
+          <a:xfrm>
+            <a:off x="114300" y="1227684"/>
+            <a:ext cx="11582400" cy="5058816"/>
+          </a:xfrm>
+          <a:prstGeom prst="rect">
+            <a:avLst/>
+          </a:prstGeom>
+          <a:noFill/>
+          <a:ln>
+            <a:solidFill>
+              <a:schemeClr val="tx1"/>
+            </a:solidFill>
+          </a:ln>
+        </p:spPr>
+        <p:style>
+          <a:lnRef idx="2">
+            <a:schemeClr val="accent1">
+              <a:shade val="50000"/>
+            </a:schemeClr>
+          </a:lnRef>
+          <a:fillRef idx="1">
+            <a:schemeClr val="accent1"/>
+          </a:fillRef>
+          <a:effectRef idx="0">
+            <a:schemeClr val="accent1"/>
+          </a:effectRef>
+          <a:fontRef idx="minor">
+            <a:schemeClr val="lt1"/>
+          </a:fontRef>
+        </p:style>
+        <p:txBody>
+          <a:bodyPr rtlCol="0" anchor="ctr"/>
+          <a:lstStyle/>
+          <a:p>
+            <a:pPr algn="ctr"/>
+            <a:endParaRPr lang="en-US"/>
+          </a:p>
+        </p:txBody>
+      </p:sp>
     </p:spTree>
     <p:extLst>
       <p:ext uri="{BB962C8B-B14F-4D97-AF65-F5344CB8AC3E}">
-        <p14:creationId xmlns:p14="http://schemas.microsoft.com/office/powerpoint/2010/main" val="4233128128"/>
+        <p14:creationId xmlns:p14="http://schemas.microsoft.com/office/powerpoint/2010/main" val="3804798557"/>
       </p:ext>
     </p:extLst>
   </p:cSld>

--- a/AdvectionComparison.pptx
+++ b/AdvectionComparison.pptx
@@ -5,7 +5,7 @@
     <p:sldMasterId id="2147483648" r:id="rId1"/>
   </p:sldMasterIdLst>
   <p:notesMasterIdLst>
-    <p:notesMasterId r:id="rId16"/>
+    <p:notesMasterId r:id="rId17"/>
   </p:notesMasterIdLst>
   <p:sldIdLst>
     <p:sldId id="256" r:id="rId2"/>
@@ -16,12 +16,13 @@
     <p:sldId id="267" r:id="rId7"/>
     <p:sldId id="268" r:id="rId8"/>
     <p:sldId id="269" r:id="rId9"/>
-    <p:sldId id="260" r:id="rId10"/>
-    <p:sldId id="261" r:id="rId11"/>
-    <p:sldId id="262" r:id="rId12"/>
-    <p:sldId id="263" r:id="rId13"/>
-    <p:sldId id="264" r:id="rId14"/>
-    <p:sldId id="258" r:id="rId15"/>
+    <p:sldId id="270" r:id="rId10"/>
+    <p:sldId id="260" r:id="rId11"/>
+    <p:sldId id="261" r:id="rId12"/>
+    <p:sldId id="262" r:id="rId13"/>
+    <p:sldId id="263" r:id="rId14"/>
+    <p:sldId id="264" r:id="rId15"/>
+    <p:sldId id="258" r:id="rId16"/>
   </p:sldIdLst>
   <p:sldSz cx="12192000" cy="6858000"/>
   <p:notesSz cx="6858000" cy="9144000"/>
@@ -210,7 +211,7 @@
           <a:p>
             <a:fld id="{25529952-ED70-434C-B8E3-9C1838112CA8}" type="datetimeFigureOut">
               <a:rPr lang="en-US" smtClean="0"/>
-              <a:t>3/7/21</a:t>
+              <a:t>3/9/21</a:t>
             </a:fld>
             <a:endParaRPr lang="en-US"/>
           </a:p>
@@ -645,6 +646,90 @@
 </p:notes>
 </file>
 
+<file path=ppt/notesSlides/notesSlide3.xml><?xml version="1.0" encoding="utf-8"?>
+<p:notes xmlns:a="http://schemas.openxmlformats.org/drawingml/2006/main" xmlns:r="http://schemas.openxmlformats.org/officeDocument/2006/relationships" xmlns:p="http://schemas.openxmlformats.org/presentationml/2006/main">
+  <p:cSld>
+    <p:spTree>
+      <p:nvGrpSpPr>
+        <p:cNvPr id="1" name=""/>
+        <p:cNvGrpSpPr/>
+        <p:nvPr/>
+      </p:nvGrpSpPr>
+      <p:grpSpPr>
+        <a:xfrm>
+          <a:off x="0" y="0"/>
+          <a:ext cx="0" cy="0"/>
+          <a:chOff x="0" y="0"/>
+          <a:chExt cx="0" cy="0"/>
+        </a:xfrm>
+      </p:grpSpPr>
+      <p:sp>
+        <p:nvSpPr>
+          <p:cNvPr id="2" name="Slide Image Placeholder 1"/>
+          <p:cNvSpPr>
+            <a:spLocks noGrp="1" noRot="1" noChangeAspect="1"/>
+          </p:cNvSpPr>
+          <p:nvPr>
+            <p:ph type="sldImg"/>
+          </p:nvPr>
+        </p:nvSpPr>
+        <p:spPr/>
+      </p:sp>
+      <p:sp>
+        <p:nvSpPr>
+          <p:cNvPr id="3" name="Notes Placeholder 2"/>
+          <p:cNvSpPr>
+            <a:spLocks noGrp="1"/>
+          </p:cNvSpPr>
+          <p:nvPr>
+            <p:ph type="body" idx="1"/>
+          </p:nvPr>
+        </p:nvSpPr>
+        <p:spPr/>
+        <p:txBody>
+          <a:bodyPr/>
+          <a:lstStyle/>
+          <a:p>
+            <a:endParaRPr lang="en-US" dirty="0"/>
+          </a:p>
+        </p:txBody>
+      </p:sp>
+      <p:sp>
+        <p:nvSpPr>
+          <p:cNvPr id="4" name="Slide Number Placeholder 3"/>
+          <p:cNvSpPr>
+            <a:spLocks noGrp="1"/>
+          </p:cNvSpPr>
+          <p:nvPr>
+            <p:ph type="sldNum" sz="quarter" idx="5"/>
+          </p:nvPr>
+        </p:nvSpPr>
+        <p:spPr/>
+        <p:txBody>
+          <a:bodyPr/>
+          <a:lstStyle/>
+          <a:p>
+            <a:fld id="{E5A681AB-83E6-DA45-9940-46058A6D8969}" type="slidenum">
+              <a:rPr lang="en-US" smtClean="0"/>
+              <a:t>9</a:t>
+            </a:fld>
+            <a:endParaRPr lang="en-US"/>
+          </a:p>
+        </p:txBody>
+      </p:sp>
+    </p:spTree>
+    <p:extLst>
+      <p:ext uri="{BB962C8B-B14F-4D97-AF65-F5344CB8AC3E}">
+        <p14:creationId xmlns:p14="http://schemas.microsoft.com/office/powerpoint/2010/main" val="2712095412"/>
+      </p:ext>
+    </p:extLst>
+  </p:cSld>
+  <p:clrMapOvr>
+    <a:masterClrMapping/>
+  </p:clrMapOvr>
+</p:notes>
+</file>
+
 <file path=ppt/slideLayouts/slideLayout1.xml><?xml version="1.0" encoding="utf-8"?>
 <p:sldLayout xmlns:a="http://schemas.openxmlformats.org/drawingml/2006/main" xmlns:r="http://schemas.openxmlformats.org/officeDocument/2006/relationships" xmlns:p="http://schemas.openxmlformats.org/presentationml/2006/main" type="title" preserve="1">
   <p:cSld name="Title Slide">
@@ -792,7 +877,7 @@
           <a:p>
             <a:fld id="{8BE64104-6D47-8A42-AF60-5CCB12BB1FB0}" type="datetimeFigureOut">
               <a:rPr lang="en-US" smtClean="0"/>
-              <a:t>3/7/21</a:t>
+              <a:t>3/9/21</a:t>
             </a:fld>
             <a:endParaRPr lang="en-US"/>
           </a:p>
@@ -990,7 +1075,7 @@
           <a:p>
             <a:fld id="{8BE64104-6D47-8A42-AF60-5CCB12BB1FB0}" type="datetimeFigureOut">
               <a:rPr lang="en-US" smtClean="0"/>
-              <a:t>3/7/21</a:t>
+              <a:t>3/9/21</a:t>
             </a:fld>
             <a:endParaRPr lang="en-US"/>
           </a:p>
@@ -1198,7 +1283,7 @@
           <a:p>
             <a:fld id="{8BE64104-6D47-8A42-AF60-5CCB12BB1FB0}" type="datetimeFigureOut">
               <a:rPr lang="en-US" smtClean="0"/>
-              <a:t>3/7/21</a:t>
+              <a:t>3/9/21</a:t>
             </a:fld>
             <a:endParaRPr lang="en-US"/>
           </a:p>
@@ -1396,7 +1481,7 @@
           <a:p>
             <a:fld id="{8BE64104-6D47-8A42-AF60-5CCB12BB1FB0}" type="datetimeFigureOut">
               <a:rPr lang="en-US" smtClean="0"/>
-              <a:t>3/7/21</a:t>
+              <a:t>3/9/21</a:t>
             </a:fld>
             <a:endParaRPr lang="en-US"/>
           </a:p>
@@ -1671,7 +1756,7 @@
           <a:p>
             <a:fld id="{8BE64104-6D47-8A42-AF60-5CCB12BB1FB0}" type="datetimeFigureOut">
               <a:rPr lang="en-US" smtClean="0"/>
-              <a:t>3/7/21</a:t>
+              <a:t>3/9/21</a:t>
             </a:fld>
             <a:endParaRPr lang="en-US"/>
           </a:p>
@@ -1936,7 +2021,7 @@
           <a:p>
             <a:fld id="{8BE64104-6D47-8A42-AF60-5CCB12BB1FB0}" type="datetimeFigureOut">
               <a:rPr lang="en-US" smtClean="0"/>
-              <a:t>3/7/21</a:t>
+              <a:t>3/9/21</a:t>
             </a:fld>
             <a:endParaRPr lang="en-US"/>
           </a:p>
@@ -2348,7 +2433,7 @@
           <a:p>
             <a:fld id="{8BE64104-6D47-8A42-AF60-5CCB12BB1FB0}" type="datetimeFigureOut">
               <a:rPr lang="en-US" smtClean="0"/>
-              <a:t>3/7/21</a:t>
+              <a:t>3/9/21</a:t>
             </a:fld>
             <a:endParaRPr lang="en-US"/>
           </a:p>
@@ -2489,7 +2574,7 @@
           <a:p>
             <a:fld id="{8BE64104-6D47-8A42-AF60-5CCB12BB1FB0}" type="datetimeFigureOut">
               <a:rPr lang="en-US" smtClean="0"/>
-              <a:t>3/7/21</a:t>
+              <a:t>3/9/21</a:t>
             </a:fld>
             <a:endParaRPr lang="en-US"/>
           </a:p>
@@ -2602,7 +2687,7 @@
           <a:p>
             <a:fld id="{8BE64104-6D47-8A42-AF60-5CCB12BB1FB0}" type="datetimeFigureOut">
               <a:rPr lang="en-US" smtClean="0"/>
-              <a:t>3/7/21</a:t>
+              <a:t>3/9/21</a:t>
             </a:fld>
             <a:endParaRPr lang="en-US"/>
           </a:p>
@@ -2913,7 +2998,7 @@
           <a:p>
             <a:fld id="{8BE64104-6D47-8A42-AF60-5CCB12BB1FB0}" type="datetimeFigureOut">
               <a:rPr lang="en-US" smtClean="0"/>
-              <a:t>3/7/21</a:t>
+              <a:t>3/9/21</a:t>
             </a:fld>
             <a:endParaRPr lang="en-US"/>
           </a:p>
@@ -3201,7 +3286,7 @@
           <a:p>
             <a:fld id="{8BE64104-6D47-8A42-AF60-5CCB12BB1FB0}" type="datetimeFigureOut">
               <a:rPr lang="en-US" smtClean="0"/>
-              <a:t>3/7/21</a:t>
+              <a:t>3/9/21</a:t>
             </a:fld>
             <a:endParaRPr lang="en-US"/>
           </a:p>
@@ -3442,7 +3527,7 @@
           <a:p>
             <a:fld id="{8BE64104-6D47-8A42-AF60-5CCB12BB1FB0}" type="datetimeFigureOut">
               <a:rPr lang="en-US" smtClean="0"/>
-              <a:t>3/7/21</a:t>
+              <a:t>3/9/21</a:t>
             </a:fld>
             <a:endParaRPr lang="en-US"/>
           </a:p>
@@ -13965,64 +14050,12 @@
           <a:chExt cx="0" cy="0"/>
         </a:xfrm>
       </p:grpSpPr>
-      <p:sp>
-        <p:nvSpPr>
-          <p:cNvPr id="8" name="Rectangle 7">
-            <a:extLst>
-              <a:ext uri="{FF2B5EF4-FFF2-40B4-BE49-F238E27FC236}">
-                <a16:creationId xmlns:a16="http://schemas.microsoft.com/office/drawing/2014/main" id="{EB361D05-5012-1943-8EFF-9BF39DE34245}"/>
-              </a:ext>
-            </a:extLst>
-          </p:cNvPr>
-          <p:cNvSpPr/>
-          <p:nvPr/>
-        </p:nvSpPr>
-        <p:spPr>
-          <a:xfrm>
-            <a:off x="584896" y="1227684"/>
-            <a:ext cx="11111803" cy="5058816"/>
-          </a:xfrm>
-          <a:prstGeom prst="rect">
-            <a:avLst/>
-          </a:prstGeom>
-          <a:noFill/>
-          <a:ln w="38100">
-            <a:solidFill>
-              <a:schemeClr val="tx1"/>
-            </a:solidFill>
-          </a:ln>
-        </p:spPr>
-        <p:style>
-          <a:lnRef idx="2">
-            <a:schemeClr val="accent1">
-              <a:shade val="50000"/>
-            </a:schemeClr>
-          </a:lnRef>
-          <a:fillRef idx="1">
-            <a:schemeClr val="accent1"/>
-          </a:fillRef>
-          <a:effectRef idx="0">
-            <a:schemeClr val="accent1"/>
-          </a:effectRef>
-          <a:fontRef idx="minor">
-            <a:schemeClr val="lt1"/>
-          </a:fontRef>
-        </p:style>
-        <p:txBody>
-          <a:bodyPr rtlCol="0" anchor="ctr"/>
-          <a:lstStyle/>
-          <a:p>
-            <a:pPr algn="ctr"/>
-            <a:endParaRPr lang="en-US"/>
-          </a:p>
-        </p:txBody>
-      </p:sp>
       <p:pic>
         <p:nvPicPr>
-          <p:cNvPr id="3" name="Picture 2" descr="A close up of a logo&#10;&#10;Description automatically generated">
-            <a:extLst>
-              <a:ext uri="{FF2B5EF4-FFF2-40B4-BE49-F238E27FC236}">
-                <a16:creationId xmlns:a16="http://schemas.microsoft.com/office/drawing/2014/main" id="{B3CDC377-2515-8846-97D7-4AB816A66081}"/>
+          <p:cNvPr id="5" name="Picture 4" descr="A picture containing sitting, computer, shirt, underwear&#10;&#10;Description automatically generated">
+            <a:extLst>
+              <a:ext uri="{FF2B5EF4-FFF2-40B4-BE49-F238E27FC236}">
+                <a16:creationId xmlns:a16="http://schemas.microsoft.com/office/drawing/2014/main" id="{DB638FEC-0F0F-E74D-B782-317B7CB9E1F3}"/>
               </a:ext>
             </a:extLst>
           </p:cNvPr>
@@ -14039,8 +14072,8 @@
         </p:blipFill>
         <p:spPr>
           <a:xfrm>
-            <a:off x="5695950" y="1279558"/>
-            <a:ext cx="5911153" cy="4927600"/>
+            <a:off x="6654223" y="1284524"/>
+            <a:ext cx="5144077" cy="5001976"/>
           </a:xfrm>
           <a:prstGeom prst="rect">
             <a:avLst/>
@@ -14049,10 +14082,10 @@
       </p:pic>
       <p:pic>
         <p:nvPicPr>
-          <p:cNvPr id="6" name="Picture 5" descr="A close up of a logo&#10;&#10;Description automatically generated">
-            <a:extLst>
-              <a:ext uri="{FF2B5EF4-FFF2-40B4-BE49-F238E27FC236}">
-                <a16:creationId xmlns:a16="http://schemas.microsoft.com/office/drawing/2014/main" id="{C8E692DF-BBD5-FC4C-A0F1-2F2E64CA315F}"/>
+          <p:cNvPr id="7" name="Picture 6" descr="A picture containing shirt, underwear&#10;&#10;Description automatically generated">
+            <a:extLst>
+              <a:ext uri="{FF2B5EF4-FFF2-40B4-BE49-F238E27FC236}">
+                <a16:creationId xmlns:a16="http://schemas.microsoft.com/office/drawing/2014/main" id="{11DFDFAF-957A-C844-A8A6-C1F6713FBB4E}"/>
               </a:ext>
             </a:extLst>
           </p:cNvPr>
@@ -14061,25 +14094,78 @@
           </p:cNvPicPr>
           <p:nvPr/>
         </p:nvPicPr>
-        <p:blipFill rotWithShape="1">
+        <p:blipFill>
           <a:blip r:embed="rId3"/>
-          <a:srcRect l="2847" t="492"/>
-          <a:stretch/>
+          <a:stretch>
+            <a:fillRect/>
+          </a:stretch>
         </p:blipFill>
         <p:spPr>
           <a:xfrm>
-            <a:off x="723899" y="1320800"/>
-            <a:ext cx="4744147" cy="4927600"/>
+            <a:off x="0" y="1227684"/>
+            <a:ext cx="6318784" cy="5058816"/>
           </a:xfrm>
           <a:prstGeom prst="rect">
             <a:avLst/>
           </a:prstGeom>
         </p:spPr>
       </p:pic>
+      <p:sp>
+        <p:nvSpPr>
+          <p:cNvPr id="8" name="Rectangle 7">
+            <a:extLst>
+              <a:ext uri="{FF2B5EF4-FFF2-40B4-BE49-F238E27FC236}">
+                <a16:creationId xmlns:a16="http://schemas.microsoft.com/office/drawing/2014/main" id="{EB361D05-5012-1943-8EFF-9BF39DE34245}"/>
+              </a:ext>
+            </a:extLst>
+          </p:cNvPr>
+          <p:cNvSpPr/>
+          <p:nvPr/>
+        </p:nvSpPr>
+        <p:spPr>
+          <a:xfrm>
+            <a:off x="114300" y="1227684"/>
+            <a:ext cx="11582400" cy="5058816"/>
+          </a:xfrm>
+          <a:prstGeom prst="rect">
+            <a:avLst/>
+          </a:prstGeom>
+          <a:noFill/>
+          <a:ln>
+            <a:solidFill>
+              <a:schemeClr val="tx1"/>
+            </a:solidFill>
+          </a:ln>
+        </p:spPr>
+        <p:style>
+          <a:lnRef idx="2">
+            <a:schemeClr val="accent1">
+              <a:shade val="50000"/>
+            </a:schemeClr>
+          </a:lnRef>
+          <a:fillRef idx="1">
+            <a:schemeClr val="accent1"/>
+          </a:fillRef>
+          <a:effectRef idx="0">
+            <a:schemeClr val="accent1"/>
+          </a:effectRef>
+          <a:fontRef idx="minor">
+            <a:schemeClr val="lt1"/>
+          </a:fontRef>
+        </p:style>
+        <p:txBody>
+          <a:bodyPr rtlCol="0" anchor="ctr"/>
+          <a:lstStyle/>
+          <a:p>
+            <a:pPr algn="ctr"/>
+            <a:endParaRPr lang="en-US"/>
+          </a:p>
+        </p:txBody>
+      </p:sp>
     </p:spTree>
     <p:extLst>
       <p:ext uri="{BB962C8B-B14F-4D97-AF65-F5344CB8AC3E}">
-        <p14:creationId xmlns:p14="http://schemas.microsoft.com/office/powerpoint/2010/main" val="4233128128"/>
+        <p14:creationId xmlns:p14="http://schemas.microsoft.com/office/powerpoint/2010/main" val="3804798557"/>
       </p:ext>
     </p:extLst>
   </p:cSld>
@@ -14160,10 +14246,10 @@
       </p:sp>
       <p:pic>
         <p:nvPicPr>
-          <p:cNvPr id="5" name="Picture 4" descr="A picture containing sitting, computer, shirt, underwear&#10;&#10;Description automatically generated">
-            <a:extLst>
-              <a:ext uri="{FF2B5EF4-FFF2-40B4-BE49-F238E27FC236}">
-                <a16:creationId xmlns:a16="http://schemas.microsoft.com/office/drawing/2014/main" id="{A151A96B-6E49-B849-9E11-ED868A8EC8DD}"/>
+          <p:cNvPr id="3" name="Picture 2" descr="A close up of a logo&#10;&#10;Description automatically generated">
+            <a:extLst>
+              <a:ext uri="{FF2B5EF4-FFF2-40B4-BE49-F238E27FC236}">
+                <a16:creationId xmlns:a16="http://schemas.microsoft.com/office/drawing/2014/main" id="{B3CDC377-2515-8846-97D7-4AB816A66081}"/>
               </a:ext>
             </a:extLst>
           </p:cNvPr>
@@ -14180,8 +14266,8 @@
         </p:blipFill>
         <p:spPr>
           <a:xfrm>
-            <a:off x="647123" y="1462556"/>
-            <a:ext cx="4895683" cy="4760444"/>
+            <a:off x="5695950" y="1279558"/>
+            <a:ext cx="5911153" cy="4927600"/>
           </a:xfrm>
           <a:prstGeom prst="rect">
             <a:avLst/>
@@ -14190,10 +14276,10 @@
       </p:pic>
       <p:pic>
         <p:nvPicPr>
-          <p:cNvPr id="7" name="Picture 6" descr="A picture containing shirt, underwear&#10;&#10;Description automatically generated">
-            <a:extLst>
-              <a:ext uri="{FF2B5EF4-FFF2-40B4-BE49-F238E27FC236}">
-                <a16:creationId xmlns:a16="http://schemas.microsoft.com/office/drawing/2014/main" id="{59957571-4F96-E14A-B8C0-765D13EFB8F4}"/>
+          <p:cNvPr id="6" name="Picture 5" descr="A close up of a logo&#10;&#10;Description automatically generated">
+            <a:extLst>
+              <a:ext uri="{FF2B5EF4-FFF2-40B4-BE49-F238E27FC236}">
+                <a16:creationId xmlns:a16="http://schemas.microsoft.com/office/drawing/2014/main" id="{C8E692DF-BBD5-FC4C-A0F1-2F2E64CA315F}"/>
               </a:ext>
             </a:extLst>
           </p:cNvPr>
@@ -14204,13 +14290,13 @@
         </p:nvPicPr>
         <p:blipFill rotWithShape="1">
           <a:blip r:embed="rId3"/>
-          <a:srcRect l="2010" t="359"/>
+          <a:srcRect l="2847" t="492"/>
           <a:stretch/>
         </p:blipFill>
         <p:spPr>
           <a:xfrm>
-            <a:off x="5689600" y="1407584"/>
-            <a:ext cx="5892799" cy="4797277"/>
+            <a:off x="723899" y="1320800"/>
+            <a:ext cx="4744147" cy="4927600"/>
           </a:xfrm>
           <a:prstGeom prst="rect">
             <a:avLst/>
@@ -14220,7 +14306,7 @@
     </p:spTree>
     <p:extLst>
       <p:ext uri="{BB962C8B-B14F-4D97-AF65-F5344CB8AC3E}">
-        <p14:creationId xmlns:p14="http://schemas.microsoft.com/office/powerpoint/2010/main" val="526482442"/>
+        <p14:creationId xmlns:p14="http://schemas.microsoft.com/office/powerpoint/2010/main" val="4233128128"/>
       </p:ext>
     </p:extLst>
   </p:cSld>
@@ -14301,10 +14387,10 @@
       </p:sp>
       <p:pic>
         <p:nvPicPr>
-          <p:cNvPr id="3" name="Picture 2" descr="A close up of a logo&#10;&#10;Description automatically generated">
-            <a:extLst>
-              <a:ext uri="{FF2B5EF4-FFF2-40B4-BE49-F238E27FC236}">
-                <a16:creationId xmlns:a16="http://schemas.microsoft.com/office/drawing/2014/main" id="{AD93B4EB-A4DD-2149-A073-5BD9F4D41758}"/>
+          <p:cNvPr id="5" name="Picture 4" descr="A picture containing sitting, computer, shirt, underwear&#10;&#10;Description automatically generated">
+            <a:extLst>
+              <a:ext uri="{FF2B5EF4-FFF2-40B4-BE49-F238E27FC236}">
+                <a16:creationId xmlns:a16="http://schemas.microsoft.com/office/drawing/2014/main" id="{A151A96B-6E49-B849-9E11-ED868A8EC8DD}"/>
               </a:ext>
             </a:extLst>
           </p:cNvPr>
@@ -14321,8 +14407,8 @@
         </p:blipFill>
         <p:spPr>
           <a:xfrm>
-            <a:off x="648396" y="1385986"/>
-            <a:ext cx="4893881" cy="4742211"/>
+            <a:off x="647123" y="1462556"/>
+            <a:ext cx="4895683" cy="4760444"/>
           </a:xfrm>
           <a:prstGeom prst="rect">
             <a:avLst/>
@@ -14331,10 +14417,10 @@
       </p:pic>
       <p:pic>
         <p:nvPicPr>
-          <p:cNvPr id="6" name="Picture 5" descr="A close up of a logo&#10;&#10;Description automatically generated">
-            <a:extLst>
-              <a:ext uri="{FF2B5EF4-FFF2-40B4-BE49-F238E27FC236}">
-                <a16:creationId xmlns:a16="http://schemas.microsoft.com/office/drawing/2014/main" id="{D956E85A-568D-174D-A267-32A59D575DF4}"/>
+          <p:cNvPr id="7" name="Picture 6" descr="A picture containing shirt, underwear&#10;&#10;Description automatically generated">
+            <a:extLst>
+              <a:ext uri="{FF2B5EF4-FFF2-40B4-BE49-F238E27FC236}">
+                <a16:creationId xmlns:a16="http://schemas.microsoft.com/office/drawing/2014/main" id="{59957571-4F96-E14A-B8C0-765D13EFB8F4}"/>
               </a:ext>
             </a:extLst>
           </p:cNvPr>
@@ -14343,16 +14429,15 @@
           </p:cNvPicPr>
           <p:nvPr/>
         </p:nvPicPr>
-        <p:blipFill>
+        <p:blipFill rotWithShape="1">
           <a:blip r:embed="rId3"/>
-          <a:stretch>
-            <a:fillRect/>
-          </a:stretch>
+          <a:srcRect l="2010" t="359"/>
+          <a:stretch/>
         </p:blipFill>
         <p:spPr>
           <a:xfrm>
-            <a:off x="5715000" y="1412298"/>
-            <a:ext cx="5803900" cy="4732099"/>
+            <a:off x="5689600" y="1407584"/>
+            <a:ext cx="5892799" cy="4797277"/>
           </a:xfrm>
           <a:prstGeom prst="rect">
             <a:avLst/>
@@ -14362,7 +14447,7 @@
     </p:spTree>
     <p:extLst>
       <p:ext uri="{BB962C8B-B14F-4D97-AF65-F5344CB8AC3E}">
-        <p14:creationId xmlns:p14="http://schemas.microsoft.com/office/powerpoint/2010/main" val="323051971"/>
+        <p14:creationId xmlns:p14="http://schemas.microsoft.com/office/powerpoint/2010/main" val="526482442"/>
       </p:ext>
     </p:extLst>
   </p:cSld>
@@ -14443,6 +14528,148 @@
       </p:sp>
       <p:pic>
         <p:nvPicPr>
+          <p:cNvPr id="3" name="Picture 2" descr="A close up of a logo&#10;&#10;Description automatically generated">
+            <a:extLst>
+              <a:ext uri="{FF2B5EF4-FFF2-40B4-BE49-F238E27FC236}">
+                <a16:creationId xmlns:a16="http://schemas.microsoft.com/office/drawing/2014/main" id="{AD93B4EB-A4DD-2149-A073-5BD9F4D41758}"/>
+              </a:ext>
+            </a:extLst>
+          </p:cNvPr>
+          <p:cNvPicPr>
+            <a:picLocks noChangeAspect="1"/>
+          </p:cNvPicPr>
+          <p:nvPr/>
+        </p:nvPicPr>
+        <p:blipFill>
+          <a:blip r:embed="rId2"/>
+          <a:stretch>
+            <a:fillRect/>
+          </a:stretch>
+        </p:blipFill>
+        <p:spPr>
+          <a:xfrm>
+            <a:off x="648396" y="1385986"/>
+            <a:ext cx="4893881" cy="4742211"/>
+          </a:xfrm>
+          <a:prstGeom prst="rect">
+            <a:avLst/>
+          </a:prstGeom>
+        </p:spPr>
+      </p:pic>
+      <p:pic>
+        <p:nvPicPr>
+          <p:cNvPr id="6" name="Picture 5" descr="A close up of a logo&#10;&#10;Description automatically generated">
+            <a:extLst>
+              <a:ext uri="{FF2B5EF4-FFF2-40B4-BE49-F238E27FC236}">
+                <a16:creationId xmlns:a16="http://schemas.microsoft.com/office/drawing/2014/main" id="{D956E85A-568D-174D-A267-32A59D575DF4}"/>
+              </a:ext>
+            </a:extLst>
+          </p:cNvPr>
+          <p:cNvPicPr>
+            <a:picLocks noChangeAspect="1"/>
+          </p:cNvPicPr>
+          <p:nvPr/>
+        </p:nvPicPr>
+        <p:blipFill>
+          <a:blip r:embed="rId3"/>
+          <a:stretch>
+            <a:fillRect/>
+          </a:stretch>
+        </p:blipFill>
+        <p:spPr>
+          <a:xfrm>
+            <a:off x="5715000" y="1412298"/>
+            <a:ext cx="5803900" cy="4732099"/>
+          </a:xfrm>
+          <a:prstGeom prst="rect">
+            <a:avLst/>
+          </a:prstGeom>
+        </p:spPr>
+      </p:pic>
+    </p:spTree>
+    <p:extLst>
+      <p:ext uri="{BB962C8B-B14F-4D97-AF65-F5344CB8AC3E}">
+        <p14:creationId xmlns:p14="http://schemas.microsoft.com/office/powerpoint/2010/main" val="323051971"/>
+      </p:ext>
+    </p:extLst>
+  </p:cSld>
+  <p:clrMapOvr>
+    <a:masterClrMapping/>
+  </p:clrMapOvr>
+</p:sld>
+</file>
+
+<file path=ppt/slides/slide14.xml><?xml version="1.0" encoding="utf-8"?>
+<p:sld xmlns:a="http://schemas.openxmlformats.org/drawingml/2006/main" xmlns:r="http://schemas.openxmlformats.org/officeDocument/2006/relationships" xmlns:p="http://schemas.openxmlformats.org/presentationml/2006/main">
+  <p:cSld>
+    <p:spTree>
+      <p:nvGrpSpPr>
+        <p:cNvPr id="1" name=""/>
+        <p:cNvGrpSpPr/>
+        <p:nvPr/>
+      </p:nvGrpSpPr>
+      <p:grpSpPr>
+        <a:xfrm>
+          <a:off x="0" y="0"/>
+          <a:ext cx="0" cy="0"/>
+          <a:chOff x="0" y="0"/>
+          <a:chExt cx="0" cy="0"/>
+        </a:xfrm>
+      </p:grpSpPr>
+      <p:sp>
+        <p:nvSpPr>
+          <p:cNvPr id="8" name="Rectangle 7">
+            <a:extLst>
+              <a:ext uri="{FF2B5EF4-FFF2-40B4-BE49-F238E27FC236}">
+                <a16:creationId xmlns:a16="http://schemas.microsoft.com/office/drawing/2014/main" id="{EB361D05-5012-1943-8EFF-9BF39DE34245}"/>
+              </a:ext>
+            </a:extLst>
+          </p:cNvPr>
+          <p:cNvSpPr/>
+          <p:nvPr/>
+        </p:nvSpPr>
+        <p:spPr>
+          <a:xfrm>
+            <a:off x="584896" y="1227684"/>
+            <a:ext cx="11111803" cy="5058816"/>
+          </a:xfrm>
+          <a:prstGeom prst="rect">
+            <a:avLst/>
+          </a:prstGeom>
+          <a:noFill/>
+          <a:ln w="38100">
+            <a:solidFill>
+              <a:schemeClr val="tx1"/>
+            </a:solidFill>
+          </a:ln>
+        </p:spPr>
+        <p:style>
+          <a:lnRef idx="2">
+            <a:schemeClr val="accent1">
+              <a:shade val="50000"/>
+            </a:schemeClr>
+          </a:lnRef>
+          <a:fillRef idx="1">
+            <a:schemeClr val="accent1"/>
+          </a:fillRef>
+          <a:effectRef idx="0">
+            <a:schemeClr val="accent1"/>
+          </a:effectRef>
+          <a:fontRef idx="minor">
+            <a:schemeClr val="lt1"/>
+          </a:fontRef>
+        </p:style>
+        <p:txBody>
+          <a:bodyPr rtlCol="0" anchor="ctr"/>
+          <a:lstStyle/>
+          <a:p>
+            <a:pPr algn="ctr"/>
+            <a:endParaRPr lang="en-US"/>
+          </a:p>
+        </p:txBody>
+      </p:sp>
+      <p:pic>
+        <p:nvPicPr>
           <p:cNvPr id="4" name="Picture 3" descr="A picture containing clock&#10;&#10;Description automatically generated">
             <a:extLst>
               <a:ext uri="{FF2B5EF4-FFF2-40B4-BE49-F238E27FC236}">
@@ -14564,7 +14791,7 @@
 </p:sld>
 </file>
 
-<file path=ppt/slides/slide14.xml><?xml version="1.0" encoding="utf-8"?>
+<file path=ppt/slides/slide15.xml><?xml version="1.0" encoding="utf-8"?>
 <p:sld xmlns:a="http://schemas.openxmlformats.org/drawingml/2006/main" xmlns:r="http://schemas.openxmlformats.org/officeDocument/2006/relationships" xmlns:p="http://schemas.openxmlformats.org/presentationml/2006/main">
   <p:cSld>
     <p:spTree>
@@ -46321,7 +46548,7 @@
         </p:nvCxnSpPr>
         <p:spPr>
           <a:xfrm>
-            <a:off x="837451" y="4320118"/>
+            <a:off x="837451" y="4339996"/>
             <a:ext cx="4794440" cy="0"/>
           </a:xfrm>
           <a:prstGeom prst="straightConnector1">
@@ -46366,7 +46593,7 @@
         </p:nvCxnSpPr>
         <p:spPr>
           <a:xfrm>
-            <a:off x="6110586" y="4319416"/>
+            <a:off x="6110586" y="4339294"/>
             <a:ext cx="4786982" cy="0"/>
           </a:xfrm>
           <a:prstGeom prst="straightConnector1">
@@ -46413,8 +46640,8 @@
         </p:nvCxnSpPr>
         <p:spPr>
           <a:xfrm>
-            <a:off x="5769894" y="5318010"/>
-            <a:ext cx="2459" cy="404918"/>
+            <a:off x="5769894" y="5218620"/>
+            <a:ext cx="2459" cy="355223"/>
           </a:xfrm>
           <a:prstGeom prst="line">
             <a:avLst/>
@@ -46540,7 +46767,7 @@
         <p:spPr>
           <a:xfrm>
             <a:off x="809344" y="4591739"/>
-            <a:ext cx="11018984" cy="0"/>
+            <a:ext cx="11382656" cy="0"/>
           </a:xfrm>
           <a:prstGeom prst="straightConnector1">
             <a:avLst/>
@@ -46581,7 +46808,7 @@
         </p:nvSpPr>
         <p:spPr>
           <a:xfrm>
-            <a:off x="10603626" y="4535637"/>
+            <a:off x="10603626" y="4446186"/>
             <a:ext cx="1067921" cy="707886"/>
           </a:xfrm>
           <a:prstGeom prst="rect">
@@ -48075,92 +48302,6 @@
           </a:p>
         </p:txBody>
       </p:sp>
-      <p:cxnSp>
-        <p:nvCxnSpPr>
-          <p:cNvPr id="148" name="Straight Arrow Connector 147">
-            <a:extLst>
-              <a:ext uri="{FF2B5EF4-FFF2-40B4-BE49-F238E27FC236}">
-                <a16:creationId xmlns:a16="http://schemas.microsoft.com/office/drawing/2014/main" id="{E07EAF2D-BBA3-9F45-8BC9-079F54DEA256}"/>
-              </a:ext>
-            </a:extLst>
-          </p:cNvPr>
-          <p:cNvCxnSpPr/>
-          <p:nvPr/>
-        </p:nvCxnSpPr>
-        <p:spPr>
-          <a:xfrm>
-            <a:off x="565767" y="996799"/>
-            <a:ext cx="0" cy="1459862"/>
-          </a:xfrm>
-          <a:prstGeom prst="straightConnector1">
-            <a:avLst/>
-          </a:prstGeom>
-          <a:ln w="25400">
-            <a:solidFill>
-              <a:srgbClr val="FFC000"/>
-            </a:solidFill>
-            <a:headEnd type="triangle" w="lg" len="lg"/>
-            <a:tailEnd type="triangle" w="lg" len="lg"/>
-          </a:ln>
-        </p:spPr>
-        <p:style>
-          <a:lnRef idx="1">
-            <a:schemeClr val="accent1"/>
-          </a:lnRef>
-          <a:fillRef idx="0">
-            <a:schemeClr val="accent1"/>
-          </a:fillRef>
-          <a:effectRef idx="0">
-            <a:schemeClr val="accent1"/>
-          </a:effectRef>
-          <a:fontRef idx="minor">
-            <a:schemeClr val="tx1"/>
-          </a:fontRef>
-        </p:style>
-      </p:cxnSp>
-      <p:cxnSp>
-        <p:nvCxnSpPr>
-          <p:cNvPr id="149" name="Straight Arrow Connector 148">
-            <a:extLst>
-              <a:ext uri="{FF2B5EF4-FFF2-40B4-BE49-F238E27FC236}">
-                <a16:creationId xmlns:a16="http://schemas.microsoft.com/office/drawing/2014/main" id="{96789EB6-ECDD-0549-8CBE-33D71C7D6980}"/>
-              </a:ext>
-            </a:extLst>
-          </p:cNvPr>
-          <p:cNvCxnSpPr/>
-          <p:nvPr/>
-        </p:nvCxnSpPr>
-        <p:spPr>
-          <a:xfrm>
-            <a:off x="565767" y="2467011"/>
-            <a:ext cx="0" cy="1459862"/>
-          </a:xfrm>
-          <a:prstGeom prst="straightConnector1">
-            <a:avLst/>
-          </a:prstGeom>
-          <a:ln w="25400">
-            <a:solidFill>
-              <a:srgbClr val="FFC000"/>
-            </a:solidFill>
-            <a:headEnd type="triangle" w="lg" len="lg"/>
-            <a:tailEnd type="triangle" w="lg" len="lg"/>
-          </a:ln>
-        </p:spPr>
-        <p:style>
-          <a:lnRef idx="1">
-            <a:schemeClr val="accent1"/>
-          </a:lnRef>
-          <a:fillRef idx="0">
-            <a:schemeClr val="accent1"/>
-          </a:fillRef>
-          <a:effectRef idx="0">
-            <a:schemeClr val="accent1"/>
-          </a:effectRef>
-          <a:fontRef idx="minor">
-            <a:schemeClr val="tx1"/>
-          </a:fontRef>
-        </p:style>
-      </p:cxnSp>
       <p:sp>
         <p:nvSpPr>
           <p:cNvPr id="33" name="Oval 32">
@@ -48319,8 +48460,8 @@
         </p:nvSpPr>
         <p:spPr>
           <a:xfrm>
-            <a:off x="2187931" y="3970852"/>
-            <a:ext cx="1995700" cy="584775"/>
+            <a:off x="2187931" y="3990730"/>
+            <a:ext cx="1995700" cy="553998"/>
           </a:xfrm>
           <a:prstGeom prst="rect">
             <a:avLst/>
@@ -48337,7 +48478,7 @@
           <a:p>
             <a:pPr algn="ctr"/>
             <a:r>
-              <a:rPr lang="en-US" sz="3200" b="1" dirty="0">
+              <a:rPr lang="en-US" sz="3000" b="1" dirty="0">
                 <a:latin typeface="Times New Roman" panose="02020603050405020304" pitchFamily="18" charset="0"/>
                 <a:cs typeface="Times New Roman" panose="02020603050405020304" pitchFamily="18" charset="0"/>
               </a:rPr>
@@ -48360,8 +48501,8 @@
         </p:nvSpPr>
         <p:spPr>
           <a:xfrm>
-            <a:off x="7504366" y="3970852"/>
-            <a:ext cx="1958168" cy="584775"/>
+            <a:off x="7504366" y="3990730"/>
+            <a:ext cx="1958168" cy="553998"/>
           </a:xfrm>
           <a:prstGeom prst="rect">
             <a:avLst/>
@@ -48378,7 +48519,7 @@
           <a:p>
             <a:pPr algn="ctr"/>
             <a:r>
-              <a:rPr lang="en-US" sz="3200" b="1" dirty="0">
+              <a:rPr lang="en-US" sz="3000" b="1" dirty="0">
                 <a:latin typeface="Times New Roman" panose="02020603050405020304" pitchFamily="18" charset="0"/>
                 <a:cs typeface="Times New Roman" panose="02020603050405020304" pitchFamily="18" charset="0"/>
               </a:rPr>
@@ -48401,7 +48542,7 @@
         </p:nvSpPr>
         <p:spPr>
           <a:xfrm>
-            <a:off x="953434" y="5018065"/>
+            <a:off x="953434" y="4918675"/>
             <a:ext cx="274320" cy="274320"/>
           </a:xfrm>
           <a:prstGeom prst="ellipse">
@@ -48455,7 +48596,7 @@
         </p:nvSpPr>
         <p:spPr>
           <a:xfrm>
-            <a:off x="953434" y="5727115"/>
+            <a:off x="953434" y="5578030"/>
             <a:ext cx="274320" cy="274320"/>
           </a:xfrm>
           <a:prstGeom prst="ellipse">
@@ -48513,8 +48654,8 @@
         </p:nvCxnSpPr>
         <p:spPr>
           <a:xfrm>
-            <a:off x="1090594" y="5292385"/>
-            <a:ext cx="0" cy="434730"/>
+            <a:off x="1090594" y="5192995"/>
+            <a:ext cx="0" cy="385035"/>
           </a:xfrm>
           <a:prstGeom prst="line">
             <a:avLst/>
@@ -48554,7 +48695,7 @@
         </p:nvSpPr>
         <p:spPr>
           <a:xfrm>
-            <a:off x="1248767" y="5032696"/>
+            <a:off x="1248767" y="4933306"/>
             <a:ext cx="4314691" cy="1015663"/>
           </a:xfrm>
           <a:prstGeom prst="rect">
@@ -48592,7 +48733,7 @@
         </p:nvSpPr>
         <p:spPr>
           <a:xfrm>
-            <a:off x="5632734" y="5043690"/>
+            <a:off x="5632734" y="4944300"/>
             <a:ext cx="274320" cy="274320"/>
           </a:xfrm>
           <a:prstGeom prst="ellipse">
@@ -48646,7 +48787,7 @@
         </p:nvSpPr>
         <p:spPr>
           <a:xfrm>
-            <a:off x="5635193" y="5722928"/>
+            <a:off x="5635193" y="5573843"/>
             <a:ext cx="274320" cy="274320"/>
           </a:xfrm>
           <a:prstGeom prst="ellipse">
@@ -48700,7 +48841,7 @@
         </p:nvSpPr>
         <p:spPr>
           <a:xfrm>
-            <a:off x="5939458" y="5019902"/>
+            <a:off x="5939458" y="4920512"/>
             <a:ext cx="3955588" cy="1015663"/>
           </a:xfrm>
           <a:prstGeom prst="rect">
@@ -48720,6 +48861,1062 @@
                 <a:cs typeface="Times New Roman" panose="02020603050405020304" pitchFamily="18" charset="0"/>
               </a:rPr>
               <a:t>Post hoc reconstructed particle trajectory</a:t>
+            </a:r>
+          </a:p>
+        </p:txBody>
+      </p:sp>
+      <p:sp>
+        <p:nvSpPr>
+          <p:cNvPr id="47" name="TextBox 46">
+            <a:extLst>
+              <a:ext uri="{FF2B5EF4-FFF2-40B4-BE49-F238E27FC236}">
+                <a16:creationId xmlns:a16="http://schemas.microsoft.com/office/drawing/2014/main" id="{A89B2708-0C7D-7F4F-8446-A8342F0873B6}"/>
+              </a:ext>
+            </a:extLst>
+          </p:cNvPr>
+          <p:cNvSpPr txBox="1"/>
+          <p:nvPr/>
+        </p:nvSpPr>
+        <p:spPr>
+          <a:xfrm>
+            <a:off x="4566076" y="30112"/>
+            <a:ext cx="1236032" cy="584775"/>
+          </a:xfrm>
+          <a:prstGeom prst="rect">
+            <a:avLst/>
+          </a:prstGeom>
+          <a:noFill/>
+        </p:spPr>
+        <p:txBody>
+          <a:bodyPr wrap="square" rtlCol="0">
+            <a:spAutoFit/>
+          </a:bodyPr>
+          <a:lstStyle/>
+          <a:p>
+            <a:r>
+              <a:rPr lang="en-US" sz="3200" i="1" dirty="0">
+                <a:latin typeface="Times New Roman" panose="02020603050405020304" pitchFamily="18" charset="0"/>
+                <a:cs typeface="Times New Roman" panose="02020603050405020304" pitchFamily="18" charset="0"/>
+              </a:rPr>
+              <a:t>x</a:t>
+            </a:r>
+            <a:r>
+              <a:rPr lang="en-US" sz="3200" i="1" baseline="-25000" dirty="0">
+                <a:latin typeface="Times New Roman" panose="02020603050405020304" pitchFamily="18" charset="0"/>
+                <a:cs typeface="Times New Roman" panose="02020603050405020304" pitchFamily="18" charset="0"/>
+              </a:rPr>
+              <a:t>0</a:t>
+            </a:r>
+            <a:r>
+              <a:rPr lang="en-US" sz="3200" i="1" dirty="0">
+                <a:latin typeface="Times New Roman" panose="02020603050405020304" pitchFamily="18" charset="0"/>
+                <a:cs typeface="Times New Roman" panose="02020603050405020304" pitchFamily="18" charset="0"/>
+              </a:rPr>
+              <a:t>(t</a:t>
+            </a:r>
+            <a:r>
+              <a:rPr lang="en-US" sz="3200" i="1" baseline="-25000" dirty="0">
+                <a:latin typeface="Times New Roman" panose="02020603050405020304" pitchFamily="18" charset="0"/>
+                <a:cs typeface="Times New Roman" panose="02020603050405020304" pitchFamily="18" charset="0"/>
+              </a:rPr>
+              <a:t>1</a:t>
+            </a:r>
+            <a:r>
+              <a:rPr lang="en-US" sz="3200" i="1" dirty="0">
+                <a:latin typeface="Times New Roman" panose="02020603050405020304" pitchFamily="18" charset="0"/>
+                <a:cs typeface="Times New Roman" panose="02020603050405020304" pitchFamily="18" charset="0"/>
+              </a:rPr>
+              <a:t>)</a:t>
+            </a:r>
+          </a:p>
+        </p:txBody>
+      </p:sp>
+      <p:sp>
+        <p:nvSpPr>
+          <p:cNvPr id="48" name="TextBox 47">
+            <a:extLst>
+              <a:ext uri="{FF2B5EF4-FFF2-40B4-BE49-F238E27FC236}">
+                <a16:creationId xmlns:a16="http://schemas.microsoft.com/office/drawing/2014/main" id="{1AA4DE0D-75C6-FD49-AF7B-906E3AC7BB67}"/>
+              </a:ext>
+            </a:extLst>
+          </p:cNvPr>
+          <p:cNvSpPr txBox="1"/>
+          <p:nvPr/>
+        </p:nvSpPr>
+        <p:spPr>
+          <a:xfrm>
+            <a:off x="-336139" y="2080317"/>
+            <a:ext cx="1236032" cy="584775"/>
+          </a:xfrm>
+          <a:prstGeom prst="rect">
+            <a:avLst/>
+          </a:prstGeom>
+          <a:noFill/>
+        </p:spPr>
+        <p:txBody>
+          <a:bodyPr wrap="square" rtlCol="0">
+            <a:spAutoFit/>
+          </a:bodyPr>
+          <a:lstStyle/>
+          <a:p>
+            <a:r>
+              <a:rPr lang="en-US" sz="3200" i="1" dirty="0">
+                <a:latin typeface="Times New Roman" panose="02020603050405020304" pitchFamily="18" charset="0"/>
+                <a:cs typeface="Times New Roman" panose="02020603050405020304" pitchFamily="18" charset="0"/>
+              </a:rPr>
+              <a:t>x</a:t>
+            </a:r>
+            <a:r>
+              <a:rPr lang="en-US" sz="3200" i="1" baseline="-25000" dirty="0">
+                <a:latin typeface="Times New Roman" panose="02020603050405020304" pitchFamily="18" charset="0"/>
+                <a:cs typeface="Times New Roman" panose="02020603050405020304" pitchFamily="18" charset="0"/>
+              </a:rPr>
+              <a:t>1</a:t>
+            </a:r>
+            <a:r>
+              <a:rPr lang="en-US" sz="3200" i="1" dirty="0">
+                <a:latin typeface="Times New Roman" panose="02020603050405020304" pitchFamily="18" charset="0"/>
+                <a:cs typeface="Times New Roman" panose="02020603050405020304" pitchFamily="18" charset="0"/>
+              </a:rPr>
+              <a:t>(t</a:t>
+            </a:r>
+            <a:r>
+              <a:rPr lang="en-US" sz="3200" i="1" baseline="-25000" dirty="0">
+                <a:latin typeface="Times New Roman" panose="02020603050405020304" pitchFamily="18" charset="0"/>
+                <a:cs typeface="Times New Roman" panose="02020603050405020304" pitchFamily="18" charset="0"/>
+              </a:rPr>
+              <a:t>0 </a:t>
+            </a:r>
+            <a:r>
+              <a:rPr lang="en-US" sz="3200" i="1" dirty="0">
+                <a:latin typeface="Times New Roman" panose="02020603050405020304" pitchFamily="18" charset="0"/>
+                <a:cs typeface="Times New Roman" panose="02020603050405020304" pitchFamily="18" charset="0"/>
+              </a:rPr>
+              <a:t>)</a:t>
+            </a:r>
+          </a:p>
+        </p:txBody>
+      </p:sp>
+      <p:sp>
+        <p:nvSpPr>
+          <p:cNvPr id="50" name="TextBox 49">
+            <a:extLst>
+              <a:ext uri="{FF2B5EF4-FFF2-40B4-BE49-F238E27FC236}">
+                <a16:creationId xmlns:a16="http://schemas.microsoft.com/office/drawing/2014/main" id="{EEE48097-497E-604E-8879-C2EDC282C989}"/>
+              </a:ext>
+            </a:extLst>
+          </p:cNvPr>
+          <p:cNvSpPr txBox="1"/>
+          <p:nvPr/>
+        </p:nvSpPr>
+        <p:spPr>
+          <a:xfrm>
+            <a:off x="-338189" y="3544261"/>
+            <a:ext cx="1236032" cy="584775"/>
+          </a:xfrm>
+          <a:prstGeom prst="rect">
+            <a:avLst/>
+          </a:prstGeom>
+          <a:noFill/>
+        </p:spPr>
+        <p:txBody>
+          <a:bodyPr wrap="square" rtlCol="0">
+            <a:spAutoFit/>
+          </a:bodyPr>
+          <a:lstStyle/>
+          <a:p>
+            <a:r>
+              <a:rPr lang="en-US" sz="3200" i="1" dirty="0">
+                <a:latin typeface="Times New Roman" panose="02020603050405020304" pitchFamily="18" charset="0"/>
+                <a:cs typeface="Times New Roman" panose="02020603050405020304" pitchFamily="18" charset="0"/>
+              </a:rPr>
+              <a:t>x</a:t>
+            </a:r>
+            <a:r>
+              <a:rPr lang="en-US" sz="3200" i="1" baseline="-25000" dirty="0">
+                <a:latin typeface="Times New Roman" panose="02020603050405020304" pitchFamily="18" charset="0"/>
+                <a:cs typeface="Times New Roman" panose="02020603050405020304" pitchFamily="18" charset="0"/>
+              </a:rPr>
+              <a:t>2</a:t>
+            </a:r>
+            <a:r>
+              <a:rPr lang="en-US" sz="3200" i="1" dirty="0">
+                <a:latin typeface="Times New Roman" panose="02020603050405020304" pitchFamily="18" charset="0"/>
+                <a:cs typeface="Times New Roman" panose="02020603050405020304" pitchFamily="18" charset="0"/>
+              </a:rPr>
+              <a:t>(t</a:t>
+            </a:r>
+            <a:r>
+              <a:rPr lang="en-US" sz="3200" i="1" baseline="-25000" dirty="0">
+                <a:latin typeface="Times New Roman" panose="02020603050405020304" pitchFamily="18" charset="0"/>
+                <a:cs typeface="Times New Roman" panose="02020603050405020304" pitchFamily="18" charset="0"/>
+              </a:rPr>
+              <a:t>0 </a:t>
+            </a:r>
+            <a:r>
+              <a:rPr lang="en-US" sz="3200" i="1" dirty="0">
+                <a:latin typeface="Times New Roman" panose="02020603050405020304" pitchFamily="18" charset="0"/>
+                <a:cs typeface="Times New Roman" panose="02020603050405020304" pitchFamily="18" charset="0"/>
+              </a:rPr>
+              <a:t>)</a:t>
+            </a:r>
+          </a:p>
+        </p:txBody>
+      </p:sp>
+      <p:sp>
+        <p:nvSpPr>
+          <p:cNvPr id="51" name="TextBox 50">
+            <a:extLst>
+              <a:ext uri="{FF2B5EF4-FFF2-40B4-BE49-F238E27FC236}">
+                <a16:creationId xmlns:a16="http://schemas.microsoft.com/office/drawing/2014/main" id="{DEB0347D-DEFD-C044-8A1D-79F09A7FF2BF}"/>
+              </a:ext>
+            </a:extLst>
+          </p:cNvPr>
+          <p:cNvSpPr txBox="1"/>
+          <p:nvPr/>
+        </p:nvSpPr>
+        <p:spPr>
+          <a:xfrm>
+            <a:off x="6075697" y="255854"/>
+            <a:ext cx="1236032" cy="584775"/>
+          </a:xfrm>
+          <a:prstGeom prst="rect">
+            <a:avLst/>
+          </a:prstGeom>
+          <a:noFill/>
+        </p:spPr>
+        <p:txBody>
+          <a:bodyPr wrap="square" rtlCol="0">
+            <a:spAutoFit/>
+          </a:bodyPr>
+          <a:lstStyle/>
+          <a:p>
+            <a:r>
+              <a:rPr lang="en-US" sz="3200" i="1" dirty="0">
+                <a:latin typeface="Times New Roman" panose="02020603050405020304" pitchFamily="18" charset="0"/>
+                <a:cs typeface="Times New Roman" panose="02020603050405020304" pitchFamily="18" charset="0"/>
+              </a:rPr>
+              <a:t>x</a:t>
+            </a:r>
+            <a:r>
+              <a:rPr lang="en-US" sz="3200" i="1" baseline="-25000" dirty="0">
+                <a:latin typeface="Times New Roman" panose="02020603050405020304" pitchFamily="18" charset="0"/>
+                <a:cs typeface="Times New Roman" panose="02020603050405020304" pitchFamily="18" charset="0"/>
+              </a:rPr>
+              <a:t>3</a:t>
+            </a:r>
+            <a:r>
+              <a:rPr lang="en-US" sz="3200" i="1" dirty="0">
+                <a:latin typeface="Times New Roman" panose="02020603050405020304" pitchFamily="18" charset="0"/>
+                <a:cs typeface="Times New Roman" panose="02020603050405020304" pitchFamily="18" charset="0"/>
+              </a:rPr>
+              <a:t>(t</a:t>
+            </a:r>
+            <a:r>
+              <a:rPr lang="en-US" sz="3200" i="1" baseline="-25000" dirty="0">
+                <a:latin typeface="Times New Roman" panose="02020603050405020304" pitchFamily="18" charset="0"/>
+                <a:cs typeface="Times New Roman" panose="02020603050405020304" pitchFamily="18" charset="0"/>
+              </a:rPr>
+              <a:t>1</a:t>
+            </a:r>
+            <a:r>
+              <a:rPr lang="en-US" sz="3200" i="1" dirty="0">
+                <a:latin typeface="Times New Roman" panose="02020603050405020304" pitchFamily="18" charset="0"/>
+                <a:cs typeface="Times New Roman" panose="02020603050405020304" pitchFamily="18" charset="0"/>
+              </a:rPr>
+              <a:t>)</a:t>
+            </a:r>
+          </a:p>
+        </p:txBody>
+      </p:sp>
+      <p:sp>
+        <p:nvSpPr>
+          <p:cNvPr id="53" name="TextBox 52">
+            <a:extLst>
+              <a:ext uri="{FF2B5EF4-FFF2-40B4-BE49-F238E27FC236}">
+                <a16:creationId xmlns:a16="http://schemas.microsoft.com/office/drawing/2014/main" id="{C4761568-E24B-8944-851C-3552EC1AFFAD}"/>
+              </a:ext>
+            </a:extLst>
+          </p:cNvPr>
+          <p:cNvSpPr txBox="1"/>
+          <p:nvPr/>
+        </p:nvSpPr>
+        <p:spPr>
+          <a:xfrm>
+            <a:off x="6108772" y="2360102"/>
+            <a:ext cx="1236032" cy="584775"/>
+          </a:xfrm>
+          <a:prstGeom prst="rect">
+            <a:avLst/>
+          </a:prstGeom>
+          <a:noFill/>
+        </p:spPr>
+        <p:txBody>
+          <a:bodyPr wrap="square" rtlCol="0">
+            <a:spAutoFit/>
+          </a:bodyPr>
+          <a:lstStyle/>
+          <a:p>
+            <a:r>
+              <a:rPr lang="en-US" sz="3200" i="1" dirty="0">
+                <a:latin typeface="Times New Roman" panose="02020603050405020304" pitchFamily="18" charset="0"/>
+                <a:cs typeface="Times New Roman" panose="02020603050405020304" pitchFamily="18" charset="0"/>
+              </a:rPr>
+              <a:t>x</a:t>
+            </a:r>
+            <a:r>
+              <a:rPr lang="en-US" sz="3200" i="1" baseline="-25000" dirty="0">
+                <a:latin typeface="Times New Roman" panose="02020603050405020304" pitchFamily="18" charset="0"/>
+                <a:cs typeface="Times New Roman" panose="02020603050405020304" pitchFamily="18" charset="0"/>
+              </a:rPr>
+              <a:t>4</a:t>
+            </a:r>
+            <a:r>
+              <a:rPr lang="en-US" sz="3200" i="1" dirty="0">
+                <a:latin typeface="Times New Roman" panose="02020603050405020304" pitchFamily="18" charset="0"/>
+                <a:cs typeface="Times New Roman" panose="02020603050405020304" pitchFamily="18" charset="0"/>
+              </a:rPr>
+              <a:t>(t</a:t>
+            </a:r>
+            <a:r>
+              <a:rPr lang="en-US" sz="3200" i="1" baseline="-25000" dirty="0">
+                <a:latin typeface="Times New Roman" panose="02020603050405020304" pitchFamily="18" charset="0"/>
+                <a:cs typeface="Times New Roman" panose="02020603050405020304" pitchFamily="18" charset="0"/>
+              </a:rPr>
+              <a:t>1</a:t>
+            </a:r>
+            <a:r>
+              <a:rPr lang="en-US" sz="3200" i="1" dirty="0">
+                <a:latin typeface="Times New Roman" panose="02020603050405020304" pitchFamily="18" charset="0"/>
+                <a:cs typeface="Times New Roman" panose="02020603050405020304" pitchFamily="18" charset="0"/>
+              </a:rPr>
+              <a:t>)</a:t>
+            </a:r>
+          </a:p>
+        </p:txBody>
+      </p:sp>
+      <p:sp>
+        <p:nvSpPr>
+          <p:cNvPr id="54" name="TextBox 53">
+            <a:extLst>
+              <a:ext uri="{FF2B5EF4-FFF2-40B4-BE49-F238E27FC236}">
+                <a16:creationId xmlns:a16="http://schemas.microsoft.com/office/drawing/2014/main" id="{912BBA10-4EB9-6D42-B986-272E602D7B87}"/>
+              </a:ext>
+            </a:extLst>
+          </p:cNvPr>
+          <p:cNvSpPr txBox="1"/>
+          <p:nvPr/>
+        </p:nvSpPr>
+        <p:spPr>
+          <a:xfrm>
+            <a:off x="6185439" y="3662390"/>
+            <a:ext cx="1236032" cy="584775"/>
+          </a:xfrm>
+          <a:prstGeom prst="rect">
+            <a:avLst/>
+          </a:prstGeom>
+          <a:noFill/>
+        </p:spPr>
+        <p:txBody>
+          <a:bodyPr wrap="square" rtlCol="0">
+            <a:spAutoFit/>
+          </a:bodyPr>
+          <a:lstStyle/>
+          <a:p>
+            <a:r>
+              <a:rPr lang="en-US" sz="3200" i="1" dirty="0">
+                <a:latin typeface="Times New Roman" panose="02020603050405020304" pitchFamily="18" charset="0"/>
+                <a:cs typeface="Times New Roman" panose="02020603050405020304" pitchFamily="18" charset="0"/>
+              </a:rPr>
+              <a:t>x</a:t>
+            </a:r>
+            <a:r>
+              <a:rPr lang="en-US" sz="3200" i="1" baseline="-25000" dirty="0">
+                <a:latin typeface="Times New Roman" panose="02020603050405020304" pitchFamily="18" charset="0"/>
+                <a:cs typeface="Times New Roman" panose="02020603050405020304" pitchFamily="18" charset="0"/>
+              </a:rPr>
+              <a:t>5</a:t>
+            </a:r>
+            <a:r>
+              <a:rPr lang="en-US" sz="3200" i="1" dirty="0">
+                <a:latin typeface="Times New Roman" panose="02020603050405020304" pitchFamily="18" charset="0"/>
+                <a:cs typeface="Times New Roman" panose="02020603050405020304" pitchFamily="18" charset="0"/>
+              </a:rPr>
+              <a:t>(t</a:t>
+            </a:r>
+            <a:r>
+              <a:rPr lang="en-US" sz="3200" i="1" baseline="-25000" dirty="0">
+                <a:latin typeface="Times New Roman" panose="02020603050405020304" pitchFamily="18" charset="0"/>
+                <a:cs typeface="Times New Roman" panose="02020603050405020304" pitchFamily="18" charset="0"/>
+              </a:rPr>
+              <a:t>1</a:t>
+            </a:r>
+            <a:r>
+              <a:rPr lang="en-US" sz="3200" i="1" dirty="0">
+                <a:latin typeface="Times New Roman" panose="02020603050405020304" pitchFamily="18" charset="0"/>
+                <a:cs typeface="Times New Roman" panose="02020603050405020304" pitchFamily="18" charset="0"/>
+              </a:rPr>
+              <a:t>)</a:t>
+            </a:r>
+          </a:p>
+        </p:txBody>
+      </p:sp>
+      <p:sp>
+        <p:nvSpPr>
+          <p:cNvPr id="56" name="TextBox 55">
+            <a:extLst>
+              <a:ext uri="{FF2B5EF4-FFF2-40B4-BE49-F238E27FC236}">
+                <a16:creationId xmlns:a16="http://schemas.microsoft.com/office/drawing/2014/main" id="{283E9B71-72A9-4F41-B56C-A5EA028DF45B}"/>
+              </a:ext>
+            </a:extLst>
+          </p:cNvPr>
+          <p:cNvSpPr txBox="1"/>
+          <p:nvPr/>
+        </p:nvSpPr>
+        <p:spPr>
+          <a:xfrm>
+            <a:off x="-341914" y="2553713"/>
+            <a:ext cx="1236032" cy="584775"/>
+          </a:xfrm>
+          <a:prstGeom prst="rect">
+            <a:avLst/>
+          </a:prstGeom>
+          <a:noFill/>
+        </p:spPr>
+        <p:txBody>
+          <a:bodyPr wrap="square" rtlCol="0">
+            <a:spAutoFit/>
+          </a:bodyPr>
+          <a:lstStyle/>
+          <a:p>
+            <a:r>
+              <a:rPr lang="en-US" sz="3200" i="1" dirty="0">
+                <a:latin typeface="Times New Roman" panose="02020603050405020304" pitchFamily="18" charset="0"/>
+                <a:cs typeface="Times New Roman" panose="02020603050405020304" pitchFamily="18" charset="0"/>
+              </a:rPr>
+              <a:t>p</a:t>
+            </a:r>
+            <a:r>
+              <a:rPr lang="en-US" sz="3200" i="1" baseline="-25000" dirty="0">
+                <a:latin typeface="Times New Roman" panose="02020603050405020304" pitchFamily="18" charset="0"/>
+                <a:cs typeface="Times New Roman" panose="02020603050405020304" pitchFamily="18" charset="0"/>
+              </a:rPr>
+              <a:t>0</a:t>
+            </a:r>
+            <a:r>
+              <a:rPr lang="en-US" sz="3200" i="1" dirty="0">
+                <a:latin typeface="Times New Roman" panose="02020603050405020304" pitchFamily="18" charset="0"/>
+                <a:cs typeface="Times New Roman" panose="02020603050405020304" pitchFamily="18" charset="0"/>
+              </a:rPr>
+              <a:t>(t</a:t>
+            </a:r>
+            <a:r>
+              <a:rPr lang="en-US" sz="3200" i="1" baseline="-25000" dirty="0">
+                <a:latin typeface="Times New Roman" panose="02020603050405020304" pitchFamily="18" charset="0"/>
+                <a:cs typeface="Times New Roman" panose="02020603050405020304" pitchFamily="18" charset="0"/>
+              </a:rPr>
+              <a:t>0 </a:t>
+            </a:r>
+            <a:r>
+              <a:rPr lang="en-US" sz="3200" i="1" dirty="0">
+                <a:latin typeface="Times New Roman" panose="02020603050405020304" pitchFamily="18" charset="0"/>
+                <a:cs typeface="Times New Roman" panose="02020603050405020304" pitchFamily="18" charset="0"/>
+              </a:rPr>
+              <a:t>)</a:t>
+            </a:r>
+          </a:p>
+        </p:txBody>
+      </p:sp>
+      <p:sp>
+        <p:nvSpPr>
+          <p:cNvPr id="57" name="TextBox 56">
+            <a:extLst>
+              <a:ext uri="{FF2B5EF4-FFF2-40B4-BE49-F238E27FC236}">
+                <a16:creationId xmlns:a16="http://schemas.microsoft.com/office/drawing/2014/main" id="{8EF3F371-CBC2-CB4C-8256-FF250FA9D053}"/>
+              </a:ext>
+            </a:extLst>
+          </p:cNvPr>
+          <p:cNvSpPr txBox="1"/>
+          <p:nvPr/>
+        </p:nvSpPr>
+        <p:spPr>
+          <a:xfrm>
+            <a:off x="6100628" y="1216490"/>
+            <a:ext cx="1236032" cy="584775"/>
+          </a:xfrm>
+          <a:prstGeom prst="rect">
+            <a:avLst/>
+          </a:prstGeom>
+          <a:noFill/>
+        </p:spPr>
+        <p:txBody>
+          <a:bodyPr wrap="square" rtlCol="0">
+            <a:spAutoFit/>
+          </a:bodyPr>
+          <a:lstStyle/>
+          <a:p>
+            <a:r>
+              <a:rPr lang="en-US" sz="3200" i="1" dirty="0">
+                <a:latin typeface="Times New Roman" panose="02020603050405020304" pitchFamily="18" charset="0"/>
+                <a:cs typeface="Times New Roman" panose="02020603050405020304" pitchFamily="18" charset="0"/>
+              </a:rPr>
+              <a:t>p</a:t>
+            </a:r>
+            <a:r>
+              <a:rPr lang="en-US" sz="3200" i="1" baseline="-25000" dirty="0">
+                <a:latin typeface="Times New Roman" panose="02020603050405020304" pitchFamily="18" charset="0"/>
+                <a:cs typeface="Times New Roman" panose="02020603050405020304" pitchFamily="18" charset="0"/>
+              </a:rPr>
+              <a:t>0</a:t>
+            </a:r>
+            <a:r>
+              <a:rPr lang="en-US" sz="3200" i="1" dirty="0">
+                <a:latin typeface="Times New Roman" panose="02020603050405020304" pitchFamily="18" charset="0"/>
+                <a:cs typeface="Times New Roman" panose="02020603050405020304" pitchFamily="18" charset="0"/>
+              </a:rPr>
+              <a:t>(t</a:t>
+            </a:r>
+            <a:r>
+              <a:rPr lang="en-US" sz="3200" i="1" baseline="-25000" dirty="0">
+                <a:latin typeface="Times New Roman" panose="02020603050405020304" pitchFamily="18" charset="0"/>
+                <a:cs typeface="Times New Roman" panose="02020603050405020304" pitchFamily="18" charset="0"/>
+              </a:rPr>
+              <a:t>1</a:t>
+            </a:r>
+            <a:r>
+              <a:rPr lang="en-US" sz="3200" i="1" dirty="0">
+                <a:latin typeface="Times New Roman" panose="02020603050405020304" pitchFamily="18" charset="0"/>
+                <a:cs typeface="Times New Roman" panose="02020603050405020304" pitchFamily="18" charset="0"/>
+              </a:rPr>
+              <a:t>)</a:t>
+            </a:r>
+          </a:p>
+        </p:txBody>
+      </p:sp>
+      <p:sp>
+        <p:nvSpPr>
+          <p:cNvPr id="58" name="TextBox 57">
+            <a:extLst>
+              <a:ext uri="{FF2B5EF4-FFF2-40B4-BE49-F238E27FC236}">
+                <a16:creationId xmlns:a16="http://schemas.microsoft.com/office/drawing/2014/main" id="{2E5805F0-B5E7-074A-B176-4E6AFE3B2B19}"/>
+              </a:ext>
+            </a:extLst>
+          </p:cNvPr>
+          <p:cNvSpPr txBox="1"/>
+          <p:nvPr/>
+        </p:nvSpPr>
+        <p:spPr>
+          <a:xfrm>
+            <a:off x="-342034" y="718958"/>
+            <a:ext cx="1236032" cy="584775"/>
+          </a:xfrm>
+          <a:prstGeom prst="rect">
+            <a:avLst/>
+          </a:prstGeom>
+          <a:noFill/>
+        </p:spPr>
+        <p:txBody>
+          <a:bodyPr wrap="square" rtlCol="0">
+            <a:spAutoFit/>
+          </a:bodyPr>
+          <a:lstStyle/>
+          <a:p>
+            <a:r>
+              <a:rPr lang="en-US" sz="3200" i="1" dirty="0">
+                <a:latin typeface="Times New Roman" panose="02020603050405020304" pitchFamily="18" charset="0"/>
+                <a:cs typeface="Times New Roman" panose="02020603050405020304" pitchFamily="18" charset="0"/>
+              </a:rPr>
+              <a:t>x</a:t>
+            </a:r>
+            <a:r>
+              <a:rPr lang="en-US" sz="3200" i="1" baseline="-25000" dirty="0">
+                <a:latin typeface="Times New Roman" panose="02020603050405020304" pitchFamily="18" charset="0"/>
+                <a:cs typeface="Times New Roman" panose="02020603050405020304" pitchFamily="18" charset="0"/>
+              </a:rPr>
+              <a:t>0</a:t>
+            </a:r>
+            <a:r>
+              <a:rPr lang="en-US" sz="3200" i="1" dirty="0">
+                <a:latin typeface="Times New Roman" panose="02020603050405020304" pitchFamily="18" charset="0"/>
+                <a:cs typeface="Times New Roman" panose="02020603050405020304" pitchFamily="18" charset="0"/>
+              </a:rPr>
+              <a:t>(t</a:t>
+            </a:r>
+            <a:r>
+              <a:rPr lang="en-US" sz="3200" i="1" baseline="-25000" dirty="0">
+                <a:latin typeface="Times New Roman" panose="02020603050405020304" pitchFamily="18" charset="0"/>
+                <a:cs typeface="Times New Roman" panose="02020603050405020304" pitchFamily="18" charset="0"/>
+              </a:rPr>
+              <a:t>0 </a:t>
+            </a:r>
+            <a:r>
+              <a:rPr lang="en-US" sz="3200" i="1" dirty="0">
+                <a:latin typeface="Times New Roman" panose="02020603050405020304" pitchFamily="18" charset="0"/>
+                <a:cs typeface="Times New Roman" panose="02020603050405020304" pitchFamily="18" charset="0"/>
+              </a:rPr>
+              <a:t>)</a:t>
+            </a:r>
+          </a:p>
+        </p:txBody>
+      </p:sp>
+      <p:sp>
+        <p:nvSpPr>
+          <p:cNvPr id="59" name="TextBox 58">
+            <a:extLst>
+              <a:ext uri="{FF2B5EF4-FFF2-40B4-BE49-F238E27FC236}">
+                <a16:creationId xmlns:a16="http://schemas.microsoft.com/office/drawing/2014/main" id="{E8F3B3E7-DB05-754A-9901-DE21BEA262CD}"/>
+              </a:ext>
+            </a:extLst>
+          </p:cNvPr>
+          <p:cNvSpPr txBox="1"/>
+          <p:nvPr/>
+        </p:nvSpPr>
+        <p:spPr>
+          <a:xfrm>
+            <a:off x="4554245" y="1069627"/>
+            <a:ext cx="1236032" cy="584775"/>
+          </a:xfrm>
+          <a:prstGeom prst="rect">
+            <a:avLst/>
+          </a:prstGeom>
+          <a:noFill/>
+        </p:spPr>
+        <p:txBody>
+          <a:bodyPr wrap="square" rtlCol="0">
+            <a:spAutoFit/>
+          </a:bodyPr>
+          <a:lstStyle/>
+          <a:p>
+            <a:r>
+              <a:rPr lang="en-US" sz="3200" i="1" dirty="0">
+                <a:latin typeface="Times New Roman" panose="02020603050405020304" pitchFamily="18" charset="0"/>
+                <a:cs typeface="Times New Roman" panose="02020603050405020304" pitchFamily="18" charset="0"/>
+              </a:rPr>
+              <a:t>x</a:t>
+            </a:r>
+            <a:r>
+              <a:rPr lang="en-US" sz="3200" i="1" baseline="-25000" dirty="0">
+                <a:latin typeface="Times New Roman" panose="02020603050405020304" pitchFamily="18" charset="0"/>
+                <a:cs typeface="Times New Roman" panose="02020603050405020304" pitchFamily="18" charset="0"/>
+              </a:rPr>
+              <a:t>1</a:t>
+            </a:r>
+            <a:r>
+              <a:rPr lang="en-US" sz="3200" i="1" dirty="0">
+                <a:latin typeface="Times New Roman" panose="02020603050405020304" pitchFamily="18" charset="0"/>
+                <a:cs typeface="Times New Roman" panose="02020603050405020304" pitchFamily="18" charset="0"/>
+              </a:rPr>
+              <a:t>(t</a:t>
+            </a:r>
+            <a:r>
+              <a:rPr lang="en-US" sz="3200" i="1" baseline="-25000" dirty="0">
+                <a:latin typeface="Times New Roman" panose="02020603050405020304" pitchFamily="18" charset="0"/>
+                <a:cs typeface="Times New Roman" panose="02020603050405020304" pitchFamily="18" charset="0"/>
+              </a:rPr>
+              <a:t>1</a:t>
+            </a:r>
+            <a:r>
+              <a:rPr lang="en-US" sz="3200" i="1" dirty="0">
+                <a:latin typeface="Times New Roman" panose="02020603050405020304" pitchFamily="18" charset="0"/>
+                <a:cs typeface="Times New Roman" panose="02020603050405020304" pitchFamily="18" charset="0"/>
+              </a:rPr>
+              <a:t>)</a:t>
+            </a:r>
+          </a:p>
+        </p:txBody>
+      </p:sp>
+      <p:sp>
+        <p:nvSpPr>
+          <p:cNvPr id="60" name="TextBox 59">
+            <a:extLst>
+              <a:ext uri="{FF2B5EF4-FFF2-40B4-BE49-F238E27FC236}">
+                <a16:creationId xmlns:a16="http://schemas.microsoft.com/office/drawing/2014/main" id="{CE2DDC87-DA44-EF41-BD23-69A0D39E67BA}"/>
+              </a:ext>
+            </a:extLst>
+          </p:cNvPr>
+          <p:cNvSpPr txBox="1"/>
+          <p:nvPr/>
+        </p:nvSpPr>
+        <p:spPr>
+          <a:xfrm>
+            <a:off x="4669320" y="2997063"/>
+            <a:ext cx="1236032" cy="584775"/>
+          </a:xfrm>
+          <a:prstGeom prst="rect">
+            <a:avLst/>
+          </a:prstGeom>
+          <a:noFill/>
+        </p:spPr>
+        <p:txBody>
+          <a:bodyPr wrap="square" rtlCol="0">
+            <a:spAutoFit/>
+          </a:bodyPr>
+          <a:lstStyle/>
+          <a:p>
+            <a:r>
+              <a:rPr lang="en-US" sz="3200" i="1" dirty="0">
+                <a:latin typeface="Times New Roman" panose="02020603050405020304" pitchFamily="18" charset="0"/>
+                <a:cs typeface="Times New Roman" panose="02020603050405020304" pitchFamily="18" charset="0"/>
+              </a:rPr>
+              <a:t>x</a:t>
+            </a:r>
+            <a:r>
+              <a:rPr lang="en-US" sz="3200" i="1" baseline="-25000" dirty="0">
+                <a:latin typeface="Times New Roman" panose="02020603050405020304" pitchFamily="18" charset="0"/>
+                <a:cs typeface="Times New Roman" panose="02020603050405020304" pitchFamily="18" charset="0"/>
+              </a:rPr>
+              <a:t>2</a:t>
+            </a:r>
+            <a:r>
+              <a:rPr lang="en-US" sz="3200" i="1" dirty="0">
+                <a:latin typeface="Times New Roman" panose="02020603050405020304" pitchFamily="18" charset="0"/>
+                <a:cs typeface="Times New Roman" panose="02020603050405020304" pitchFamily="18" charset="0"/>
+              </a:rPr>
+              <a:t>(t</a:t>
+            </a:r>
+            <a:r>
+              <a:rPr lang="en-US" sz="3200" i="1" baseline="-25000" dirty="0">
+                <a:latin typeface="Times New Roman" panose="02020603050405020304" pitchFamily="18" charset="0"/>
+                <a:cs typeface="Times New Roman" panose="02020603050405020304" pitchFamily="18" charset="0"/>
+              </a:rPr>
+              <a:t>1</a:t>
+            </a:r>
+            <a:r>
+              <a:rPr lang="en-US" sz="3200" i="1" dirty="0">
+                <a:latin typeface="Times New Roman" panose="02020603050405020304" pitchFamily="18" charset="0"/>
+                <a:cs typeface="Times New Roman" panose="02020603050405020304" pitchFamily="18" charset="0"/>
+              </a:rPr>
+              <a:t>)</a:t>
+            </a:r>
+          </a:p>
+        </p:txBody>
+      </p:sp>
+      <p:sp>
+        <p:nvSpPr>
+          <p:cNvPr id="61" name="TextBox 60">
+            <a:extLst>
+              <a:ext uri="{FF2B5EF4-FFF2-40B4-BE49-F238E27FC236}">
+                <a16:creationId xmlns:a16="http://schemas.microsoft.com/office/drawing/2014/main" id="{3A26DF8B-2019-CD45-9B35-8FDAB0BC213A}"/>
+              </a:ext>
+            </a:extLst>
+          </p:cNvPr>
+          <p:cNvSpPr txBox="1"/>
+          <p:nvPr/>
+        </p:nvSpPr>
+        <p:spPr>
+          <a:xfrm>
+            <a:off x="4655873" y="2139082"/>
+            <a:ext cx="1236032" cy="584775"/>
+          </a:xfrm>
+          <a:prstGeom prst="rect">
+            <a:avLst/>
+          </a:prstGeom>
+          <a:noFill/>
+        </p:spPr>
+        <p:txBody>
+          <a:bodyPr wrap="square" rtlCol="0">
+            <a:spAutoFit/>
+          </a:bodyPr>
+          <a:lstStyle/>
+          <a:p>
+            <a:r>
+              <a:rPr lang="en-US" sz="3200" i="1" dirty="0">
+                <a:latin typeface="Times New Roman" panose="02020603050405020304" pitchFamily="18" charset="0"/>
+                <a:cs typeface="Times New Roman" panose="02020603050405020304" pitchFamily="18" charset="0"/>
+              </a:rPr>
+              <a:t>p</a:t>
+            </a:r>
+            <a:r>
+              <a:rPr lang="en-US" sz="3200" i="1" baseline="-25000" dirty="0">
+                <a:latin typeface="Times New Roman" panose="02020603050405020304" pitchFamily="18" charset="0"/>
+                <a:cs typeface="Times New Roman" panose="02020603050405020304" pitchFamily="18" charset="0"/>
+              </a:rPr>
+              <a:t>0</a:t>
+            </a:r>
+            <a:r>
+              <a:rPr lang="en-US" sz="3200" i="1" dirty="0">
+                <a:latin typeface="Times New Roman" panose="02020603050405020304" pitchFamily="18" charset="0"/>
+                <a:cs typeface="Times New Roman" panose="02020603050405020304" pitchFamily="18" charset="0"/>
+              </a:rPr>
+              <a:t>(t</a:t>
+            </a:r>
+            <a:r>
+              <a:rPr lang="en-US" sz="3200" i="1" baseline="-25000" dirty="0">
+                <a:latin typeface="Times New Roman" panose="02020603050405020304" pitchFamily="18" charset="0"/>
+                <a:cs typeface="Times New Roman" panose="02020603050405020304" pitchFamily="18" charset="0"/>
+              </a:rPr>
+              <a:t>1</a:t>
+            </a:r>
+            <a:r>
+              <a:rPr lang="en-US" sz="3200" i="1" dirty="0">
+                <a:latin typeface="Times New Roman" panose="02020603050405020304" pitchFamily="18" charset="0"/>
+                <a:cs typeface="Times New Roman" panose="02020603050405020304" pitchFamily="18" charset="0"/>
+              </a:rPr>
+              <a:t>)</a:t>
+            </a:r>
+          </a:p>
+        </p:txBody>
+      </p:sp>
+      <p:sp>
+        <p:nvSpPr>
+          <p:cNvPr id="62" name="TextBox 61">
+            <a:extLst>
+              <a:ext uri="{FF2B5EF4-FFF2-40B4-BE49-F238E27FC236}">
+                <a16:creationId xmlns:a16="http://schemas.microsoft.com/office/drawing/2014/main" id="{6FBC059D-9041-FB40-ABE2-07507B1A04FE}"/>
+              </a:ext>
+            </a:extLst>
+          </p:cNvPr>
+          <p:cNvSpPr txBox="1"/>
+          <p:nvPr/>
+        </p:nvSpPr>
+        <p:spPr>
+          <a:xfrm>
+            <a:off x="11049648" y="213063"/>
+            <a:ext cx="1236032" cy="584775"/>
+          </a:xfrm>
+          <a:prstGeom prst="rect">
+            <a:avLst/>
+          </a:prstGeom>
+          <a:noFill/>
+        </p:spPr>
+        <p:txBody>
+          <a:bodyPr wrap="square" rtlCol="0">
+            <a:spAutoFit/>
+          </a:bodyPr>
+          <a:lstStyle/>
+          <a:p>
+            <a:r>
+              <a:rPr lang="en-US" sz="3200" i="1" dirty="0">
+                <a:latin typeface="Times New Roman" panose="02020603050405020304" pitchFamily="18" charset="0"/>
+                <a:cs typeface="Times New Roman" panose="02020603050405020304" pitchFamily="18" charset="0"/>
+              </a:rPr>
+              <a:t>x</a:t>
+            </a:r>
+            <a:r>
+              <a:rPr lang="en-US" sz="3200" i="1" baseline="-25000" dirty="0">
+                <a:latin typeface="Times New Roman" panose="02020603050405020304" pitchFamily="18" charset="0"/>
+                <a:cs typeface="Times New Roman" panose="02020603050405020304" pitchFamily="18" charset="0"/>
+              </a:rPr>
+              <a:t>3</a:t>
+            </a:r>
+            <a:r>
+              <a:rPr lang="en-US" sz="3200" i="1" dirty="0">
+                <a:latin typeface="Times New Roman" panose="02020603050405020304" pitchFamily="18" charset="0"/>
+                <a:cs typeface="Times New Roman" panose="02020603050405020304" pitchFamily="18" charset="0"/>
+              </a:rPr>
+              <a:t>(t</a:t>
+            </a:r>
+            <a:r>
+              <a:rPr lang="en-US" sz="3200" i="1" baseline="-25000" dirty="0">
+                <a:latin typeface="Times New Roman" panose="02020603050405020304" pitchFamily="18" charset="0"/>
+                <a:cs typeface="Times New Roman" panose="02020603050405020304" pitchFamily="18" charset="0"/>
+              </a:rPr>
+              <a:t>2</a:t>
+            </a:r>
+            <a:r>
+              <a:rPr lang="en-US" sz="3200" i="1" dirty="0">
+                <a:latin typeface="Times New Roman" panose="02020603050405020304" pitchFamily="18" charset="0"/>
+                <a:cs typeface="Times New Roman" panose="02020603050405020304" pitchFamily="18" charset="0"/>
+              </a:rPr>
+              <a:t>)</a:t>
+            </a:r>
+          </a:p>
+        </p:txBody>
+      </p:sp>
+      <p:sp>
+        <p:nvSpPr>
+          <p:cNvPr id="63" name="TextBox 62">
+            <a:extLst>
+              <a:ext uri="{FF2B5EF4-FFF2-40B4-BE49-F238E27FC236}">
+                <a16:creationId xmlns:a16="http://schemas.microsoft.com/office/drawing/2014/main" id="{FF4B77BA-A698-5843-A3E0-C8AEE1E22DEE}"/>
+              </a:ext>
+            </a:extLst>
+          </p:cNvPr>
+          <p:cNvSpPr txBox="1"/>
+          <p:nvPr/>
+        </p:nvSpPr>
+        <p:spPr>
+          <a:xfrm>
+            <a:off x="11042186" y="744027"/>
+            <a:ext cx="1236032" cy="584775"/>
+          </a:xfrm>
+          <a:prstGeom prst="rect">
+            <a:avLst/>
+          </a:prstGeom>
+          <a:noFill/>
+        </p:spPr>
+        <p:txBody>
+          <a:bodyPr wrap="square" rtlCol="0">
+            <a:spAutoFit/>
+          </a:bodyPr>
+          <a:lstStyle/>
+          <a:p>
+            <a:r>
+              <a:rPr lang="en-US" sz="3200" i="1" dirty="0">
+                <a:latin typeface="Times New Roman" panose="02020603050405020304" pitchFamily="18" charset="0"/>
+                <a:cs typeface="Times New Roman" panose="02020603050405020304" pitchFamily="18" charset="0"/>
+              </a:rPr>
+              <a:t>p</a:t>
+            </a:r>
+            <a:r>
+              <a:rPr lang="en-US" sz="3200" i="1" baseline="-25000" dirty="0">
+                <a:latin typeface="Times New Roman" panose="02020603050405020304" pitchFamily="18" charset="0"/>
+                <a:cs typeface="Times New Roman" panose="02020603050405020304" pitchFamily="18" charset="0"/>
+              </a:rPr>
+              <a:t>0</a:t>
+            </a:r>
+            <a:r>
+              <a:rPr lang="en-US" sz="3200" i="1" dirty="0">
+                <a:latin typeface="Times New Roman" panose="02020603050405020304" pitchFamily="18" charset="0"/>
+                <a:cs typeface="Times New Roman" panose="02020603050405020304" pitchFamily="18" charset="0"/>
+              </a:rPr>
+              <a:t>(t</a:t>
+            </a:r>
+            <a:r>
+              <a:rPr lang="en-US" sz="3200" i="1" baseline="-25000" dirty="0">
+                <a:latin typeface="Times New Roman" panose="02020603050405020304" pitchFamily="18" charset="0"/>
+                <a:cs typeface="Times New Roman" panose="02020603050405020304" pitchFamily="18" charset="0"/>
+              </a:rPr>
+              <a:t>2</a:t>
+            </a:r>
+            <a:r>
+              <a:rPr lang="en-US" sz="3200" i="1" dirty="0">
+                <a:latin typeface="Times New Roman" panose="02020603050405020304" pitchFamily="18" charset="0"/>
+                <a:cs typeface="Times New Roman" panose="02020603050405020304" pitchFamily="18" charset="0"/>
+              </a:rPr>
+              <a:t>)</a:t>
+            </a:r>
+          </a:p>
+        </p:txBody>
+      </p:sp>
+      <p:sp>
+        <p:nvSpPr>
+          <p:cNvPr id="64" name="TextBox 63">
+            <a:extLst>
+              <a:ext uri="{FF2B5EF4-FFF2-40B4-BE49-F238E27FC236}">
+                <a16:creationId xmlns:a16="http://schemas.microsoft.com/office/drawing/2014/main" id="{8FBDF05B-57E5-9B41-9233-72F51D093A77}"/>
+              </a:ext>
+            </a:extLst>
+          </p:cNvPr>
+          <p:cNvSpPr txBox="1"/>
+          <p:nvPr/>
+        </p:nvSpPr>
+        <p:spPr>
+          <a:xfrm>
+            <a:off x="11042186" y="1180950"/>
+            <a:ext cx="1236032" cy="584775"/>
+          </a:xfrm>
+          <a:prstGeom prst="rect">
+            <a:avLst/>
+          </a:prstGeom>
+          <a:noFill/>
+        </p:spPr>
+        <p:txBody>
+          <a:bodyPr wrap="square" rtlCol="0">
+            <a:spAutoFit/>
+          </a:bodyPr>
+          <a:lstStyle/>
+          <a:p>
+            <a:r>
+              <a:rPr lang="en-US" sz="3200" i="1" dirty="0">
+                <a:latin typeface="Times New Roman" panose="02020603050405020304" pitchFamily="18" charset="0"/>
+                <a:cs typeface="Times New Roman" panose="02020603050405020304" pitchFamily="18" charset="0"/>
+              </a:rPr>
+              <a:t>x</a:t>
+            </a:r>
+            <a:r>
+              <a:rPr lang="en-US" sz="3200" i="1" baseline="-25000" dirty="0">
+                <a:latin typeface="Times New Roman" panose="02020603050405020304" pitchFamily="18" charset="0"/>
+                <a:cs typeface="Times New Roman" panose="02020603050405020304" pitchFamily="18" charset="0"/>
+              </a:rPr>
+              <a:t>4</a:t>
+            </a:r>
+            <a:r>
+              <a:rPr lang="en-US" sz="3200" i="1" dirty="0">
+                <a:latin typeface="Times New Roman" panose="02020603050405020304" pitchFamily="18" charset="0"/>
+                <a:cs typeface="Times New Roman" panose="02020603050405020304" pitchFamily="18" charset="0"/>
+              </a:rPr>
+              <a:t>(t</a:t>
+            </a:r>
+            <a:r>
+              <a:rPr lang="en-US" sz="3200" i="1" baseline="-25000" dirty="0">
+                <a:latin typeface="Times New Roman" panose="02020603050405020304" pitchFamily="18" charset="0"/>
+                <a:cs typeface="Times New Roman" panose="02020603050405020304" pitchFamily="18" charset="0"/>
+              </a:rPr>
+              <a:t>2</a:t>
+            </a:r>
+            <a:r>
+              <a:rPr lang="en-US" sz="3200" i="1" dirty="0">
+                <a:latin typeface="Times New Roman" panose="02020603050405020304" pitchFamily="18" charset="0"/>
+                <a:cs typeface="Times New Roman" panose="02020603050405020304" pitchFamily="18" charset="0"/>
+              </a:rPr>
+              <a:t>)</a:t>
+            </a:r>
+          </a:p>
+        </p:txBody>
+      </p:sp>
+      <p:sp>
+        <p:nvSpPr>
+          <p:cNvPr id="65" name="TextBox 64">
+            <a:extLst>
+              <a:ext uri="{FF2B5EF4-FFF2-40B4-BE49-F238E27FC236}">
+                <a16:creationId xmlns:a16="http://schemas.microsoft.com/office/drawing/2014/main" id="{78560257-7408-C243-ADC1-4A7B43E29866}"/>
+              </a:ext>
+            </a:extLst>
+          </p:cNvPr>
+          <p:cNvSpPr txBox="1"/>
+          <p:nvPr/>
+        </p:nvSpPr>
+        <p:spPr>
+          <a:xfrm>
+            <a:off x="11041590" y="3256880"/>
+            <a:ext cx="1236032" cy="584775"/>
+          </a:xfrm>
+          <a:prstGeom prst="rect">
+            <a:avLst/>
+          </a:prstGeom>
+          <a:noFill/>
+        </p:spPr>
+        <p:txBody>
+          <a:bodyPr wrap="square" rtlCol="0">
+            <a:spAutoFit/>
+          </a:bodyPr>
+          <a:lstStyle/>
+          <a:p>
+            <a:r>
+              <a:rPr lang="en-US" sz="3200" i="1" dirty="0">
+                <a:latin typeface="Times New Roman" panose="02020603050405020304" pitchFamily="18" charset="0"/>
+                <a:cs typeface="Times New Roman" panose="02020603050405020304" pitchFamily="18" charset="0"/>
+              </a:rPr>
+              <a:t>x</a:t>
+            </a:r>
+            <a:r>
+              <a:rPr lang="en-US" sz="3200" i="1" baseline="-25000" dirty="0">
+                <a:latin typeface="Times New Roman" panose="02020603050405020304" pitchFamily="18" charset="0"/>
+                <a:cs typeface="Times New Roman" panose="02020603050405020304" pitchFamily="18" charset="0"/>
+              </a:rPr>
+              <a:t>5</a:t>
+            </a:r>
+            <a:r>
+              <a:rPr lang="en-US" sz="3200" i="1" dirty="0">
+                <a:latin typeface="Times New Roman" panose="02020603050405020304" pitchFamily="18" charset="0"/>
+                <a:cs typeface="Times New Roman" panose="02020603050405020304" pitchFamily="18" charset="0"/>
+              </a:rPr>
+              <a:t>(t</a:t>
+            </a:r>
+            <a:r>
+              <a:rPr lang="en-US" sz="3200" i="1" baseline="-25000" dirty="0">
+                <a:latin typeface="Times New Roman" panose="02020603050405020304" pitchFamily="18" charset="0"/>
+                <a:cs typeface="Times New Roman" panose="02020603050405020304" pitchFamily="18" charset="0"/>
+              </a:rPr>
+              <a:t>2</a:t>
+            </a:r>
+            <a:r>
+              <a:rPr lang="en-US" sz="3200" i="1" dirty="0">
+                <a:latin typeface="Times New Roman" panose="02020603050405020304" pitchFamily="18" charset="0"/>
+                <a:cs typeface="Times New Roman" panose="02020603050405020304" pitchFamily="18" charset="0"/>
+              </a:rPr>
+              <a:t>)</a:t>
             </a:r>
           </a:p>
         </p:txBody>
@@ -51299,72 +52496,12 @@
           <a:chExt cx="0" cy="0"/>
         </a:xfrm>
       </p:grpSpPr>
-      <p:pic>
-        <p:nvPicPr>
-          <p:cNvPr id="5" name="Picture 4" descr="A picture containing sitting, computer, shirt, underwear&#10;&#10;Description automatically generated">
-            <a:extLst>
-              <a:ext uri="{FF2B5EF4-FFF2-40B4-BE49-F238E27FC236}">
-                <a16:creationId xmlns:a16="http://schemas.microsoft.com/office/drawing/2014/main" id="{DB638FEC-0F0F-E74D-B782-317B7CB9E1F3}"/>
-              </a:ext>
-            </a:extLst>
-          </p:cNvPr>
-          <p:cNvPicPr>
-            <a:picLocks noChangeAspect="1"/>
-          </p:cNvPicPr>
-          <p:nvPr/>
-        </p:nvPicPr>
-        <p:blipFill>
-          <a:blip r:embed="rId2"/>
-          <a:stretch>
-            <a:fillRect/>
-          </a:stretch>
-        </p:blipFill>
-        <p:spPr>
-          <a:xfrm>
-            <a:off x="6654223" y="1284524"/>
-            <a:ext cx="5144077" cy="5001976"/>
-          </a:xfrm>
-          <a:prstGeom prst="rect">
-            <a:avLst/>
-          </a:prstGeom>
-        </p:spPr>
-      </p:pic>
-      <p:pic>
-        <p:nvPicPr>
-          <p:cNvPr id="7" name="Picture 6" descr="A picture containing shirt, underwear&#10;&#10;Description automatically generated">
-            <a:extLst>
-              <a:ext uri="{FF2B5EF4-FFF2-40B4-BE49-F238E27FC236}">
-                <a16:creationId xmlns:a16="http://schemas.microsoft.com/office/drawing/2014/main" id="{11DFDFAF-957A-C844-A8A6-C1F6713FBB4E}"/>
-              </a:ext>
-            </a:extLst>
-          </p:cNvPr>
-          <p:cNvPicPr>
-            <a:picLocks noChangeAspect="1"/>
-          </p:cNvPicPr>
-          <p:nvPr/>
-        </p:nvPicPr>
-        <p:blipFill>
-          <a:blip r:embed="rId3"/>
-          <a:stretch>
-            <a:fillRect/>
-          </a:stretch>
-        </p:blipFill>
-        <p:spPr>
-          <a:xfrm>
-            <a:off x="0" y="1227684"/>
-            <a:ext cx="6318784" cy="5058816"/>
-          </a:xfrm>
-          <a:prstGeom prst="rect">
-            <a:avLst/>
-          </a:prstGeom>
-        </p:spPr>
-      </p:pic>
-      <p:sp>
-        <p:nvSpPr>
-          <p:cNvPr id="8" name="Rectangle 7">
-            <a:extLst>
-              <a:ext uri="{FF2B5EF4-FFF2-40B4-BE49-F238E27FC236}">
-                <a16:creationId xmlns:a16="http://schemas.microsoft.com/office/drawing/2014/main" id="{EB361D05-5012-1943-8EFF-9BF39DE34245}"/>
+      <p:sp>
+        <p:nvSpPr>
+          <p:cNvPr id="6" name="Freeform 5">
+            <a:extLst>
+              <a:ext uri="{FF2B5EF4-FFF2-40B4-BE49-F238E27FC236}">
+                <a16:creationId xmlns:a16="http://schemas.microsoft.com/office/drawing/2014/main" id="{47BFB0B9-919C-2640-845B-2F4236B90A8B}"/>
               </a:ext>
             </a:extLst>
           </p:cNvPr>
@@ -51373,16 +52510,54 @@
         </p:nvSpPr>
         <p:spPr>
           <a:xfrm>
-            <a:off x="114300" y="1227684"/>
-            <a:ext cx="11582400" cy="5058816"/>
-          </a:xfrm>
-          <a:prstGeom prst="rect">
-            <a:avLst/>
-          </a:prstGeom>
+            <a:off x="6100628" y="1656971"/>
+            <a:ext cx="4813300" cy="670355"/>
+          </a:xfrm>
+          <a:custGeom>
+            <a:avLst/>
+            <a:gdLst>
+              <a:gd name="connsiteX0" fmla="*/ 0 w 4813300"/>
+              <a:gd name="connsiteY0" fmla="*/ 825500 h 825500"/>
+              <a:gd name="connsiteX1" fmla="*/ 1993900 w 4813300"/>
+              <a:gd name="connsiteY1" fmla="*/ 368300 h 825500"/>
+              <a:gd name="connsiteX2" fmla="*/ 4813300 w 4813300"/>
+              <a:gd name="connsiteY2" fmla="*/ 0 h 825500"/>
+            </a:gdLst>
+            <a:ahLst/>
+            <a:cxnLst>
+              <a:cxn ang="0">
+                <a:pos x="connsiteX0" y="connsiteY0"/>
+              </a:cxn>
+              <a:cxn ang="0">
+                <a:pos x="connsiteX1" y="connsiteY1"/>
+              </a:cxn>
+              <a:cxn ang="0">
+                <a:pos x="connsiteX2" y="connsiteY2"/>
+              </a:cxn>
+            </a:cxnLst>
+            <a:rect l="l" t="t" r="r" b="b"/>
+            <a:pathLst>
+              <a:path w="4813300" h="825500">
+                <a:moveTo>
+                  <a:pt x="0" y="825500"/>
+                </a:moveTo>
+                <a:cubicBezTo>
+                  <a:pt x="595841" y="665691"/>
+                  <a:pt x="1191683" y="505883"/>
+                  <a:pt x="1993900" y="368300"/>
+                </a:cubicBezTo>
+                <a:cubicBezTo>
+                  <a:pt x="2796117" y="230717"/>
+                  <a:pt x="3804708" y="115358"/>
+                  <a:pt x="4813300" y="0"/>
+                </a:cubicBezTo>
+              </a:path>
+            </a:pathLst>
+          </a:custGeom>
           <a:noFill/>
-          <a:ln>
-            <a:solidFill>
-              <a:schemeClr val="tx1"/>
+          <a:ln w="25400">
+            <a:solidFill>
+              <a:srgbClr val="C00000"/>
             </a:solidFill>
           </a:ln>
         </p:spPr>
@@ -51411,10 +52586,3185 @@
           </a:p>
         </p:txBody>
       </p:sp>
+      <p:cxnSp>
+        <p:nvCxnSpPr>
+          <p:cNvPr id="67" name="Straight Arrow Connector 66">
+            <a:extLst>
+              <a:ext uri="{FF2B5EF4-FFF2-40B4-BE49-F238E27FC236}">
+                <a16:creationId xmlns:a16="http://schemas.microsoft.com/office/drawing/2014/main" id="{C4F68EC2-12A7-BD4A-987B-708B291533C6}"/>
+              </a:ext>
+            </a:extLst>
+          </p:cNvPr>
+          <p:cNvCxnSpPr>
+            <a:cxnSpLocks/>
+          </p:cNvCxnSpPr>
+          <p:nvPr/>
+        </p:nvCxnSpPr>
+        <p:spPr>
+          <a:xfrm>
+            <a:off x="837451" y="4376298"/>
+            <a:ext cx="4794440" cy="0"/>
+          </a:xfrm>
+          <a:prstGeom prst="straightConnector1">
+            <a:avLst/>
+          </a:prstGeom>
+          <a:ln w="25400">
+            <a:solidFill>
+              <a:srgbClr val="00B0F0"/>
+            </a:solidFill>
+            <a:headEnd type="triangle" w="lg" len="lg"/>
+            <a:tailEnd type="triangle" w="lg" len="lg"/>
+          </a:ln>
+        </p:spPr>
+        <p:style>
+          <a:lnRef idx="1">
+            <a:schemeClr val="accent1"/>
+          </a:lnRef>
+          <a:fillRef idx="0">
+            <a:schemeClr val="accent1"/>
+          </a:fillRef>
+          <a:effectRef idx="0">
+            <a:schemeClr val="accent1"/>
+          </a:effectRef>
+          <a:fontRef idx="minor">
+            <a:schemeClr val="tx1"/>
+          </a:fontRef>
+        </p:style>
+      </p:cxnSp>
+      <p:cxnSp>
+        <p:nvCxnSpPr>
+          <p:cNvPr id="20" name="Straight Arrow Connector 19">
+            <a:extLst>
+              <a:ext uri="{FF2B5EF4-FFF2-40B4-BE49-F238E27FC236}">
+                <a16:creationId xmlns:a16="http://schemas.microsoft.com/office/drawing/2014/main" id="{AB73F608-712C-5A48-9087-AD5CA2B975A8}"/>
+              </a:ext>
+            </a:extLst>
+          </p:cNvPr>
+          <p:cNvCxnSpPr>
+            <a:cxnSpLocks/>
+          </p:cNvCxnSpPr>
+          <p:nvPr/>
+        </p:nvCxnSpPr>
+        <p:spPr>
+          <a:xfrm>
+            <a:off x="6110586" y="4365971"/>
+            <a:ext cx="4786982" cy="0"/>
+          </a:xfrm>
+          <a:prstGeom prst="straightConnector1">
+            <a:avLst/>
+          </a:prstGeom>
+          <a:ln w="25400">
+            <a:solidFill>
+              <a:srgbClr val="00B0F0"/>
+            </a:solidFill>
+            <a:headEnd type="triangle" w="lg" len="lg"/>
+            <a:tailEnd type="triangle" w="lg" len="lg"/>
+          </a:ln>
+        </p:spPr>
+        <p:style>
+          <a:lnRef idx="1">
+            <a:schemeClr val="accent1"/>
+          </a:lnRef>
+          <a:fillRef idx="0">
+            <a:schemeClr val="accent1"/>
+          </a:fillRef>
+          <a:effectRef idx="0">
+            <a:schemeClr val="accent1"/>
+          </a:effectRef>
+          <a:fontRef idx="minor">
+            <a:schemeClr val="tx1"/>
+          </a:fontRef>
+        </p:style>
+      </p:cxnSp>
+      <p:cxnSp>
+        <p:nvCxnSpPr>
+          <p:cNvPr id="15" name="Straight Connector 14">
+            <a:extLst>
+              <a:ext uri="{FF2B5EF4-FFF2-40B4-BE49-F238E27FC236}">
+                <a16:creationId xmlns:a16="http://schemas.microsoft.com/office/drawing/2014/main" id="{8BE514AF-65BA-7D43-883A-C8B08B2EA806}"/>
+              </a:ext>
+            </a:extLst>
+          </p:cNvPr>
+          <p:cNvCxnSpPr>
+            <a:cxnSpLocks/>
+            <a:stCxn id="49" idx="4"/>
+            <a:endCxn id="52" idx="0"/>
+          </p:cNvCxnSpPr>
+          <p:nvPr/>
+        </p:nvCxnSpPr>
+        <p:spPr>
+          <a:xfrm>
+            <a:off x="5769894" y="5318010"/>
+            <a:ext cx="2459" cy="404918"/>
+          </a:xfrm>
+          <a:prstGeom prst="line">
+            <a:avLst/>
+          </a:prstGeom>
+          <a:ln w="25400">
+            <a:solidFill>
+              <a:srgbClr val="C00000"/>
+            </a:solidFill>
+          </a:ln>
+        </p:spPr>
+        <p:style>
+          <a:lnRef idx="1">
+            <a:schemeClr val="accent1"/>
+          </a:lnRef>
+          <a:fillRef idx="0">
+            <a:schemeClr val="accent1"/>
+          </a:fillRef>
+          <a:effectRef idx="0">
+            <a:schemeClr val="accent1"/>
+          </a:effectRef>
+          <a:fontRef idx="minor">
+            <a:schemeClr val="tx1"/>
+          </a:fontRef>
+        </p:style>
+      </p:cxnSp>
+      <p:cxnSp>
+        <p:nvCxnSpPr>
+          <p:cNvPr id="32" name="Straight Connector 31">
+            <a:extLst>
+              <a:ext uri="{FF2B5EF4-FFF2-40B4-BE49-F238E27FC236}">
+                <a16:creationId xmlns:a16="http://schemas.microsoft.com/office/drawing/2014/main" id="{0CED7FA7-C467-A746-9E49-7B1272FF77B1}"/>
+              </a:ext>
+            </a:extLst>
+          </p:cNvPr>
+          <p:cNvCxnSpPr>
+            <a:cxnSpLocks/>
+          </p:cNvCxnSpPr>
+          <p:nvPr/>
+        </p:nvCxnSpPr>
+        <p:spPr>
+          <a:xfrm>
+            <a:off x="6085871" y="826633"/>
+            <a:ext cx="120" cy="3749040"/>
+          </a:xfrm>
+          <a:prstGeom prst="line">
+            <a:avLst/>
+          </a:prstGeom>
+          <a:ln w="25400">
+            <a:prstDash val="dash"/>
+          </a:ln>
+        </p:spPr>
+        <p:style>
+          <a:lnRef idx="1">
+            <a:schemeClr val="accent1"/>
+          </a:lnRef>
+          <a:fillRef idx="0">
+            <a:schemeClr val="accent1"/>
+          </a:fillRef>
+          <a:effectRef idx="0">
+            <a:schemeClr val="accent1"/>
+          </a:effectRef>
+          <a:fontRef idx="minor">
+            <a:schemeClr val="tx1"/>
+          </a:fontRef>
+        </p:style>
+      </p:cxnSp>
+      <p:cxnSp>
+        <p:nvCxnSpPr>
+          <p:cNvPr id="3" name="Straight Arrow Connector 2">
+            <a:extLst>
+              <a:ext uri="{FF2B5EF4-FFF2-40B4-BE49-F238E27FC236}">
+                <a16:creationId xmlns:a16="http://schemas.microsoft.com/office/drawing/2014/main" id="{AD969CCC-AC02-364F-9573-48E130C0F8B6}"/>
+              </a:ext>
+            </a:extLst>
+          </p:cNvPr>
+          <p:cNvCxnSpPr>
+            <a:cxnSpLocks/>
+          </p:cNvCxnSpPr>
+          <p:nvPr/>
+        </p:nvCxnSpPr>
+        <p:spPr>
+          <a:xfrm flipV="1">
+            <a:off x="834482" y="741145"/>
+            <a:ext cx="0" cy="3850595"/>
+          </a:xfrm>
+          <a:prstGeom prst="straightConnector1">
+            <a:avLst/>
+          </a:prstGeom>
+          <a:ln w="50800">
+            <a:solidFill>
+              <a:schemeClr val="tx1"/>
+            </a:solidFill>
+            <a:tailEnd type="triangle" w="lg" len="lg"/>
+          </a:ln>
+        </p:spPr>
+        <p:style>
+          <a:lnRef idx="1">
+            <a:schemeClr val="accent1"/>
+          </a:lnRef>
+          <a:fillRef idx="0">
+            <a:schemeClr val="accent1"/>
+          </a:fillRef>
+          <a:effectRef idx="0">
+            <a:schemeClr val="accent1"/>
+          </a:effectRef>
+          <a:fontRef idx="minor">
+            <a:schemeClr val="tx1"/>
+          </a:fontRef>
+        </p:style>
+      </p:cxnSp>
+      <p:cxnSp>
+        <p:nvCxnSpPr>
+          <p:cNvPr id="76" name="Straight Arrow Connector 75">
+            <a:extLst>
+              <a:ext uri="{FF2B5EF4-FFF2-40B4-BE49-F238E27FC236}">
+                <a16:creationId xmlns:a16="http://schemas.microsoft.com/office/drawing/2014/main" id="{5B465CC3-ADEE-9E4C-BC6D-E1986E21953F}"/>
+              </a:ext>
+            </a:extLst>
+          </p:cNvPr>
+          <p:cNvCxnSpPr>
+            <a:cxnSpLocks/>
+          </p:cNvCxnSpPr>
+          <p:nvPr/>
+        </p:nvCxnSpPr>
+        <p:spPr>
+          <a:xfrm>
+            <a:off x="809344" y="4591739"/>
+            <a:ext cx="11018984" cy="0"/>
+          </a:xfrm>
+          <a:prstGeom prst="straightConnector1">
+            <a:avLst/>
+          </a:prstGeom>
+          <a:ln w="50800">
+            <a:solidFill>
+              <a:schemeClr val="tx1"/>
+            </a:solidFill>
+            <a:tailEnd type="triangle" w="lg" len="lg"/>
+          </a:ln>
+        </p:spPr>
+        <p:style>
+          <a:lnRef idx="1">
+            <a:schemeClr val="accent1"/>
+          </a:lnRef>
+          <a:fillRef idx="0">
+            <a:schemeClr val="accent1"/>
+          </a:fillRef>
+          <a:effectRef idx="0">
+            <a:schemeClr val="accent1"/>
+          </a:effectRef>
+          <a:fontRef idx="minor">
+            <a:schemeClr val="tx1"/>
+          </a:fontRef>
+        </p:style>
+      </p:cxnSp>
+      <p:sp>
+        <p:nvSpPr>
+          <p:cNvPr id="26" name="TextBox 25">
+            <a:extLst>
+              <a:ext uri="{FF2B5EF4-FFF2-40B4-BE49-F238E27FC236}">
+                <a16:creationId xmlns:a16="http://schemas.microsoft.com/office/drawing/2014/main" id="{20BA0DFE-4C28-9D4F-B1B3-EC82C6497FB1}"/>
+              </a:ext>
+            </a:extLst>
+          </p:cNvPr>
+          <p:cNvSpPr txBox="1"/>
+          <p:nvPr/>
+        </p:nvSpPr>
+        <p:spPr>
+          <a:xfrm>
+            <a:off x="10603626" y="4535637"/>
+            <a:ext cx="1067921" cy="707886"/>
+          </a:xfrm>
+          <a:prstGeom prst="rect">
+            <a:avLst/>
+          </a:prstGeom>
+          <a:noFill/>
+        </p:spPr>
+        <p:txBody>
+          <a:bodyPr wrap="none" rtlCol="0">
+            <a:spAutoFit/>
+          </a:bodyPr>
+          <a:lstStyle/>
+          <a:p>
+            <a:r>
+              <a:rPr lang="en-US" sz="4000" i="1" dirty="0">
+                <a:latin typeface="Times New Roman" panose="02020603050405020304" pitchFamily="18" charset="0"/>
+                <a:cs typeface="Times New Roman" panose="02020603050405020304" pitchFamily="18" charset="0"/>
+              </a:rPr>
+              <a:t>time</a:t>
+            </a:r>
+          </a:p>
+        </p:txBody>
+      </p:sp>
+      <p:sp>
+        <p:nvSpPr>
+          <p:cNvPr id="84" name="TextBox 83">
+            <a:extLst>
+              <a:ext uri="{FF2B5EF4-FFF2-40B4-BE49-F238E27FC236}">
+                <a16:creationId xmlns:a16="http://schemas.microsoft.com/office/drawing/2014/main" id="{09FB2E0F-6599-B843-BBCF-AB8A3162E5B9}"/>
+              </a:ext>
+            </a:extLst>
+          </p:cNvPr>
+          <p:cNvSpPr txBox="1"/>
+          <p:nvPr/>
+        </p:nvSpPr>
+        <p:spPr>
+          <a:xfrm>
+            <a:off x="384360" y="777149"/>
+            <a:ext cx="412292" cy="707886"/>
+          </a:xfrm>
+          <a:prstGeom prst="rect">
+            <a:avLst/>
+          </a:prstGeom>
+          <a:noFill/>
+        </p:spPr>
+        <p:txBody>
+          <a:bodyPr wrap="none" rtlCol="0">
+            <a:spAutoFit/>
+          </a:bodyPr>
+          <a:lstStyle/>
+          <a:p>
+            <a:r>
+              <a:rPr lang="en-US" sz="4000" i="1" dirty="0">
+                <a:latin typeface="Times New Roman" panose="02020603050405020304" pitchFamily="18" charset="0"/>
+                <a:cs typeface="Times New Roman" panose="02020603050405020304" pitchFamily="18" charset="0"/>
+              </a:rPr>
+              <a:t>x</a:t>
+            </a:r>
+          </a:p>
+        </p:txBody>
+      </p:sp>
+      <p:cxnSp>
+        <p:nvCxnSpPr>
+          <p:cNvPr id="29" name="Straight Connector 28">
+            <a:extLst>
+              <a:ext uri="{FF2B5EF4-FFF2-40B4-BE49-F238E27FC236}">
+                <a16:creationId xmlns:a16="http://schemas.microsoft.com/office/drawing/2014/main" id="{E8679CCD-CC7B-CC41-B61B-EDD07FC16A66}"/>
+              </a:ext>
+            </a:extLst>
+          </p:cNvPr>
+          <p:cNvCxnSpPr>
+            <a:cxnSpLocks/>
+          </p:cNvCxnSpPr>
+          <p:nvPr/>
+        </p:nvCxnSpPr>
+        <p:spPr>
+          <a:xfrm flipH="1">
+            <a:off x="5632009" y="826633"/>
+            <a:ext cx="3740" cy="3749040"/>
+          </a:xfrm>
+          <a:prstGeom prst="line">
+            <a:avLst/>
+          </a:prstGeom>
+          <a:ln w="25400">
+            <a:prstDash val="dash"/>
+          </a:ln>
+        </p:spPr>
+        <p:style>
+          <a:lnRef idx="1">
+            <a:schemeClr val="accent1"/>
+          </a:lnRef>
+          <a:fillRef idx="0">
+            <a:schemeClr val="accent1"/>
+          </a:fillRef>
+          <a:effectRef idx="0">
+            <a:schemeClr val="accent1"/>
+          </a:effectRef>
+          <a:fontRef idx="minor">
+            <a:schemeClr val="tx1"/>
+          </a:fontRef>
+        </p:style>
+      </p:cxnSp>
+      <p:cxnSp>
+        <p:nvCxnSpPr>
+          <p:cNvPr id="85" name="Straight Connector 84">
+            <a:extLst>
+              <a:ext uri="{FF2B5EF4-FFF2-40B4-BE49-F238E27FC236}">
+                <a16:creationId xmlns:a16="http://schemas.microsoft.com/office/drawing/2014/main" id="{1FC6E0A0-F1BD-5D42-ADE5-FC9A305B7FC1}"/>
+              </a:ext>
+            </a:extLst>
+          </p:cNvPr>
+          <p:cNvCxnSpPr>
+            <a:cxnSpLocks/>
+          </p:cNvCxnSpPr>
+          <p:nvPr/>
+        </p:nvCxnSpPr>
+        <p:spPr>
+          <a:xfrm flipH="1">
+            <a:off x="10905030" y="830571"/>
+            <a:ext cx="0" cy="3749040"/>
+          </a:xfrm>
+          <a:prstGeom prst="line">
+            <a:avLst/>
+          </a:prstGeom>
+          <a:ln w="25400">
+            <a:prstDash val="dash"/>
+          </a:ln>
+        </p:spPr>
+        <p:style>
+          <a:lnRef idx="1">
+            <a:schemeClr val="accent1"/>
+          </a:lnRef>
+          <a:fillRef idx="0">
+            <a:schemeClr val="accent1"/>
+          </a:fillRef>
+          <a:effectRef idx="0">
+            <a:schemeClr val="accent1"/>
+          </a:effectRef>
+          <a:fontRef idx="minor">
+            <a:schemeClr val="tx1"/>
+          </a:fontRef>
+        </p:style>
+      </p:cxnSp>
+      <p:sp>
+        <p:nvSpPr>
+          <p:cNvPr id="40" name="Oval 39">
+            <a:extLst>
+              <a:ext uri="{FF2B5EF4-FFF2-40B4-BE49-F238E27FC236}">
+                <a16:creationId xmlns:a16="http://schemas.microsoft.com/office/drawing/2014/main" id="{DCF002DD-21C0-C74C-AEB2-33C6A7101CFC}"/>
+              </a:ext>
+            </a:extLst>
+          </p:cNvPr>
+          <p:cNvSpPr/>
+          <p:nvPr/>
+        </p:nvSpPr>
+        <p:spPr>
+          <a:xfrm>
+            <a:off x="697322" y="3761673"/>
+            <a:ext cx="274320" cy="274320"/>
+          </a:xfrm>
+          <a:prstGeom prst="ellipse">
+            <a:avLst/>
+          </a:prstGeom>
+          <a:solidFill>
+            <a:schemeClr val="tx1"/>
+          </a:solidFill>
+          <a:ln>
+            <a:solidFill>
+              <a:schemeClr val="tx1"/>
+            </a:solidFill>
+          </a:ln>
+        </p:spPr>
+        <p:style>
+          <a:lnRef idx="2">
+            <a:schemeClr val="accent1">
+              <a:shade val="50000"/>
+            </a:schemeClr>
+          </a:lnRef>
+          <a:fillRef idx="1">
+            <a:schemeClr val="accent1"/>
+          </a:fillRef>
+          <a:effectRef idx="0">
+            <a:schemeClr val="accent1"/>
+          </a:effectRef>
+          <a:fontRef idx="minor">
+            <a:schemeClr val="lt1"/>
+          </a:fontRef>
+        </p:style>
+        <p:txBody>
+          <a:bodyPr rtlCol="0" anchor="ctr"/>
+          <a:lstStyle/>
+          <a:p>
+            <a:pPr algn="ctr"/>
+            <a:endParaRPr lang="en-US"/>
+          </a:p>
+        </p:txBody>
+      </p:sp>
+      <p:sp>
+        <p:nvSpPr>
+          <p:cNvPr id="94" name="Oval 93">
+            <a:extLst>
+              <a:ext uri="{FF2B5EF4-FFF2-40B4-BE49-F238E27FC236}">
+                <a16:creationId xmlns:a16="http://schemas.microsoft.com/office/drawing/2014/main" id="{A8D5A449-5E23-594A-957F-6DE741CA87C8}"/>
+              </a:ext>
+            </a:extLst>
+          </p:cNvPr>
+          <p:cNvSpPr/>
+          <p:nvPr/>
+        </p:nvSpPr>
+        <p:spPr>
+          <a:xfrm>
+            <a:off x="697204" y="2714126"/>
+            <a:ext cx="274320" cy="274320"/>
+          </a:xfrm>
+          <a:prstGeom prst="ellipse">
+            <a:avLst/>
+          </a:prstGeom>
+          <a:solidFill>
+            <a:schemeClr val="tx1"/>
+          </a:solidFill>
+          <a:ln>
+            <a:solidFill>
+              <a:schemeClr val="tx1"/>
+            </a:solidFill>
+          </a:ln>
+        </p:spPr>
+        <p:style>
+          <a:lnRef idx="2">
+            <a:schemeClr val="accent1">
+              <a:shade val="50000"/>
+            </a:schemeClr>
+          </a:lnRef>
+          <a:fillRef idx="1">
+            <a:schemeClr val="accent1"/>
+          </a:fillRef>
+          <a:effectRef idx="0">
+            <a:schemeClr val="accent1"/>
+          </a:effectRef>
+          <a:fontRef idx="minor">
+            <a:schemeClr val="lt1"/>
+          </a:fontRef>
+        </p:style>
+        <p:txBody>
+          <a:bodyPr rtlCol="0" anchor="ctr"/>
+          <a:lstStyle/>
+          <a:p>
+            <a:pPr algn="ctr"/>
+            <a:endParaRPr lang="en-US"/>
+          </a:p>
+        </p:txBody>
+      </p:sp>
+      <p:sp>
+        <p:nvSpPr>
+          <p:cNvPr id="100" name="Oval 99">
+            <a:extLst>
+              <a:ext uri="{FF2B5EF4-FFF2-40B4-BE49-F238E27FC236}">
+                <a16:creationId xmlns:a16="http://schemas.microsoft.com/office/drawing/2014/main" id="{84D5DB6B-357A-AE49-860D-8C58022E612D}"/>
+              </a:ext>
+            </a:extLst>
+          </p:cNvPr>
+          <p:cNvSpPr/>
+          <p:nvPr/>
+        </p:nvSpPr>
+        <p:spPr>
+          <a:xfrm>
+            <a:off x="697204" y="1656972"/>
+            <a:ext cx="274320" cy="274320"/>
+          </a:xfrm>
+          <a:prstGeom prst="ellipse">
+            <a:avLst/>
+          </a:prstGeom>
+          <a:solidFill>
+            <a:schemeClr val="tx1"/>
+          </a:solidFill>
+          <a:ln>
+            <a:solidFill>
+              <a:schemeClr val="tx1"/>
+            </a:solidFill>
+          </a:ln>
+        </p:spPr>
+        <p:style>
+          <a:lnRef idx="2">
+            <a:schemeClr val="accent1">
+              <a:shade val="50000"/>
+            </a:schemeClr>
+          </a:lnRef>
+          <a:fillRef idx="1">
+            <a:schemeClr val="accent1"/>
+          </a:fillRef>
+          <a:effectRef idx="0">
+            <a:schemeClr val="accent1"/>
+          </a:effectRef>
+          <a:fontRef idx="minor">
+            <a:schemeClr val="lt1"/>
+          </a:fontRef>
+        </p:style>
+        <p:txBody>
+          <a:bodyPr rtlCol="0" anchor="ctr"/>
+          <a:lstStyle/>
+          <a:p>
+            <a:pPr algn="ctr"/>
+            <a:endParaRPr lang="en-US"/>
+          </a:p>
+        </p:txBody>
+      </p:sp>
+      <p:sp>
+        <p:nvSpPr>
+          <p:cNvPr id="108" name="Oval 107">
+            <a:extLst>
+              <a:ext uri="{FF2B5EF4-FFF2-40B4-BE49-F238E27FC236}">
+                <a16:creationId xmlns:a16="http://schemas.microsoft.com/office/drawing/2014/main" id="{EE50A70E-8453-1F47-988A-71F7B4E92766}"/>
+              </a:ext>
+            </a:extLst>
+          </p:cNvPr>
+          <p:cNvSpPr/>
+          <p:nvPr/>
+        </p:nvSpPr>
+        <p:spPr>
+          <a:xfrm>
+            <a:off x="5973426" y="3761673"/>
+            <a:ext cx="274320" cy="274320"/>
+          </a:xfrm>
+          <a:prstGeom prst="ellipse">
+            <a:avLst/>
+          </a:prstGeom>
+          <a:solidFill>
+            <a:schemeClr val="tx1"/>
+          </a:solidFill>
+          <a:ln>
+            <a:solidFill>
+              <a:schemeClr val="tx1"/>
+            </a:solidFill>
+          </a:ln>
+        </p:spPr>
+        <p:style>
+          <a:lnRef idx="2">
+            <a:schemeClr val="accent1">
+              <a:shade val="50000"/>
+            </a:schemeClr>
+          </a:lnRef>
+          <a:fillRef idx="1">
+            <a:schemeClr val="accent1"/>
+          </a:fillRef>
+          <a:effectRef idx="0">
+            <a:schemeClr val="accent1"/>
+          </a:effectRef>
+          <a:fontRef idx="minor">
+            <a:schemeClr val="lt1"/>
+          </a:fontRef>
+        </p:style>
+        <p:txBody>
+          <a:bodyPr rtlCol="0" anchor="ctr"/>
+          <a:lstStyle/>
+          <a:p>
+            <a:pPr algn="ctr"/>
+            <a:endParaRPr lang="en-US"/>
+          </a:p>
+        </p:txBody>
+      </p:sp>
+      <p:sp>
+        <p:nvSpPr>
+          <p:cNvPr id="109" name="Oval 108">
+            <a:extLst>
+              <a:ext uri="{FF2B5EF4-FFF2-40B4-BE49-F238E27FC236}">
+                <a16:creationId xmlns:a16="http://schemas.microsoft.com/office/drawing/2014/main" id="{7C6DA02E-996D-9843-96B3-8ED558AE5448}"/>
+              </a:ext>
+            </a:extLst>
+          </p:cNvPr>
+          <p:cNvSpPr/>
+          <p:nvPr/>
+        </p:nvSpPr>
+        <p:spPr>
+          <a:xfrm>
+            <a:off x="5973426" y="2714126"/>
+            <a:ext cx="274320" cy="274320"/>
+          </a:xfrm>
+          <a:prstGeom prst="ellipse">
+            <a:avLst/>
+          </a:prstGeom>
+          <a:solidFill>
+            <a:schemeClr val="tx1"/>
+          </a:solidFill>
+          <a:ln>
+            <a:solidFill>
+              <a:schemeClr val="tx1"/>
+            </a:solidFill>
+          </a:ln>
+        </p:spPr>
+        <p:style>
+          <a:lnRef idx="2">
+            <a:schemeClr val="accent1">
+              <a:shade val="50000"/>
+            </a:schemeClr>
+          </a:lnRef>
+          <a:fillRef idx="1">
+            <a:schemeClr val="accent1"/>
+          </a:fillRef>
+          <a:effectRef idx="0">
+            <a:schemeClr val="accent1"/>
+          </a:effectRef>
+          <a:fontRef idx="minor">
+            <a:schemeClr val="lt1"/>
+          </a:fontRef>
+        </p:style>
+        <p:txBody>
+          <a:bodyPr rtlCol="0" anchor="ctr"/>
+          <a:lstStyle/>
+          <a:p>
+            <a:pPr algn="ctr"/>
+            <a:endParaRPr lang="en-US"/>
+          </a:p>
+        </p:txBody>
+      </p:sp>
+      <p:sp>
+        <p:nvSpPr>
+          <p:cNvPr id="110" name="Oval 109">
+            <a:extLst>
+              <a:ext uri="{FF2B5EF4-FFF2-40B4-BE49-F238E27FC236}">
+                <a16:creationId xmlns:a16="http://schemas.microsoft.com/office/drawing/2014/main" id="{86995BDC-EC8A-DD43-B261-36A320672993}"/>
+              </a:ext>
+            </a:extLst>
+          </p:cNvPr>
+          <p:cNvSpPr/>
+          <p:nvPr/>
+        </p:nvSpPr>
+        <p:spPr>
+          <a:xfrm>
+            <a:off x="5958964" y="1656972"/>
+            <a:ext cx="274320" cy="274320"/>
+          </a:xfrm>
+          <a:prstGeom prst="ellipse">
+            <a:avLst/>
+          </a:prstGeom>
+          <a:solidFill>
+            <a:schemeClr val="tx1"/>
+          </a:solidFill>
+          <a:ln>
+            <a:solidFill>
+              <a:schemeClr val="tx1"/>
+            </a:solidFill>
+          </a:ln>
+        </p:spPr>
+        <p:style>
+          <a:lnRef idx="2">
+            <a:schemeClr val="accent1">
+              <a:shade val="50000"/>
+            </a:schemeClr>
+          </a:lnRef>
+          <a:fillRef idx="1">
+            <a:schemeClr val="accent1"/>
+          </a:fillRef>
+          <a:effectRef idx="0">
+            <a:schemeClr val="accent1"/>
+          </a:effectRef>
+          <a:fontRef idx="minor">
+            <a:schemeClr val="lt1"/>
+          </a:fontRef>
+        </p:style>
+        <p:txBody>
+          <a:bodyPr rtlCol="0" anchor="ctr"/>
+          <a:lstStyle/>
+          <a:p>
+            <a:pPr algn="ctr"/>
+            <a:endParaRPr lang="en-US"/>
+          </a:p>
+        </p:txBody>
+      </p:sp>
+      <p:sp>
+        <p:nvSpPr>
+          <p:cNvPr id="124" name="Freeform 123">
+            <a:extLst>
+              <a:ext uri="{FF2B5EF4-FFF2-40B4-BE49-F238E27FC236}">
+                <a16:creationId xmlns:a16="http://schemas.microsoft.com/office/drawing/2014/main" id="{46D88F8F-1A4E-FB42-BB1A-03F6EDCC8B36}"/>
+              </a:ext>
+            </a:extLst>
+          </p:cNvPr>
+          <p:cNvSpPr/>
+          <p:nvPr/>
+        </p:nvSpPr>
+        <p:spPr>
+          <a:xfrm>
+            <a:off x="834482" y="1274417"/>
+            <a:ext cx="4807536" cy="519953"/>
+          </a:xfrm>
+          <a:custGeom>
+            <a:avLst/>
+            <a:gdLst>
+              <a:gd name="connsiteX0" fmla="*/ 0 w 5486400"/>
+              <a:gd name="connsiteY0" fmla="*/ 519953 h 519953"/>
+              <a:gd name="connsiteX1" fmla="*/ 3657600 w 5486400"/>
+              <a:gd name="connsiteY1" fmla="*/ 340659 h 519953"/>
+              <a:gd name="connsiteX2" fmla="*/ 5486400 w 5486400"/>
+              <a:gd name="connsiteY2" fmla="*/ 0 h 519953"/>
+            </a:gdLst>
+            <a:ahLst/>
+            <a:cxnLst>
+              <a:cxn ang="0">
+                <a:pos x="connsiteX0" y="connsiteY0"/>
+              </a:cxn>
+              <a:cxn ang="0">
+                <a:pos x="connsiteX1" y="connsiteY1"/>
+              </a:cxn>
+              <a:cxn ang="0">
+                <a:pos x="connsiteX2" y="connsiteY2"/>
+              </a:cxn>
+            </a:cxnLst>
+            <a:rect l="l" t="t" r="r" b="b"/>
+            <a:pathLst>
+              <a:path w="5486400" h="519953">
+                <a:moveTo>
+                  <a:pt x="0" y="519953"/>
+                </a:moveTo>
+                <a:cubicBezTo>
+                  <a:pt x="1371600" y="473635"/>
+                  <a:pt x="2743200" y="427318"/>
+                  <a:pt x="3657600" y="340659"/>
+                </a:cubicBezTo>
+                <a:cubicBezTo>
+                  <a:pt x="4572000" y="254000"/>
+                  <a:pt x="5029200" y="127000"/>
+                  <a:pt x="5486400" y="0"/>
+                </a:cubicBezTo>
+              </a:path>
+            </a:pathLst>
+          </a:custGeom>
+          <a:noFill/>
+          <a:ln w="25400">
+            <a:solidFill>
+              <a:schemeClr val="tx1"/>
+            </a:solidFill>
+          </a:ln>
+        </p:spPr>
+        <p:style>
+          <a:lnRef idx="2">
+            <a:schemeClr val="accent1">
+              <a:shade val="50000"/>
+            </a:schemeClr>
+          </a:lnRef>
+          <a:fillRef idx="1">
+            <a:schemeClr val="accent1"/>
+          </a:fillRef>
+          <a:effectRef idx="0">
+            <a:schemeClr val="accent1"/>
+          </a:effectRef>
+          <a:fontRef idx="minor">
+            <a:schemeClr val="lt1"/>
+          </a:fontRef>
+        </p:style>
+        <p:txBody>
+          <a:bodyPr rtlCol="0" anchor="ctr"/>
+          <a:lstStyle/>
+          <a:p>
+            <a:pPr algn="ctr"/>
+            <a:endParaRPr lang="en-US"/>
+          </a:p>
+        </p:txBody>
+      </p:sp>
+      <p:sp>
+        <p:nvSpPr>
+          <p:cNvPr id="125" name="Freeform 124">
+            <a:extLst>
+              <a:ext uri="{FF2B5EF4-FFF2-40B4-BE49-F238E27FC236}">
+                <a16:creationId xmlns:a16="http://schemas.microsoft.com/office/drawing/2014/main" id="{A2D8B917-58CE-9F44-81C4-9ADCDF27B39C}"/>
+              </a:ext>
+            </a:extLst>
+          </p:cNvPr>
+          <p:cNvSpPr/>
+          <p:nvPr/>
+        </p:nvSpPr>
+        <p:spPr>
+          <a:xfrm>
+            <a:off x="815655" y="1893448"/>
+            <a:ext cx="4816236" cy="972300"/>
+          </a:xfrm>
+          <a:custGeom>
+            <a:avLst/>
+            <a:gdLst>
+              <a:gd name="connsiteX0" fmla="*/ 0 w 5504329"/>
+              <a:gd name="connsiteY0" fmla="*/ 968188 h 972300"/>
+              <a:gd name="connsiteX1" fmla="*/ 3173506 w 5504329"/>
+              <a:gd name="connsiteY1" fmla="*/ 824752 h 972300"/>
+              <a:gd name="connsiteX2" fmla="*/ 5504329 w 5504329"/>
+              <a:gd name="connsiteY2" fmla="*/ 0 h 972300"/>
+            </a:gdLst>
+            <a:ahLst/>
+            <a:cxnLst>
+              <a:cxn ang="0">
+                <a:pos x="connsiteX0" y="connsiteY0"/>
+              </a:cxn>
+              <a:cxn ang="0">
+                <a:pos x="connsiteX1" y="connsiteY1"/>
+              </a:cxn>
+              <a:cxn ang="0">
+                <a:pos x="connsiteX2" y="connsiteY2"/>
+              </a:cxn>
+            </a:cxnLst>
+            <a:rect l="l" t="t" r="r" b="b"/>
+            <a:pathLst>
+              <a:path w="5504329" h="972300">
+                <a:moveTo>
+                  <a:pt x="0" y="968188"/>
+                </a:moveTo>
+                <a:cubicBezTo>
+                  <a:pt x="1128059" y="977152"/>
+                  <a:pt x="2256118" y="986117"/>
+                  <a:pt x="3173506" y="824752"/>
+                </a:cubicBezTo>
+                <a:cubicBezTo>
+                  <a:pt x="4090894" y="663387"/>
+                  <a:pt x="4797611" y="331693"/>
+                  <a:pt x="5504329" y="0"/>
+                </a:cubicBezTo>
+              </a:path>
+            </a:pathLst>
+          </a:custGeom>
+          <a:noFill/>
+          <a:ln w="25400">
+            <a:solidFill>
+              <a:schemeClr val="tx1"/>
+            </a:solidFill>
+          </a:ln>
+        </p:spPr>
+        <p:style>
+          <a:lnRef idx="2">
+            <a:schemeClr val="accent1">
+              <a:shade val="50000"/>
+            </a:schemeClr>
+          </a:lnRef>
+          <a:fillRef idx="1">
+            <a:schemeClr val="accent1"/>
+          </a:fillRef>
+          <a:effectRef idx="0">
+            <a:schemeClr val="accent1"/>
+          </a:effectRef>
+          <a:fontRef idx="minor">
+            <a:schemeClr val="lt1"/>
+          </a:fontRef>
+        </p:style>
+        <p:txBody>
+          <a:bodyPr rtlCol="0" anchor="ctr"/>
+          <a:lstStyle/>
+          <a:p>
+            <a:pPr algn="ctr"/>
+            <a:endParaRPr lang="en-US"/>
+          </a:p>
+        </p:txBody>
+      </p:sp>
+      <p:sp>
+        <p:nvSpPr>
+          <p:cNvPr id="126" name="Freeform 125">
+            <a:extLst>
+              <a:ext uri="{FF2B5EF4-FFF2-40B4-BE49-F238E27FC236}">
+                <a16:creationId xmlns:a16="http://schemas.microsoft.com/office/drawing/2014/main" id="{50916F8B-2717-7E4E-B991-BDCA8C34F0D1}"/>
+              </a:ext>
+            </a:extLst>
+          </p:cNvPr>
+          <p:cNvSpPr/>
+          <p:nvPr/>
+        </p:nvSpPr>
+        <p:spPr>
+          <a:xfrm>
+            <a:off x="843296" y="3003690"/>
+            <a:ext cx="4798724" cy="879743"/>
+          </a:xfrm>
+          <a:custGeom>
+            <a:avLst/>
+            <a:gdLst>
+              <a:gd name="connsiteX0" fmla="*/ 0 w 5468471"/>
+              <a:gd name="connsiteY0" fmla="*/ 968188 h 968188"/>
+              <a:gd name="connsiteX1" fmla="*/ 2617694 w 5468471"/>
+              <a:gd name="connsiteY1" fmla="*/ 735106 h 968188"/>
+              <a:gd name="connsiteX2" fmla="*/ 5468471 w 5468471"/>
+              <a:gd name="connsiteY2" fmla="*/ 0 h 968188"/>
+            </a:gdLst>
+            <a:ahLst/>
+            <a:cxnLst>
+              <a:cxn ang="0">
+                <a:pos x="connsiteX0" y="connsiteY0"/>
+              </a:cxn>
+              <a:cxn ang="0">
+                <a:pos x="connsiteX1" y="connsiteY1"/>
+              </a:cxn>
+              <a:cxn ang="0">
+                <a:pos x="connsiteX2" y="connsiteY2"/>
+              </a:cxn>
+            </a:cxnLst>
+            <a:rect l="l" t="t" r="r" b="b"/>
+            <a:pathLst>
+              <a:path w="5468471" h="968188">
+                <a:moveTo>
+                  <a:pt x="0" y="968188"/>
+                </a:moveTo>
+                <a:cubicBezTo>
+                  <a:pt x="853141" y="932329"/>
+                  <a:pt x="1706282" y="896471"/>
+                  <a:pt x="2617694" y="735106"/>
+                </a:cubicBezTo>
+                <a:cubicBezTo>
+                  <a:pt x="3529106" y="573741"/>
+                  <a:pt x="4498788" y="286870"/>
+                  <a:pt x="5468471" y="0"/>
+                </a:cubicBezTo>
+              </a:path>
+            </a:pathLst>
+          </a:custGeom>
+          <a:noFill/>
+          <a:ln w="25400">
+            <a:solidFill>
+              <a:schemeClr val="tx1"/>
+            </a:solidFill>
+          </a:ln>
+        </p:spPr>
+        <p:style>
+          <a:lnRef idx="2">
+            <a:schemeClr val="accent1">
+              <a:shade val="50000"/>
+            </a:schemeClr>
+          </a:lnRef>
+          <a:fillRef idx="1">
+            <a:schemeClr val="accent1"/>
+          </a:fillRef>
+          <a:effectRef idx="0">
+            <a:schemeClr val="accent1"/>
+          </a:effectRef>
+          <a:fontRef idx="minor">
+            <a:schemeClr val="lt1"/>
+          </a:fontRef>
+        </p:style>
+        <p:txBody>
+          <a:bodyPr rtlCol="0" anchor="ctr"/>
+          <a:lstStyle/>
+          <a:p>
+            <a:pPr algn="ctr"/>
+            <a:endParaRPr lang="en-US"/>
+          </a:p>
+        </p:txBody>
+      </p:sp>
+      <p:sp>
+        <p:nvSpPr>
+          <p:cNvPr id="127" name="Freeform 126">
+            <a:extLst>
+              <a:ext uri="{FF2B5EF4-FFF2-40B4-BE49-F238E27FC236}">
+                <a16:creationId xmlns:a16="http://schemas.microsoft.com/office/drawing/2014/main" id="{010EE951-D465-0A41-BE9E-9EE49D574A09}"/>
+              </a:ext>
+            </a:extLst>
+          </p:cNvPr>
+          <p:cNvSpPr/>
+          <p:nvPr/>
+        </p:nvSpPr>
+        <p:spPr>
+          <a:xfrm>
+            <a:off x="6096000" y="1270898"/>
+            <a:ext cx="4810225" cy="505543"/>
+          </a:xfrm>
+          <a:custGeom>
+            <a:avLst/>
+            <a:gdLst>
+              <a:gd name="connsiteX0" fmla="*/ 0 w 4930588"/>
+              <a:gd name="connsiteY0" fmla="*/ 505543 h 505543"/>
+              <a:gd name="connsiteX1" fmla="*/ 2456329 w 4930588"/>
+              <a:gd name="connsiteY1" fmla="*/ 39378 h 505543"/>
+              <a:gd name="connsiteX2" fmla="*/ 4930588 w 4930588"/>
+              <a:gd name="connsiteY2" fmla="*/ 57308 h 505543"/>
+            </a:gdLst>
+            <a:ahLst/>
+            <a:cxnLst>
+              <a:cxn ang="0">
+                <a:pos x="connsiteX0" y="connsiteY0"/>
+              </a:cxn>
+              <a:cxn ang="0">
+                <a:pos x="connsiteX1" y="connsiteY1"/>
+              </a:cxn>
+              <a:cxn ang="0">
+                <a:pos x="connsiteX2" y="connsiteY2"/>
+              </a:cxn>
+            </a:cxnLst>
+            <a:rect l="l" t="t" r="r" b="b"/>
+            <a:pathLst>
+              <a:path w="4930588" h="505543">
+                <a:moveTo>
+                  <a:pt x="0" y="505543"/>
+                </a:moveTo>
+                <a:cubicBezTo>
+                  <a:pt x="817282" y="309813"/>
+                  <a:pt x="1634564" y="114084"/>
+                  <a:pt x="2456329" y="39378"/>
+                </a:cubicBezTo>
+                <a:cubicBezTo>
+                  <a:pt x="3278094" y="-35328"/>
+                  <a:pt x="4104341" y="10990"/>
+                  <a:pt x="4930588" y="57308"/>
+                </a:cubicBezTo>
+              </a:path>
+            </a:pathLst>
+          </a:custGeom>
+          <a:noFill/>
+          <a:ln w="25400">
+            <a:solidFill>
+              <a:schemeClr val="tx1"/>
+            </a:solidFill>
+          </a:ln>
+        </p:spPr>
+        <p:style>
+          <a:lnRef idx="2">
+            <a:schemeClr val="accent1">
+              <a:shade val="50000"/>
+            </a:schemeClr>
+          </a:lnRef>
+          <a:fillRef idx="1">
+            <a:schemeClr val="accent1"/>
+          </a:fillRef>
+          <a:effectRef idx="0">
+            <a:schemeClr val="accent1"/>
+          </a:effectRef>
+          <a:fontRef idx="minor">
+            <a:schemeClr val="lt1"/>
+          </a:fontRef>
+        </p:style>
+        <p:txBody>
+          <a:bodyPr rtlCol="0" anchor="ctr"/>
+          <a:lstStyle/>
+          <a:p>
+            <a:pPr algn="ctr"/>
+            <a:endParaRPr lang="en-US"/>
+          </a:p>
+        </p:txBody>
+      </p:sp>
+      <p:sp>
+        <p:nvSpPr>
+          <p:cNvPr id="128" name="Freeform 127">
+            <a:extLst>
+              <a:ext uri="{FF2B5EF4-FFF2-40B4-BE49-F238E27FC236}">
+                <a16:creationId xmlns:a16="http://schemas.microsoft.com/office/drawing/2014/main" id="{C5A6B780-0E7C-D049-920F-6B1479E85AAB}"/>
+              </a:ext>
+            </a:extLst>
+          </p:cNvPr>
+          <p:cNvSpPr/>
+          <p:nvPr/>
+        </p:nvSpPr>
+        <p:spPr>
+          <a:xfrm>
+            <a:off x="6095999" y="2015692"/>
+            <a:ext cx="4807837" cy="845944"/>
+          </a:xfrm>
+          <a:custGeom>
+            <a:avLst/>
+            <a:gdLst>
+              <a:gd name="connsiteX0" fmla="*/ 0 w 4930588"/>
+              <a:gd name="connsiteY0" fmla="*/ 986118 h 986118"/>
+              <a:gd name="connsiteX1" fmla="*/ 3119718 w 4930588"/>
+              <a:gd name="connsiteY1" fmla="*/ 484094 h 986118"/>
+              <a:gd name="connsiteX2" fmla="*/ 4930588 w 4930588"/>
+              <a:gd name="connsiteY2" fmla="*/ 0 h 986118"/>
+            </a:gdLst>
+            <a:ahLst/>
+            <a:cxnLst>
+              <a:cxn ang="0">
+                <a:pos x="connsiteX0" y="connsiteY0"/>
+              </a:cxn>
+              <a:cxn ang="0">
+                <a:pos x="connsiteX1" y="connsiteY1"/>
+              </a:cxn>
+              <a:cxn ang="0">
+                <a:pos x="connsiteX2" y="connsiteY2"/>
+              </a:cxn>
+            </a:cxnLst>
+            <a:rect l="l" t="t" r="r" b="b"/>
+            <a:pathLst>
+              <a:path w="4930588" h="986118">
+                <a:moveTo>
+                  <a:pt x="0" y="986118"/>
+                </a:moveTo>
+                <a:cubicBezTo>
+                  <a:pt x="1148976" y="817282"/>
+                  <a:pt x="2297953" y="648447"/>
+                  <a:pt x="3119718" y="484094"/>
+                </a:cubicBezTo>
+                <a:cubicBezTo>
+                  <a:pt x="3941483" y="319741"/>
+                  <a:pt x="4436035" y="159870"/>
+                  <a:pt x="4930588" y="0"/>
+                </a:cubicBezTo>
+              </a:path>
+            </a:pathLst>
+          </a:custGeom>
+          <a:noFill/>
+          <a:ln w="25400">
+            <a:solidFill>
+              <a:schemeClr val="tx1"/>
+            </a:solidFill>
+          </a:ln>
+        </p:spPr>
+        <p:style>
+          <a:lnRef idx="2">
+            <a:schemeClr val="accent1">
+              <a:shade val="50000"/>
+            </a:schemeClr>
+          </a:lnRef>
+          <a:fillRef idx="1">
+            <a:schemeClr val="accent1"/>
+          </a:fillRef>
+          <a:effectRef idx="0">
+            <a:schemeClr val="accent1"/>
+          </a:effectRef>
+          <a:fontRef idx="minor">
+            <a:schemeClr val="lt1"/>
+          </a:fontRef>
+        </p:style>
+        <p:txBody>
+          <a:bodyPr rtlCol="0" anchor="ctr"/>
+          <a:lstStyle/>
+          <a:p>
+            <a:pPr algn="ctr"/>
+            <a:endParaRPr lang="en-US"/>
+          </a:p>
+        </p:txBody>
+      </p:sp>
+      <p:sp>
+        <p:nvSpPr>
+          <p:cNvPr id="129" name="Freeform 128">
+            <a:extLst>
+              <a:ext uri="{FF2B5EF4-FFF2-40B4-BE49-F238E27FC236}">
+                <a16:creationId xmlns:a16="http://schemas.microsoft.com/office/drawing/2014/main" id="{6305C155-0D47-C542-A2A0-9AD00EE899E8}"/>
+              </a:ext>
+            </a:extLst>
+          </p:cNvPr>
+          <p:cNvSpPr/>
+          <p:nvPr/>
+        </p:nvSpPr>
+        <p:spPr>
+          <a:xfrm>
+            <a:off x="6113929" y="3267010"/>
+            <a:ext cx="4796599" cy="598495"/>
+          </a:xfrm>
+          <a:custGeom>
+            <a:avLst/>
+            <a:gdLst>
+              <a:gd name="connsiteX0" fmla="*/ 0 w 4948518"/>
+              <a:gd name="connsiteY0" fmla="*/ 598495 h 598495"/>
+              <a:gd name="connsiteX1" fmla="*/ 2277035 w 4948518"/>
+              <a:gd name="connsiteY1" fmla="*/ 6824 h 598495"/>
+              <a:gd name="connsiteX2" fmla="*/ 4948518 w 4948518"/>
+              <a:gd name="connsiteY2" fmla="*/ 329554 h 598495"/>
+            </a:gdLst>
+            <a:ahLst/>
+            <a:cxnLst>
+              <a:cxn ang="0">
+                <a:pos x="connsiteX0" y="connsiteY0"/>
+              </a:cxn>
+              <a:cxn ang="0">
+                <a:pos x="connsiteX1" y="connsiteY1"/>
+              </a:cxn>
+              <a:cxn ang="0">
+                <a:pos x="connsiteX2" y="connsiteY2"/>
+              </a:cxn>
+            </a:cxnLst>
+            <a:rect l="l" t="t" r="r" b="b"/>
+            <a:pathLst>
+              <a:path w="4948518" h="598495">
+                <a:moveTo>
+                  <a:pt x="0" y="598495"/>
+                </a:moveTo>
+                <a:cubicBezTo>
+                  <a:pt x="726141" y="325071"/>
+                  <a:pt x="1452282" y="51647"/>
+                  <a:pt x="2277035" y="6824"/>
+                </a:cubicBezTo>
+                <a:cubicBezTo>
+                  <a:pt x="3101788" y="-37999"/>
+                  <a:pt x="4025153" y="145777"/>
+                  <a:pt x="4948518" y="329554"/>
+                </a:cubicBezTo>
+              </a:path>
+            </a:pathLst>
+          </a:custGeom>
+          <a:noFill/>
+          <a:ln w="25400">
+            <a:solidFill>
+              <a:schemeClr val="tx1"/>
+            </a:solidFill>
+          </a:ln>
+        </p:spPr>
+        <p:style>
+          <a:lnRef idx="2">
+            <a:schemeClr val="accent1">
+              <a:shade val="50000"/>
+            </a:schemeClr>
+          </a:lnRef>
+          <a:fillRef idx="1">
+            <a:schemeClr val="accent1"/>
+          </a:fillRef>
+          <a:effectRef idx="0">
+            <a:schemeClr val="accent1"/>
+          </a:effectRef>
+          <a:fontRef idx="minor">
+            <a:schemeClr val="lt1"/>
+          </a:fontRef>
+        </p:style>
+        <p:txBody>
+          <a:bodyPr rtlCol="0" anchor="ctr"/>
+          <a:lstStyle/>
+          <a:p>
+            <a:pPr algn="ctr"/>
+            <a:endParaRPr lang="en-US"/>
+          </a:p>
+        </p:txBody>
+      </p:sp>
+      <p:sp>
+        <p:nvSpPr>
+          <p:cNvPr id="130" name="Oval 129">
+            <a:extLst>
+              <a:ext uri="{FF2B5EF4-FFF2-40B4-BE49-F238E27FC236}">
+                <a16:creationId xmlns:a16="http://schemas.microsoft.com/office/drawing/2014/main" id="{DB6DA9D9-8C59-ED4D-BFD1-E80808D850A3}"/>
+              </a:ext>
+            </a:extLst>
+          </p:cNvPr>
+          <p:cNvSpPr/>
+          <p:nvPr/>
+        </p:nvSpPr>
+        <p:spPr>
+          <a:xfrm>
+            <a:off x="5499973" y="1126078"/>
+            <a:ext cx="274320" cy="274320"/>
+          </a:xfrm>
+          <a:prstGeom prst="ellipse">
+            <a:avLst/>
+          </a:prstGeom>
+          <a:solidFill>
+            <a:schemeClr val="bg1"/>
+          </a:solidFill>
+          <a:ln w="50800">
+            <a:solidFill>
+              <a:schemeClr val="tx1"/>
+            </a:solidFill>
+          </a:ln>
+        </p:spPr>
+        <p:style>
+          <a:lnRef idx="2">
+            <a:schemeClr val="accent1">
+              <a:shade val="50000"/>
+            </a:schemeClr>
+          </a:lnRef>
+          <a:fillRef idx="1">
+            <a:schemeClr val="accent1"/>
+          </a:fillRef>
+          <a:effectRef idx="0">
+            <a:schemeClr val="accent1"/>
+          </a:effectRef>
+          <a:fontRef idx="minor">
+            <a:schemeClr val="lt1"/>
+          </a:fontRef>
+        </p:style>
+        <p:txBody>
+          <a:bodyPr rtlCol="0" anchor="ctr"/>
+          <a:lstStyle/>
+          <a:p>
+            <a:pPr algn="ctr"/>
+            <a:endParaRPr lang="en-US"/>
+          </a:p>
+        </p:txBody>
+      </p:sp>
+      <p:sp>
+        <p:nvSpPr>
+          <p:cNvPr id="131" name="Oval 130">
+            <a:extLst>
+              <a:ext uri="{FF2B5EF4-FFF2-40B4-BE49-F238E27FC236}">
+                <a16:creationId xmlns:a16="http://schemas.microsoft.com/office/drawing/2014/main" id="{323C23E8-A83D-8147-AC17-78E72130C549}"/>
+              </a:ext>
+            </a:extLst>
+          </p:cNvPr>
+          <p:cNvSpPr/>
+          <p:nvPr/>
+        </p:nvSpPr>
+        <p:spPr>
+          <a:xfrm>
+            <a:off x="5499973" y="1764591"/>
+            <a:ext cx="274320" cy="274320"/>
+          </a:xfrm>
+          <a:prstGeom prst="ellipse">
+            <a:avLst/>
+          </a:prstGeom>
+          <a:solidFill>
+            <a:schemeClr val="bg1"/>
+          </a:solidFill>
+          <a:ln w="50800">
+            <a:solidFill>
+              <a:schemeClr val="tx1"/>
+            </a:solidFill>
+          </a:ln>
+        </p:spPr>
+        <p:style>
+          <a:lnRef idx="2">
+            <a:schemeClr val="accent1">
+              <a:shade val="50000"/>
+            </a:schemeClr>
+          </a:lnRef>
+          <a:fillRef idx="1">
+            <a:schemeClr val="accent1"/>
+          </a:fillRef>
+          <a:effectRef idx="0">
+            <a:schemeClr val="accent1"/>
+          </a:effectRef>
+          <a:fontRef idx="minor">
+            <a:schemeClr val="lt1"/>
+          </a:fontRef>
+        </p:style>
+        <p:txBody>
+          <a:bodyPr rtlCol="0" anchor="ctr"/>
+          <a:lstStyle/>
+          <a:p>
+            <a:pPr algn="ctr"/>
+            <a:endParaRPr lang="en-US"/>
+          </a:p>
+        </p:txBody>
+      </p:sp>
+      <p:sp>
+        <p:nvSpPr>
+          <p:cNvPr id="132" name="Oval 131">
+            <a:extLst>
+              <a:ext uri="{FF2B5EF4-FFF2-40B4-BE49-F238E27FC236}">
+                <a16:creationId xmlns:a16="http://schemas.microsoft.com/office/drawing/2014/main" id="{937585FE-4E2B-2D43-B667-13CCBBC06E71}"/>
+              </a:ext>
+            </a:extLst>
+          </p:cNvPr>
+          <p:cNvSpPr/>
+          <p:nvPr/>
+        </p:nvSpPr>
+        <p:spPr>
+          <a:xfrm>
+            <a:off x="5500580" y="2839390"/>
+            <a:ext cx="274320" cy="274320"/>
+          </a:xfrm>
+          <a:prstGeom prst="ellipse">
+            <a:avLst/>
+          </a:prstGeom>
+          <a:solidFill>
+            <a:schemeClr val="bg1"/>
+          </a:solidFill>
+          <a:ln w="50800">
+            <a:solidFill>
+              <a:schemeClr val="tx1"/>
+            </a:solidFill>
+          </a:ln>
+        </p:spPr>
+        <p:style>
+          <a:lnRef idx="2">
+            <a:schemeClr val="accent1">
+              <a:shade val="50000"/>
+            </a:schemeClr>
+          </a:lnRef>
+          <a:fillRef idx="1">
+            <a:schemeClr val="accent1"/>
+          </a:fillRef>
+          <a:effectRef idx="0">
+            <a:schemeClr val="accent1"/>
+          </a:effectRef>
+          <a:fontRef idx="minor">
+            <a:schemeClr val="lt1"/>
+          </a:fontRef>
+        </p:style>
+        <p:txBody>
+          <a:bodyPr rtlCol="0" anchor="ctr"/>
+          <a:lstStyle/>
+          <a:p>
+            <a:pPr algn="ctr"/>
+            <a:endParaRPr lang="en-US"/>
+          </a:p>
+        </p:txBody>
+      </p:sp>
+      <p:sp>
+        <p:nvSpPr>
+          <p:cNvPr id="133" name="Oval 132">
+            <a:extLst>
+              <a:ext uri="{FF2B5EF4-FFF2-40B4-BE49-F238E27FC236}">
+                <a16:creationId xmlns:a16="http://schemas.microsoft.com/office/drawing/2014/main" id="{47D5BD3E-C284-F44C-B4A1-7F06607829D0}"/>
+              </a:ext>
+            </a:extLst>
+          </p:cNvPr>
+          <p:cNvSpPr/>
+          <p:nvPr/>
+        </p:nvSpPr>
+        <p:spPr>
+          <a:xfrm>
+            <a:off x="10767866" y="1221046"/>
+            <a:ext cx="274320" cy="274320"/>
+          </a:xfrm>
+          <a:prstGeom prst="ellipse">
+            <a:avLst/>
+          </a:prstGeom>
+          <a:solidFill>
+            <a:schemeClr val="bg1"/>
+          </a:solidFill>
+          <a:ln w="50800">
+            <a:solidFill>
+              <a:schemeClr val="tx1"/>
+            </a:solidFill>
+          </a:ln>
+        </p:spPr>
+        <p:style>
+          <a:lnRef idx="2">
+            <a:schemeClr val="accent1">
+              <a:shade val="50000"/>
+            </a:schemeClr>
+          </a:lnRef>
+          <a:fillRef idx="1">
+            <a:schemeClr val="accent1"/>
+          </a:fillRef>
+          <a:effectRef idx="0">
+            <a:schemeClr val="accent1"/>
+          </a:effectRef>
+          <a:fontRef idx="minor">
+            <a:schemeClr val="lt1"/>
+          </a:fontRef>
+        </p:style>
+        <p:txBody>
+          <a:bodyPr rtlCol="0" anchor="ctr"/>
+          <a:lstStyle/>
+          <a:p>
+            <a:pPr algn="ctr"/>
+            <a:endParaRPr lang="en-US"/>
+          </a:p>
+        </p:txBody>
+      </p:sp>
+      <p:sp>
+        <p:nvSpPr>
+          <p:cNvPr id="134" name="Oval 133">
+            <a:extLst>
+              <a:ext uri="{FF2B5EF4-FFF2-40B4-BE49-F238E27FC236}">
+                <a16:creationId xmlns:a16="http://schemas.microsoft.com/office/drawing/2014/main" id="{0E12DBB2-F4E4-9E43-AD48-AAF87156AFCC}"/>
+              </a:ext>
+            </a:extLst>
+          </p:cNvPr>
+          <p:cNvSpPr/>
+          <p:nvPr/>
+        </p:nvSpPr>
+        <p:spPr>
+          <a:xfrm>
+            <a:off x="10772289" y="1860841"/>
+            <a:ext cx="274320" cy="274320"/>
+          </a:xfrm>
+          <a:prstGeom prst="ellipse">
+            <a:avLst/>
+          </a:prstGeom>
+          <a:solidFill>
+            <a:schemeClr val="bg1"/>
+          </a:solidFill>
+          <a:ln w="50800">
+            <a:solidFill>
+              <a:schemeClr val="tx1"/>
+            </a:solidFill>
+          </a:ln>
+        </p:spPr>
+        <p:style>
+          <a:lnRef idx="2">
+            <a:schemeClr val="accent1">
+              <a:shade val="50000"/>
+            </a:schemeClr>
+          </a:lnRef>
+          <a:fillRef idx="1">
+            <a:schemeClr val="accent1"/>
+          </a:fillRef>
+          <a:effectRef idx="0">
+            <a:schemeClr val="accent1"/>
+          </a:effectRef>
+          <a:fontRef idx="minor">
+            <a:schemeClr val="lt1"/>
+          </a:fontRef>
+        </p:style>
+        <p:txBody>
+          <a:bodyPr rtlCol="0" anchor="ctr"/>
+          <a:lstStyle/>
+          <a:p>
+            <a:pPr algn="ctr"/>
+            <a:endParaRPr lang="en-US"/>
+          </a:p>
+        </p:txBody>
+      </p:sp>
+      <p:sp>
+        <p:nvSpPr>
+          <p:cNvPr id="135" name="Oval 134">
+            <a:extLst>
+              <a:ext uri="{FF2B5EF4-FFF2-40B4-BE49-F238E27FC236}">
+                <a16:creationId xmlns:a16="http://schemas.microsoft.com/office/drawing/2014/main" id="{E70C2583-CD22-C349-B82C-CB88CB513B2F}"/>
+              </a:ext>
+            </a:extLst>
+          </p:cNvPr>
+          <p:cNvSpPr/>
+          <p:nvPr/>
+        </p:nvSpPr>
+        <p:spPr>
+          <a:xfrm>
+            <a:off x="10776296" y="3458127"/>
+            <a:ext cx="274320" cy="274320"/>
+          </a:xfrm>
+          <a:prstGeom prst="ellipse">
+            <a:avLst/>
+          </a:prstGeom>
+          <a:solidFill>
+            <a:schemeClr val="bg1"/>
+          </a:solidFill>
+          <a:ln w="50800">
+            <a:solidFill>
+              <a:schemeClr val="tx1"/>
+            </a:solidFill>
+          </a:ln>
+        </p:spPr>
+        <p:style>
+          <a:lnRef idx="2">
+            <a:schemeClr val="accent1">
+              <a:shade val="50000"/>
+            </a:schemeClr>
+          </a:lnRef>
+          <a:fillRef idx="1">
+            <a:schemeClr val="accent1"/>
+          </a:fillRef>
+          <a:effectRef idx="0">
+            <a:schemeClr val="accent1"/>
+          </a:effectRef>
+          <a:fontRef idx="minor">
+            <a:schemeClr val="lt1"/>
+          </a:fontRef>
+        </p:style>
+        <p:txBody>
+          <a:bodyPr rtlCol="0" anchor="ctr"/>
+          <a:lstStyle/>
+          <a:p>
+            <a:pPr algn="ctr"/>
+            <a:endParaRPr lang="en-US"/>
+          </a:p>
+        </p:txBody>
+      </p:sp>
+      <p:sp>
+        <p:nvSpPr>
+          <p:cNvPr id="136" name="Oval 135">
+            <a:extLst>
+              <a:ext uri="{FF2B5EF4-FFF2-40B4-BE49-F238E27FC236}">
+                <a16:creationId xmlns:a16="http://schemas.microsoft.com/office/drawing/2014/main" id="{1AB6EF56-7A3C-5446-99B4-518F54A0949B}"/>
+              </a:ext>
+            </a:extLst>
+          </p:cNvPr>
+          <p:cNvSpPr/>
+          <p:nvPr/>
+        </p:nvSpPr>
+        <p:spPr>
+          <a:xfrm>
+            <a:off x="692965" y="3065709"/>
+            <a:ext cx="274320" cy="274320"/>
+          </a:xfrm>
+          <a:prstGeom prst="ellipse">
+            <a:avLst/>
+          </a:prstGeom>
+          <a:solidFill>
+            <a:srgbClr val="C00000"/>
+          </a:solidFill>
+          <a:ln>
+            <a:solidFill>
+              <a:schemeClr val="tx1"/>
+            </a:solidFill>
+          </a:ln>
+        </p:spPr>
+        <p:style>
+          <a:lnRef idx="2">
+            <a:schemeClr val="accent1">
+              <a:shade val="50000"/>
+            </a:schemeClr>
+          </a:lnRef>
+          <a:fillRef idx="1">
+            <a:schemeClr val="accent1"/>
+          </a:fillRef>
+          <a:effectRef idx="0">
+            <a:schemeClr val="accent1"/>
+          </a:effectRef>
+          <a:fontRef idx="minor">
+            <a:schemeClr val="lt1"/>
+          </a:fontRef>
+        </p:style>
+        <p:txBody>
+          <a:bodyPr rtlCol="0" anchor="ctr"/>
+          <a:lstStyle/>
+          <a:p>
+            <a:pPr algn="ctr"/>
+            <a:endParaRPr lang="en-US"/>
+          </a:p>
+        </p:txBody>
+      </p:sp>
+      <p:sp>
+        <p:nvSpPr>
+          <p:cNvPr id="138" name="Oval 137">
+            <a:extLst>
+              <a:ext uri="{FF2B5EF4-FFF2-40B4-BE49-F238E27FC236}">
+                <a16:creationId xmlns:a16="http://schemas.microsoft.com/office/drawing/2014/main" id="{021AF6ED-9CAA-5046-9A23-B6B963F36198}"/>
+              </a:ext>
+            </a:extLst>
+          </p:cNvPr>
+          <p:cNvSpPr/>
+          <p:nvPr/>
+        </p:nvSpPr>
+        <p:spPr>
+          <a:xfrm>
+            <a:off x="5496341" y="2167133"/>
+            <a:ext cx="274320" cy="274320"/>
+          </a:xfrm>
+          <a:prstGeom prst="ellipse">
+            <a:avLst/>
+          </a:prstGeom>
+          <a:solidFill>
+            <a:srgbClr val="C00000"/>
+          </a:solidFill>
+          <a:ln>
+            <a:solidFill>
+              <a:schemeClr val="tx1"/>
+            </a:solidFill>
+          </a:ln>
+        </p:spPr>
+        <p:style>
+          <a:lnRef idx="2">
+            <a:schemeClr val="accent1">
+              <a:shade val="50000"/>
+            </a:schemeClr>
+          </a:lnRef>
+          <a:fillRef idx="1">
+            <a:schemeClr val="accent1"/>
+          </a:fillRef>
+          <a:effectRef idx="0">
+            <a:schemeClr val="accent1"/>
+          </a:effectRef>
+          <a:fontRef idx="minor">
+            <a:schemeClr val="lt1"/>
+          </a:fontRef>
+        </p:style>
+        <p:txBody>
+          <a:bodyPr rtlCol="0" anchor="ctr"/>
+          <a:lstStyle/>
+          <a:p>
+            <a:pPr algn="ctr"/>
+            <a:endParaRPr lang="en-US"/>
+          </a:p>
+        </p:txBody>
+      </p:sp>
+      <p:sp>
+        <p:nvSpPr>
+          <p:cNvPr id="139" name="Oval 138">
+            <a:extLst>
+              <a:ext uri="{FF2B5EF4-FFF2-40B4-BE49-F238E27FC236}">
+                <a16:creationId xmlns:a16="http://schemas.microsoft.com/office/drawing/2014/main" id="{D5B307B1-46F9-4746-B217-C0CF229F0695}"/>
+              </a:ext>
+            </a:extLst>
+          </p:cNvPr>
+          <p:cNvSpPr/>
+          <p:nvPr/>
+        </p:nvSpPr>
+        <p:spPr>
+          <a:xfrm>
+            <a:off x="10767866" y="1546414"/>
+            <a:ext cx="274320" cy="274320"/>
+          </a:xfrm>
+          <a:prstGeom prst="ellipse">
+            <a:avLst/>
+          </a:prstGeom>
+          <a:solidFill>
+            <a:srgbClr val="C00000"/>
+          </a:solidFill>
+          <a:ln>
+            <a:solidFill>
+              <a:schemeClr val="tx1"/>
+            </a:solidFill>
+          </a:ln>
+        </p:spPr>
+        <p:style>
+          <a:lnRef idx="2">
+            <a:schemeClr val="accent1">
+              <a:shade val="50000"/>
+            </a:schemeClr>
+          </a:lnRef>
+          <a:fillRef idx="1">
+            <a:schemeClr val="accent1"/>
+          </a:fillRef>
+          <a:effectRef idx="0">
+            <a:schemeClr val="accent1"/>
+          </a:effectRef>
+          <a:fontRef idx="minor">
+            <a:schemeClr val="lt1"/>
+          </a:fontRef>
+        </p:style>
+        <p:txBody>
+          <a:bodyPr rtlCol="0" anchor="ctr"/>
+          <a:lstStyle/>
+          <a:p>
+            <a:pPr algn="ctr"/>
+            <a:endParaRPr lang="en-US"/>
+          </a:p>
+        </p:txBody>
+      </p:sp>
+      <p:cxnSp>
+        <p:nvCxnSpPr>
+          <p:cNvPr id="148" name="Straight Arrow Connector 147">
+            <a:extLst>
+              <a:ext uri="{FF2B5EF4-FFF2-40B4-BE49-F238E27FC236}">
+                <a16:creationId xmlns:a16="http://schemas.microsoft.com/office/drawing/2014/main" id="{E07EAF2D-BBA3-9F45-8BC9-079F54DEA256}"/>
+              </a:ext>
+            </a:extLst>
+          </p:cNvPr>
+          <p:cNvCxnSpPr>
+            <a:cxnSpLocks/>
+          </p:cNvCxnSpPr>
+          <p:nvPr/>
+        </p:nvCxnSpPr>
+        <p:spPr>
+          <a:xfrm>
+            <a:off x="565767" y="1764590"/>
+            <a:ext cx="0" cy="1069848"/>
+          </a:xfrm>
+          <a:prstGeom prst="straightConnector1">
+            <a:avLst/>
+          </a:prstGeom>
+          <a:ln w="25400">
+            <a:solidFill>
+              <a:srgbClr val="FFC000"/>
+            </a:solidFill>
+            <a:headEnd type="triangle" w="lg" len="lg"/>
+            <a:tailEnd type="triangle" w="lg" len="lg"/>
+          </a:ln>
+        </p:spPr>
+        <p:style>
+          <a:lnRef idx="1">
+            <a:schemeClr val="accent1"/>
+          </a:lnRef>
+          <a:fillRef idx="0">
+            <a:schemeClr val="accent1"/>
+          </a:fillRef>
+          <a:effectRef idx="0">
+            <a:schemeClr val="accent1"/>
+          </a:effectRef>
+          <a:fontRef idx="minor">
+            <a:schemeClr val="tx1"/>
+          </a:fontRef>
+        </p:style>
+      </p:cxnSp>
+      <p:cxnSp>
+        <p:nvCxnSpPr>
+          <p:cNvPr id="149" name="Straight Arrow Connector 148">
+            <a:extLst>
+              <a:ext uri="{FF2B5EF4-FFF2-40B4-BE49-F238E27FC236}">
+                <a16:creationId xmlns:a16="http://schemas.microsoft.com/office/drawing/2014/main" id="{96789EB6-ECDD-0549-8CBE-33D71C7D6980}"/>
+              </a:ext>
+            </a:extLst>
+          </p:cNvPr>
+          <p:cNvCxnSpPr>
+            <a:cxnSpLocks/>
+          </p:cNvCxnSpPr>
+          <p:nvPr/>
+        </p:nvCxnSpPr>
+        <p:spPr>
+          <a:xfrm>
+            <a:off x="565767" y="2861636"/>
+            <a:ext cx="0" cy="1065237"/>
+          </a:xfrm>
+          <a:prstGeom prst="straightConnector1">
+            <a:avLst/>
+          </a:prstGeom>
+          <a:ln w="25400">
+            <a:solidFill>
+              <a:srgbClr val="FFC000"/>
+            </a:solidFill>
+            <a:headEnd type="triangle" w="lg" len="lg"/>
+            <a:tailEnd type="triangle" w="lg" len="lg"/>
+          </a:ln>
+        </p:spPr>
+        <p:style>
+          <a:lnRef idx="1">
+            <a:schemeClr val="accent1"/>
+          </a:lnRef>
+          <a:fillRef idx="0">
+            <a:schemeClr val="accent1"/>
+          </a:fillRef>
+          <a:effectRef idx="0">
+            <a:schemeClr val="accent1"/>
+          </a:effectRef>
+          <a:fontRef idx="minor">
+            <a:schemeClr val="tx1"/>
+          </a:fontRef>
+        </p:style>
+      </p:cxnSp>
+      <p:sp>
+        <p:nvSpPr>
+          <p:cNvPr id="33" name="Oval 32">
+            <a:extLst>
+              <a:ext uri="{FF2B5EF4-FFF2-40B4-BE49-F238E27FC236}">
+                <a16:creationId xmlns:a16="http://schemas.microsoft.com/office/drawing/2014/main" id="{91CC0E09-D2F4-6C4B-8E51-8C30D5E38AB5}"/>
+              </a:ext>
+            </a:extLst>
+          </p:cNvPr>
+          <p:cNvSpPr/>
+          <p:nvPr/>
+        </p:nvSpPr>
+        <p:spPr>
+          <a:xfrm>
+            <a:off x="5948830" y="2167133"/>
+            <a:ext cx="274320" cy="274320"/>
+          </a:xfrm>
+          <a:prstGeom prst="ellipse">
+            <a:avLst/>
+          </a:prstGeom>
+          <a:solidFill>
+            <a:srgbClr val="C00000"/>
+          </a:solidFill>
+          <a:ln>
+            <a:solidFill>
+              <a:schemeClr val="tx1"/>
+            </a:solidFill>
+          </a:ln>
+        </p:spPr>
+        <p:style>
+          <a:lnRef idx="2">
+            <a:schemeClr val="accent1">
+              <a:shade val="50000"/>
+            </a:schemeClr>
+          </a:lnRef>
+          <a:fillRef idx="1">
+            <a:schemeClr val="accent1"/>
+          </a:fillRef>
+          <a:effectRef idx="0">
+            <a:schemeClr val="accent1"/>
+          </a:effectRef>
+          <a:fontRef idx="minor">
+            <a:schemeClr val="lt1"/>
+          </a:fontRef>
+        </p:style>
+        <p:txBody>
+          <a:bodyPr rtlCol="0" anchor="ctr"/>
+          <a:lstStyle/>
+          <a:p>
+            <a:pPr algn="ctr"/>
+            <a:endParaRPr lang="en-US"/>
+          </a:p>
+        </p:txBody>
+      </p:sp>
+      <p:sp>
+        <p:nvSpPr>
+          <p:cNvPr id="38" name="TextBox 37">
+            <a:extLst>
+              <a:ext uri="{FF2B5EF4-FFF2-40B4-BE49-F238E27FC236}">
+                <a16:creationId xmlns:a16="http://schemas.microsoft.com/office/drawing/2014/main" id="{8B1C75B8-4E2D-F84D-962D-4DAE40B1B8FC}"/>
+              </a:ext>
+            </a:extLst>
+          </p:cNvPr>
+          <p:cNvSpPr txBox="1"/>
+          <p:nvPr/>
+        </p:nvSpPr>
+        <p:spPr>
+          <a:xfrm>
+            <a:off x="2187931" y="4046910"/>
+            <a:ext cx="1694529" cy="523220"/>
+          </a:xfrm>
+          <a:prstGeom prst="rect">
+            <a:avLst/>
+          </a:prstGeom>
+          <a:solidFill>
+            <a:schemeClr val="bg1"/>
+          </a:solidFill>
+        </p:spPr>
+        <p:txBody>
+          <a:bodyPr wrap="square" rtlCol="0">
+            <a:spAutoFit/>
+          </a:bodyPr>
+          <a:lstStyle/>
+          <a:p>
+            <a:pPr algn="ctr"/>
+            <a:r>
+              <a:rPr lang="en-US" sz="2800" b="1" dirty="0">
+                <a:latin typeface="Times New Roman" panose="02020603050405020304" pitchFamily="18" charset="0"/>
+                <a:cs typeface="Times New Roman" panose="02020603050405020304" pitchFamily="18" charset="0"/>
+              </a:rPr>
+              <a:t>Interval 1</a:t>
+            </a:r>
+          </a:p>
+        </p:txBody>
+      </p:sp>
+      <p:sp>
+        <p:nvSpPr>
+          <p:cNvPr id="39" name="TextBox 38">
+            <a:extLst>
+              <a:ext uri="{FF2B5EF4-FFF2-40B4-BE49-F238E27FC236}">
+                <a16:creationId xmlns:a16="http://schemas.microsoft.com/office/drawing/2014/main" id="{D6574E8A-7831-5C4A-8D4A-E2EE0F82608B}"/>
+              </a:ext>
+            </a:extLst>
+          </p:cNvPr>
+          <p:cNvSpPr txBox="1"/>
+          <p:nvPr/>
+        </p:nvSpPr>
+        <p:spPr>
+          <a:xfrm>
+            <a:off x="7504366" y="4037285"/>
+            <a:ext cx="1738905" cy="523220"/>
+          </a:xfrm>
+          <a:prstGeom prst="rect">
+            <a:avLst/>
+          </a:prstGeom>
+          <a:solidFill>
+            <a:schemeClr val="bg1"/>
+          </a:solidFill>
+        </p:spPr>
+        <p:txBody>
+          <a:bodyPr wrap="square" rtlCol="0">
+            <a:spAutoFit/>
+          </a:bodyPr>
+          <a:lstStyle/>
+          <a:p>
+            <a:pPr algn="ctr"/>
+            <a:r>
+              <a:rPr lang="en-US" sz="2800" b="1" dirty="0">
+                <a:latin typeface="Times New Roman" panose="02020603050405020304" pitchFamily="18" charset="0"/>
+                <a:cs typeface="Times New Roman" panose="02020603050405020304" pitchFamily="18" charset="0"/>
+              </a:rPr>
+              <a:t>Interval 2</a:t>
+            </a:r>
+          </a:p>
+        </p:txBody>
+      </p:sp>
+      <p:sp>
+        <p:nvSpPr>
+          <p:cNvPr id="41" name="Oval 40">
+            <a:extLst>
+              <a:ext uri="{FF2B5EF4-FFF2-40B4-BE49-F238E27FC236}">
+                <a16:creationId xmlns:a16="http://schemas.microsoft.com/office/drawing/2014/main" id="{99F67756-6EC7-DC43-8297-D12455A369AF}"/>
+              </a:ext>
+            </a:extLst>
+          </p:cNvPr>
+          <p:cNvSpPr/>
+          <p:nvPr/>
+        </p:nvSpPr>
+        <p:spPr>
+          <a:xfrm>
+            <a:off x="953434" y="5018065"/>
+            <a:ext cx="274320" cy="274320"/>
+          </a:xfrm>
+          <a:prstGeom prst="ellipse">
+            <a:avLst/>
+          </a:prstGeom>
+          <a:solidFill>
+            <a:schemeClr val="tx1"/>
+          </a:solidFill>
+          <a:ln>
+            <a:solidFill>
+              <a:schemeClr val="tx1"/>
+            </a:solidFill>
+          </a:ln>
+        </p:spPr>
+        <p:style>
+          <a:lnRef idx="2">
+            <a:schemeClr val="accent1">
+              <a:shade val="50000"/>
+            </a:schemeClr>
+          </a:lnRef>
+          <a:fillRef idx="1">
+            <a:schemeClr val="accent1"/>
+          </a:fillRef>
+          <a:effectRef idx="0">
+            <a:schemeClr val="accent1"/>
+          </a:effectRef>
+          <a:fontRef idx="minor">
+            <a:schemeClr val="lt1"/>
+          </a:fontRef>
+        </p:style>
+        <p:txBody>
+          <a:bodyPr rtlCol="0" anchor="ctr"/>
+          <a:lstStyle/>
+          <a:p>
+            <a:pPr algn="ctr"/>
+            <a:endParaRPr lang="en-US"/>
+          </a:p>
+        </p:txBody>
+      </p:sp>
+      <p:sp>
+        <p:nvSpPr>
+          <p:cNvPr id="42" name="Oval 41">
+            <a:extLst>
+              <a:ext uri="{FF2B5EF4-FFF2-40B4-BE49-F238E27FC236}">
+                <a16:creationId xmlns:a16="http://schemas.microsoft.com/office/drawing/2014/main" id="{A0201795-87A7-6F48-8761-3F432245E42E}"/>
+              </a:ext>
+            </a:extLst>
+          </p:cNvPr>
+          <p:cNvSpPr/>
+          <p:nvPr/>
+        </p:nvSpPr>
+        <p:spPr>
+          <a:xfrm>
+            <a:off x="953434" y="5727115"/>
+            <a:ext cx="274320" cy="274320"/>
+          </a:xfrm>
+          <a:prstGeom prst="ellipse">
+            <a:avLst/>
+          </a:prstGeom>
+          <a:solidFill>
+            <a:schemeClr val="bg1"/>
+          </a:solidFill>
+          <a:ln w="50800">
+            <a:solidFill>
+              <a:schemeClr val="tx1"/>
+            </a:solidFill>
+          </a:ln>
+        </p:spPr>
+        <p:style>
+          <a:lnRef idx="2">
+            <a:schemeClr val="accent1">
+              <a:shade val="50000"/>
+            </a:schemeClr>
+          </a:lnRef>
+          <a:fillRef idx="1">
+            <a:schemeClr val="accent1"/>
+          </a:fillRef>
+          <a:effectRef idx="0">
+            <a:schemeClr val="accent1"/>
+          </a:effectRef>
+          <a:fontRef idx="minor">
+            <a:schemeClr val="lt1"/>
+          </a:fontRef>
+        </p:style>
+        <p:txBody>
+          <a:bodyPr rtlCol="0" anchor="ctr"/>
+          <a:lstStyle/>
+          <a:p>
+            <a:pPr algn="ctr"/>
+            <a:endParaRPr lang="en-US"/>
+          </a:p>
+        </p:txBody>
+      </p:sp>
+      <p:cxnSp>
+        <p:nvCxnSpPr>
+          <p:cNvPr id="7" name="Straight Connector 6">
+            <a:extLst>
+              <a:ext uri="{FF2B5EF4-FFF2-40B4-BE49-F238E27FC236}">
+                <a16:creationId xmlns:a16="http://schemas.microsoft.com/office/drawing/2014/main" id="{EFE7133D-5651-E341-9754-58F56C011AB3}"/>
+              </a:ext>
+            </a:extLst>
+          </p:cNvPr>
+          <p:cNvCxnSpPr>
+            <a:cxnSpLocks/>
+            <a:stCxn id="41" idx="4"/>
+            <a:endCxn id="42" idx="0"/>
+          </p:cNvCxnSpPr>
+          <p:nvPr/>
+        </p:nvCxnSpPr>
+        <p:spPr>
+          <a:xfrm>
+            <a:off x="1090594" y="5292385"/>
+            <a:ext cx="0" cy="434730"/>
+          </a:xfrm>
+          <a:prstGeom prst="line">
+            <a:avLst/>
+          </a:prstGeom>
+          <a:ln w="25400">
+            <a:solidFill>
+              <a:schemeClr val="tx1"/>
+            </a:solidFill>
+          </a:ln>
+        </p:spPr>
+        <p:style>
+          <a:lnRef idx="1">
+            <a:schemeClr val="accent1"/>
+          </a:lnRef>
+          <a:fillRef idx="0">
+            <a:schemeClr val="accent1"/>
+          </a:fillRef>
+          <a:effectRef idx="0">
+            <a:schemeClr val="accent1"/>
+          </a:effectRef>
+          <a:fontRef idx="minor">
+            <a:schemeClr val="tx1"/>
+          </a:fontRef>
+        </p:style>
+      </p:cxnSp>
+      <p:sp>
+        <p:nvSpPr>
+          <p:cNvPr id="11" name="TextBox 10">
+            <a:extLst>
+              <a:ext uri="{FF2B5EF4-FFF2-40B4-BE49-F238E27FC236}">
+                <a16:creationId xmlns:a16="http://schemas.microsoft.com/office/drawing/2014/main" id="{0DB36C12-D215-5C4C-A45E-E427F99BD33F}"/>
+              </a:ext>
+            </a:extLst>
+          </p:cNvPr>
+          <p:cNvSpPr txBox="1"/>
+          <p:nvPr/>
+        </p:nvSpPr>
+        <p:spPr>
+          <a:xfrm>
+            <a:off x="1248767" y="5032696"/>
+            <a:ext cx="4314691" cy="1015663"/>
+          </a:xfrm>
+          <a:prstGeom prst="rect">
+            <a:avLst/>
+          </a:prstGeom>
+          <a:noFill/>
+        </p:spPr>
+        <p:txBody>
+          <a:bodyPr wrap="square" rtlCol="0">
+            <a:spAutoFit/>
+          </a:bodyPr>
+          <a:lstStyle/>
+          <a:p>
+            <a:r>
+              <a:rPr lang="en-US" sz="3000" dirty="0">
+                <a:latin typeface="Times New Roman" panose="02020603050405020304" pitchFamily="18" charset="0"/>
+                <a:cs typeface="Times New Roman" panose="02020603050405020304" pitchFamily="18" charset="0"/>
+              </a:rPr>
+              <a:t>In situ extracted flow map particle trajectory</a:t>
+            </a:r>
+          </a:p>
+        </p:txBody>
+      </p:sp>
+      <p:sp>
+        <p:nvSpPr>
+          <p:cNvPr id="49" name="Oval 48">
+            <a:extLst>
+              <a:ext uri="{FF2B5EF4-FFF2-40B4-BE49-F238E27FC236}">
+                <a16:creationId xmlns:a16="http://schemas.microsoft.com/office/drawing/2014/main" id="{E3F1B865-E7E6-2D48-8833-DDF52FC16B6A}"/>
+              </a:ext>
+            </a:extLst>
+          </p:cNvPr>
+          <p:cNvSpPr/>
+          <p:nvPr/>
+        </p:nvSpPr>
+        <p:spPr>
+          <a:xfrm>
+            <a:off x="5632734" y="5043690"/>
+            <a:ext cx="274320" cy="274320"/>
+          </a:xfrm>
+          <a:prstGeom prst="ellipse">
+            <a:avLst/>
+          </a:prstGeom>
+          <a:solidFill>
+            <a:srgbClr val="C00000"/>
+          </a:solidFill>
+          <a:ln>
+            <a:solidFill>
+              <a:schemeClr val="tx1"/>
+            </a:solidFill>
+          </a:ln>
+        </p:spPr>
+        <p:style>
+          <a:lnRef idx="2">
+            <a:schemeClr val="accent1">
+              <a:shade val="50000"/>
+            </a:schemeClr>
+          </a:lnRef>
+          <a:fillRef idx="1">
+            <a:schemeClr val="accent1"/>
+          </a:fillRef>
+          <a:effectRef idx="0">
+            <a:schemeClr val="accent1"/>
+          </a:effectRef>
+          <a:fontRef idx="minor">
+            <a:schemeClr val="lt1"/>
+          </a:fontRef>
+        </p:style>
+        <p:txBody>
+          <a:bodyPr rtlCol="0" anchor="ctr"/>
+          <a:lstStyle/>
+          <a:p>
+            <a:pPr algn="ctr"/>
+            <a:endParaRPr lang="en-US"/>
+          </a:p>
+        </p:txBody>
+      </p:sp>
+      <p:sp>
+        <p:nvSpPr>
+          <p:cNvPr id="52" name="Oval 51">
+            <a:extLst>
+              <a:ext uri="{FF2B5EF4-FFF2-40B4-BE49-F238E27FC236}">
+                <a16:creationId xmlns:a16="http://schemas.microsoft.com/office/drawing/2014/main" id="{69016A83-7D58-A24E-B62F-489B65D4F585}"/>
+              </a:ext>
+            </a:extLst>
+          </p:cNvPr>
+          <p:cNvSpPr/>
+          <p:nvPr/>
+        </p:nvSpPr>
+        <p:spPr>
+          <a:xfrm>
+            <a:off x="5635193" y="5722928"/>
+            <a:ext cx="274320" cy="274320"/>
+          </a:xfrm>
+          <a:prstGeom prst="ellipse">
+            <a:avLst/>
+          </a:prstGeom>
+          <a:solidFill>
+            <a:srgbClr val="C00000"/>
+          </a:solidFill>
+          <a:ln>
+            <a:solidFill>
+              <a:schemeClr val="tx1"/>
+            </a:solidFill>
+          </a:ln>
+        </p:spPr>
+        <p:style>
+          <a:lnRef idx="2">
+            <a:schemeClr val="accent1">
+              <a:shade val="50000"/>
+            </a:schemeClr>
+          </a:lnRef>
+          <a:fillRef idx="1">
+            <a:schemeClr val="accent1"/>
+          </a:fillRef>
+          <a:effectRef idx="0">
+            <a:schemeClr val="accent1"/>
+          </a:effectRef>
+          <a:fontRef idx="minor">
+            <a:schemeClr val="lt1"/>
+          </a:fontRef>
+        </p:style>
+        <p:txBody>
+          <a:bodyPr rtlCol="0" anchor="ctr"/>
+          <a:lstStyle/>
+          <a:p>
+            <a:pPr algn="ctr"/>
+            <a:endParaRPr lang="en-US"/>
+          </a:p>
+        </p:txBody>
+      </p:sp>
+      <p:sp>
+        <p:nvSpPr>
+          <p:cNvPr id="55" name="TextBox 54">
+            <a:extLst>
+              <a:ext uri="{FF2B5EF4-FFF2-40B4-BE49-F238E27FC236}">
+                <a16:creationId xmlns:a16="http://schemas.microsoft.com/office/drawing/2014/main" id="{E268927D-B29F-E644-A2D9-AA85EA48400D}"/>
+              </a:ext>
+            </a:extLst>
+          </p:cNvPr>
+          <p:cNvSpPr txBox="1"/>
+          <p:nvPr/>
+        </p:nvSpPr>
+        <p:spPr>
+          <a:xfrm>
+            <a:off x="5939458" y="5019902"/>
+            <a:ext cx="3955588" cy="1015663"/>
+          </a:xfrm>
+          <a:prstGeom prst="rect">
+            <a:avLst/>
+          </a:prstGeom>
+          <a:noFill/>
+        </p:spPr>
+        <p:txBody>
+          <a:bodyPr wrap="square" rtlCol="0">
+            <a:spAutoFit/>
+          </a:bodyPr>
+          <a:lstStyle/>
+          <a:p>
+            <a:r>
+              <a:rPr lang="en-US" sz="3000" dirty="0">
+                <a:latin typeface="Times New Roman" panose="02020603050405020304" pitchFamily="18" charset="0"/>
+                <a:cs typeface="Times New Roman" panose="02020603050405020304" pitchFamily="18" charset="0"/>
+              </a:rPr>
+              <a:t>Post hoc reconstructed particle trajectory</a:t>
+            </a:r>
+          </a:p>
+        </p:txBody>
+      </p:sp>
+      <p:sp>
+        <p:nvSpPr>
+          <p:cNvPr id="13" name="Freeform 12">
+            <a:extLst>
+              <a:ext uri="{FF2B5EF4-FFF2-40B4-BE49-F238E27FC236}">
+                <a16:creationId xmlns:a16="http://schemas.microsoft.com/office/drawing/2014/main" id="{8E636F39-CC72-0544-9084-05BE0D6B1FA8}"/>
+              </a:ext>
+            </a:extLst>
+          </p:cNvPr>
+          <p:cNvSpPr/>
+          <p:nvPr/>
+        </p:nvSpPr>
+        <p:spPr>
+          <a:xfrm>
+            <a:off x="856648" y="2350115"/>
+            <a:ext cx="4706754" cy="896579"/>
+          </a:xfrm>
+          <a:custGeom>
+            <a:avLst/>
+            <a:gdLst>
+              <a:gd name="connsiteX0" fmla="*/ 0 w 4706754"/>
+              <a:gd name="connsiteY0" fmla="*/ 827773 h 859630"/>
+              <a:gd name="connsiteX1" fmla="*/ 2213811 w 4706754"/>
+              <a:gd name="connsiteY1" fmla="*/ 760396 h 859630"/>
+              <a:gd name="connsiteX2" fmla="*/ 4706754 w 4706754"/>
+              <a:gd name="connsiteY2" fmla="*/ 0 h 859630"/>
+            </a:gdLst>
+            <a:ahLst/>
+            <a:cxnLst>
+              <a:cxn ang="0">
+                <a:pos x="connsiteX0" y="connsiteY0"/>
+              </a:cxn>
+              <a:cxn ang="0">
+                <a:pos x="connsiteX1" y="connsiteY1"/>
+              </a:cxn>
+              <a:cxn ang="0">
+                <a:pos x="connsiteX2" y="connsiteY2"/>
+              </a:cxn>
+            </a:cxnLst>
+            <a:rect l="l" t="t" r="r" b="b"/>
+            <a:pathLst>
+              <a:path w="4706754" h="859630">
+                <a:moveTo>
+                  <a:pt x="0" y="827773"/>
+                </a:moveTo>
+                <a:cubicBezTo>
+                  <a:pt x="714676" y="863065"/>
+                  <a:pt x="1429352" y="898358"/>
+                  <a:pt x="2213811" y="760396"/>
+                </a:cubicBezTo>
+                <a:cubicBezTo>
+                  <a:pt x="2998270" y="622434"/>
+                  <a:pt x="3852512" y="311217"/>
+                  <a:pt x="4706754" y="0"/>
+                </a:cubicBezTo>
+              </a:path>
+            </a:pathLst>
+          </a:custGeom>
+          <a:noFill/>
+          <a:ln w="25400">
+            <a:solidFill>
+              <a:srgbClr val="C00000"/>
+            </a:solidFill>
+          </a:ln>
+        </p:spPr>
+        <p:style>
+          <a:lnRef idx="2">
+            <a:schemeClr val="accent1">
+              <a:shade val="50000"/>
+            </a:schemeClr>
+          </a:lnRef>
+          <a:fillRef idx="1">
+            <a:schemeClr val="accent1"/>
+          </a:fillRef>
+          <a:effectRef idx="0">
+            <a:schemeClr val="accent1"/>
+          </a:effectRef>
+          <a:fontRef idx="minor">
+            <a:schemeClr val="lt1"/>
+          </a:fontRef>
+        </p:style>
+        <p:txBody>
+          <a:bodyPr rtlCol="0" anchor="ctr"/>
+          <a:lstStyle/>
+          <a:p>
+            <a:pPr algn="ctr"/>
+            <a:endParaRPr lang="en-US"/>
+          </a:p>
+        </p:txBody>
+      </p:sp>
+      <p:sp>
+        <p:nvSpPr>
+          <p:cNvPr id="2" name="TextBox 1">
+            <a:extLst>
+              <a:ext uri="{FF2B5EF4-FFF2-40B4-BE49-F238E27FC236}">
+                <a16:creationId xmlns:a16="http://schemas.microsoft.com/office/drawing/2014/main" id="{65705810-9BF5-3249-BF42-F0918F2CC2FF}"/>
+              </a:ext>
+            </a:extLst>
+          </p:cNvPr>
+          <p:cNvSpPr txBox="1"/>
+          <p:nvPr/>
+        </p:nvSpPr>
+        <p:spPr>
+          <a:xfrm>
+            <a:off x="4564459" y="776586"/>
+            <a:ext cx="1236032" cy="584775"/>
+          </a:xfrm>
+          <a:prstGeom prst="rect">
+            <a:avLst/>
+          </a:prstGeom>
+          <a:noFill/>
+        </p:spPr>
+        <p:txBody>
+          <a:bodyPr wrap="square" rtlCol="0">
+            <a:spAutoFit/>
+          </a:bodyPr>
+          <a:lstStyle/>
+          <a:p>
+            <a:r>
+              <a:rPr lang="en-US" sz="3200" i="1" dirty="0">
+                <a:latin typeface="Times New Roman" panose="02020603050405020304" pitchFamily="18" charset="0"/>
+                <a:cs typeface="Times New Roman" panose="02020603050405020304" pitchFamily="18" charset="0"/>
+              </a:rPr>
+              <a:t>x</a:t>
+            </a:r>
+            <a:r>
+              <a:rPr lang="en-US" sz="3200" i="1" baseline="-25000" dirty="0">
+                <a:latin typeface="Times New Roman" panose="02020603050405020304" pitchFamily="18" charset="0"/>
+                <a:cs typeface="Times New Roman" panose="02020603050405020304" pitchFamily="18" charset="0"/>
+              </a:rPr>
+              <a:t>0</a:t>
+            </a:r>
+            <a:r>
+              <a:rPr lang="en-US" sz="3200" i="1" dirty="0">
+                <a:latin typeface="Times New Roman" panose="02020603050405020304" pitchFamily="18" charset="0"/>
+                <a:cs typeface="Times New Roman" panose="02020603050405020304" pitchFamily="18" charset="0"/>
+              </a:rPr>
+              <a:t>(t</a:t>
+            </a:r>
+            <a:r>
+              <a:rPr lang="en-US" sz="3200" i="1" baseline="-25000" dirty="0">
+                <a:latin typeface="Times New Roman" panose="02020603050405020304" pitchFamily="18" charset="0"/>
+                <a:cs typeface="Times New Roman" panose="02020603050405020304" pitchFamily="18" charset="0"/>
+              </a:rPr>
+              <a:t>1</a:t>
+            </a:r>
+            <a:r>
+              <a:rPr lang="en-US" sz="3200" i="1" dirty="0">
+                <a:latin typeface="Times New Roman" panose="02020603050405020304" pitchFamily="18" charset="0"/>
+                <a:cs typeface="Times New Roman" panose="02020603050405020304" pitchFamily="18" charset="0"/>
+              </a:rPr>
+              <a:t>)</a:t>
+            </a:r>
+          </a:p>
+        </p:txBody>
+      </p:sp>
+      <p:sp>
+        <p:nvSpPr>
+          <p:cNvPr id="48" name="TextBox 47">
+            <a:extLst>
+              <a:ext uri="{FF2B5EF4-FFF2-40B4-BE49-F238E27FC236}">
+                <a16:creationId xmlns:a16="http://schemas.microsoft.com/office/drawing/2014/main" id="{D6E6F163-5E06-7F46-A513-0E80D399A883}"/>
+              </a:ext>
+            </a:extLst>
+          </p:cNvPr>
+          <p:cNvSpPr txBox="1"/>
+          <p:nvPr/>
+        </p:nvSpPr>
+        <p:spPr>
+          <a:xfrm>
+            <a:off x="856530" y="2239061"/>
+            <a:ext cx="1236032" cy="584775"/>
+          </a:xfrm>
+          <a:prstGeom prst="rect">
+            <a:avLst/>
+          </a:prstGeom>
+          <a:noFill/>
+        </p:spPr>
+        <p:txBody>
+          <a:bodyPr wrap="square" rtlCol="0">
+            <a:spAutoFit/>
+          </a:bodyPr>
+          <a:lstStyle/>
+          <a:p>
+            <a:r>
+              <a:rPr lang="en-US" sz="3200" i="1" dirty="0">
+                <a:latin typeface="Times New Roman" panose="02020603050405020304" pitchFamily="18" charset="0"/>
+                <a:cs typeface="Times New Roman" panose="02020603050405020304" pitchFamily="18" charset="0"/>
+              </a:rPr>
+              <a:t>x</a:t>
+            </a:r>
+            <a:r>
+              <a:rPr lang="en-US" sz="3200" i="1" baseline="-25000" dirty="0">
+                <a:latin typeface="Times New Roman" panose="02020603050405020304" pitchFamily="18" charset="0"/>
+                <a:cs typeface="Times New Roman" panose="02020603050405020304" pitchFamily="18" charset="0"/>
+              </a:rPr>
+              <a:t>1</a:t>
+            </a:r>
+            <a:r>
+              <a:rPr lang="en-US" sz="3200" i="1" dirty="0">
+                <a:latin typeface="Times New Roman" panose="02020603050405020304" pitchFamily="18" charset="0"/>
+                <a:cs typeface="Times New Roman" panose="02020603050405020304" pitchFamily="18" charset="0"/>
+              </a:rPr>
+              <a:t>(t</a:t>
+            </a:r>
+            <a:r>
+              <a:rPr lang="en-US" sz="3200" i="1" baseline="-25000" dirty="0">
+                <a:latin typeface="Times New Roman" panose="02020603050405020304" pitchFamily="18" charset="0"/>
+                <a:cs typeface="Times New Roman" panose="02020603050405020304" pitchFamily="18" charset="0"/>
+              </a:rPr>
+              <a:t>0</a:t>
+            </a:r>
+            <a:r>
+              <a:rPr lang="en-US" sz="3200" i="1" dirty="0">
+                <a:latin typeface="Times New Roman" panose="02020603050405020304" pitchFamily="18" charset="0"/>
+                <a:cs typeface="Times New Roman" panose="02020603050405020304" pitchFamily="18" charset="0"/>
+              </a:rPr>
+              <a:t>)</a:t>
+            </a:r>
+          </a:p>
+        </p:txBody>
+      </p:sp>
+      <p:sp>
+        <p:nvSpPr>
+          <p:cNvPr id="50" name="TextBox 49">
+            <a:extLst>
+              <a:ext uri="{FF2B5EF4-FFF2-40B4-BE49-F238E27FC236}">
+                <a16:creationId xmlns:a16="http://schemas.microsoft.com/office/drawing/2014/main" id="{1FEA39A6-F034-0E40-94E4-CE1E75A1D27E}"/>
+              </a:ext>
+            </a:extLst>
+          </p:cNvPr>
+          <p:cNvSpPr txBox="1"/>
+          <p:nvPr/>
+        </p:nvSpPr>
+        <p:spPr>
+          <a:xfrm>
+            <a:off x="855071" y="3739614"/>
+            <a:ext cx="1236032" cy="584775"/>
+          </a:xfrm>
+          <a:prstGeom prst="rect">
+            <a:avLst/>
+          </a:prstGeom>
+          <a:noFill/>
+        </p:spPr>
+        <p:txBody>
+          <a:bodyPr wrap="square" rtlCol="0">
+            <a:spAutoFit/>
+          </a:bodyPr>
+          <a:lstStyle/>
+          <a:p>
+            <a:r>
+              <a:rPr lang="en-US" sz="3200" i="1" dirty="0">
+                <a:latin typeface="Times New Roman" panose="02020603050405020304" pitchFamily="18" charset="0"/>
+                <a:cs typeface="Times New Roman" panose="02020603050405020304" pitchFamily="18" charset="0"/>
+              </a:rPr>
+              <a:t>x</a:t>
+            </a:r>
+            <a:r>
+              <a:rPr lang="en-US" sz="3200" i="1" baseline="-25000" dirty="0">
+                <a:latin typeface="Times New Roman" panose="02020603050405020304" pitchFamily="18" charset="0"/>
+                <a:cs typeface="Times New Roman" panose="02020603050405020304" pitchFamily="18" charset="0"/>
+              </a:rPr>
+              <a:t>2</a:t>
+            </a:r>
+            <a:r>
+              <a:rPr lang="en-US" sz="3200" i="1" dirty="0">
+                <a:latin typeface="Times New Roman" panose="02020603050405020304" pitchFamily="18" charset="0"/>
+                <a:cs typeface="Times New Roman" panose="02020603050405020304" pitchFamily="18" charset="0"/>
+              </a:rPr>
+              <a:t>(t</a:t>
+            </a:r>
+            <a:r>
+              <a:rPr lang="en-US" sz="3200" i="1" baseline="-25000" dirty="0">
+                <a:latin typeface="Times New Roman" panose="02020603050405020304" pitchFamily="18" charset="0"/>
+                <a:cs typeface="Times New Roman" panose="02020603050405020304" pitchFamily="18" charset="0"/>
+              </a:rPr>
+              <a:t>0</a:t>
+            </a:r>
+            <a:r>
+              <a:rPr lang="en-US" sz="3200" i="1" dirty="0">
+                <a:latin typeface="Times New Roman" panose="02020603050405020304" pitchFamily="18" charset="0"/>
+                <a:cs typeface="Times New Roman" panose="02020603050405020304" pitchFamily="18" charset="0"/>
+              </a:rPr>
+              <a:t>)</a:t>
+            </a:r>
+          </a:p>
+        </p:txBody>
+      </p:sp>
+      <p:sp>
+        <p:nvSpPr>
+          <p:cNvPr id="51" name="TextBox 50">
+            <a:extLst>
+              <a:ext uri="{FF2B5EF4-FFF2-40B4-BE49-F238E27FC236}">
+                <a16:creationId xmlns:a16="http://schemas.microsoft.com/office/drawing/2014/main" id="{E9E93E7D-5439-BE4D-AAD2-562A97C0F7D0}"/>
+              </a:ext>
+            </a:extLst>
+          </p:cNvPr>
+          <p:cNvSpPr txBox="1"/>
+          <p:nvPr/>
+        </p:nvSpPr>
+        <p:spPr>
+          <a:xfrm>
+            <a:off x="6075697" y="1021418"/>
+            <a:ext cx="1236032" cy="584775"/>
+          </a:xfrm>
+          <a:prstGeom prst="rect">
+            <a:avLst/>
+          </a:prstGeom>
+          <a:noFill/>
+        </p:spPr>
+        <p:txBody>
+          <a:bodyPr wrap="square" rtlCol="0">
+            <a:spAutoFit/>
+          </a:bodyPr>
+          <a:lstStyle/>
+          <a:p>
+            <a:r>
+              <a:rPr lang="en-US" sz="3200" i="1" dirty="0">
+                <a:latin typeface="Times New Roman" panose="02020603050405020304" pitchFamily="18" charset="0"/>
+                <a:cs typeface="Times New Roman" panose="02020603050405020304" pitchFamily="18" charset="0"/>
+              </a:rPr>
+              <a:t>x</a:t>
+            </a:r>
+            <a:r>
+              <a:rPr lang="en-US" sz="3200" i="1" baseline="-25000" dirty="0">
+                <a:latin typeface="Times New Roman" panose="02020603050405020304" pitchFamily="18" charset="0"/>
+                <a:cs typeface="Times New Roman" panose="02020603050405020304" pitchFamily="18" charset="0"/>
+              </a:rPr>
+              <a:t>3</a:t>
+            </a:r>
+            <a:r>
+              <a:rPr lang="en-US" sz="3200" i="1" dirty="0">
+                <a:latin typeface="Times New Roman" panose="02020603050405020304" pitchFamily="18" charset="0"/>
+                <a:cs typeface="Times New Roman" panose="02020603050405020304" pitchFamily="18" charset="0"/>
+              </a:rPr>
+              <a:t>(t</a:t>
+            </a:r>
+            <a:r>
+              <a:rPr lang="en-US" sz="3200" i="1" baseline="-25000" dirty="0">
+                <a:latin typeface="Times New Roman" panose="02020603050405020304" pitchFamily="18" charset="0"/>
+                <a:cs typeface="Times New Roman" panose="02020603050405020304" pitchFamily="18" charset="0"/>
+              </a:rPr>
+              <a:t>1</a:t>
+            </a:r>
+            <a:r>
+              <a:rPr lang="en-US" sz="3200" i="1" dirty="0">
+                <a:latin typeface="Times New Roman" panose="02020603050405020304" pitchFamily="18" charset="0"/>
+                <a:cs typeface="Times New Roman" panose="02020603050405020304" pitchFamily="18" charset="0"/>
+              </a:rPr>
+              <a:t>)</a:t>
+            </a:r>
+          </a:p>
+        </p:txBody>
+      </p:sp>
+      <p:sp>
+        <p:nvSpPr>
+          <p:cNvPr id="53" name="TextBox 52">
+            <a:extLst>
+              <a:ext uri="{FF2B5EF4-FFF2-40B4-BE49-F238E27FC236}">
+                <a16:creationId xmlns:a16="http://schemas.microsoft.com/office/drawing/2014/main" id="{8DFE6582-4742-C14D-92B3-503FD1741FA8}"/>
+              </a:ext>
+            </a:extLst>
+          </p:cNvPr>
+          <p:cNvSpPr txBox="1"/>
+          <p:nvPr/>
+        </p:nvSpPr>
+        <p:spPr>
+          <a:xfrm>
+            <a:off x="6139270" y="2696058"/>
+            <a:ext cx="1236032" cy="584775"/>
+          </a:xfrm>
+          <a:prstGeom prst="rect">
+            <a:avLst/>
+          </a:prstGeom>
+          <a:noFill/>
+        </p:spPr>
+        <p:txBody>
+          <a:bodyPr wrap="square" rtlCol="0">
+            <a:spAutoFit/>
+          </a:bodyPr>
+          <a:lstStyle/>
+          <a:p>
+            <a:r>
+              <a:rPr lang="en-US" sz="3200" i="1" dirty="0">
+                <a:latin typeface="Times New Roman" panose="02020603050405020304" pitchFamily="18" charset="0"/>
+                <a:cs typeface="Times New Roman" panose="02020603050405020304" pitchFamily="18" charset="0"/>
+              </a:rPr>
+              <a:t>x</a:t>
+            </a:r>
+            <a:r>
+              <a:rPr lang="en-US" sz="3200" i="1" baseline="-25000" dirty="0">
+                <a:latin typeface="Times New Roman" panose="02020603050405020304" pitchFamily="18" charset="0"/>
+                <a:cs typeface="Times New Roman" panose="02020603050405020304" pitchFamily="18" charset="0"/>
+              </a:rPr>
+              <a:t>4</a:t>
+            </a:r>
+            <a:r>
+              <a:rPr lang="en-US" sz="3200" i="1" dirty="0">
+                <a:latin typeface="Times New Roman" panose="02020603050405020304" pitchFamily="18" charset="0"/>
+                <a:cs typeface="Times New Roman" panose="02020603050405020304" pitchFamily="18" charset="0"/>
+              </a:rPr>
+              <a:t>(t</a:t>
+            </a:r>
+            <a:r>
+              <a:rPr lang="en-US" sz="3200" i="1" baseline="-25000" dirty="0">
+                <a:latin typeface="Times New Roman" panose="02020603050405020304" pitchFamily="18" charset="0"/>
+                <a:cs typeface="Times New Roman" panose="02020603050405020304" pitchFamily="18" charset="0"/>
+              </a:rPr>
+              <a:t>1</a:t>
+            </a:r>
+            <a:r>
+              <a:rPr lang="en-US" sz="3200" i="1" dirty="0">
+                <a:latin typeface="Times New Roman" panose="02020603050405020304" pitchFamily="18" charset="0"/>
+                <a:cs typeface="Times New Roman" panose="02020603050405020304" pitchFamily="18" charset="0"/>
+              </a:rPr>
+              <a:t>)</a:t>
+            </a:r>
+          </a:p>
+        </p:txBody>
+      </p:sp>
+      <p:sp>
+        <p:nvSpPr>
+          <p:cNvPr id="54" name="TextBox 53">
+            <a:extLst>
+              <a:ext uri="{FF2B5EF4-FFF2-40B4-BE49-F238E27FC236}">
+                <a16:creationId xmlns:a16="http://schemas.microsoft.com/office/drawing/2014/main" id="{FCFDA969-9D09-7649-A740-EF167D059127}"/>
+              </a:ext>
+            </a:extLst>
+          </p:cNvPr>
+          <p:cNvSpPr txBox="1"/>
+          <p:nvPr/>
+        </p:nvSpPr>
+        <p:spPr>
+          <a:xfrm>
+            <a:off x="6143949" y="3709780"/>
+            <a:ext cx="1236032" cy="584775"/>
+          </a:xfrm>
+          <a:prstGeom prst="rect">
+            <a:avLst/>
+          </a:prstGeom>
+          <a:noFill/>
+        </p:spPr>
+        <p:txBody>
+          <a:bodyPr wrap="square" rtlCol="0">
+            <a:spAutoFit/>
+          </a:bodyPr>
+          <a:lstStyle/>
+          <a:p>
+            <a:r>
+              <a:rPr lang="en-US" sz="3200" i="1" dirty="0">
+                <a:latin typeface="Times New Roman" panose="02020603050405020304" pitchFamily="18" charset="0"/>
+                <a:cs typeface="Times New Roman" panose="02020603050405020304" pitchFamily="18" charset="0"/>
+              </a:rPr>
+              <a:t>x</a:t>
+            </a:r>
+            <a:r>
+              <a:rPr lang="en-US" sz="3200" i="1" baseline="-25000" dirty="0">
+                <a:latin typeface="Times New Roman" panose="02020603050405020304" pitchFamily="18" charset="0"/>
+                <a:cs typeface="Times New Roman" panose="02020603050405020304" pitchFamily="18" charset="0"/>
+              </a:rPr>
+              <a:t>5</a:t>
+            </a:r>
+            <a:r>
+              <a:rPr lang="en-US" sz="3200" i="1" dirty="0">
+                <a:latin typeface="Times New Roman" panose="02020603050405020304" pitchFamily="18" charset="0"/>
+                <a:cs typeface="Times New Roman" panose="02020603050405020304" pitchFamily="18" charset="0"/>
+              </a:rPr>
+              <a:t>(t</a:t>
+            </a:r>
+            <a:r>
+              <a:rPr lang="en-US" sz="3200" i="1" baseline="-25000" dirty="0">
+                <a:latin typeface="Times New Roman" panose="02020603050405020304" pitchFamily="18" charset="0"/>
+                <a:cs typeface="Times New Roman" panose="02020603050405020304" pitchFamily="18" charset="0"/>
+              </a:rPr>
+              <a:t>1</a:t>
+            </a:r>
+            <a:r>
+              <a:rPr lang="en-US" sz="3200" i="1" dirty="0">
+                <a:latin typeface="Times New Roman" panose="02020603050405020304" pitchFamily="18" charset="0"/>
+                <a:cs typeface="Times New Roman" panose="02020603050405020304" pitchFamily="18" charset="0"/>
+              </a:rPr>
+              <a:t>)</a:t>
+            </a:r>
+          </a:p>
+        </p:txBody>
+      </p:sp>
+      <p:sp>
+        <p:nvSpPr>
+          <p:cNvPr id="56" name="TextBox 55">
+            <a:extLst>
+              <a:ext uri="{FF2B5EF4-FFF2-40B4-BE49-F238E27FC236}">
+                <a16:creationId xmlns:a16="http://schemas.microsoft.com/office/drawing/2014/main" id="{FA7B39C9-DA42-6A43-B071-1AC4A7EBAC11}"/>
+              </a:ext>
+            </a:extLst>
+          </p:cNvPr>
+          <p:cNvSpPr txBox="1"/>
+          <p:nvPr/>
+        </p:nvSpPr>
+        <p:spPr>
+          <a:xfrm>
+            <a:off x="841945" y="3130840"/>
+            <a:ext cx="1236032" cy="584775"/>
+          </a:xfrm>
+          <a:prstGeom prst="rect">
+            <a:avLst/>
+          </a:prstGeom>
+          <a:noFill/>
+        </p:spPr>
+        <p:txBody>
+          <a:bodyPr wrap="square" rtlCol="0">
+            <a:spAutoFit/>
+          </a:bodyPr>
+          <a:lstStyle/>
+          <a:p>
+            <a:r>
+              <a:rPr lang="en-US" sz="3200" i="1" dirty="0">
+                <a:latin typeface="Times New Roman" panose="02020603050405020304" pitchFamily="18" charset="0"/>
+                <a:cs typeface="Times New Roman" panose="02020603050405020304" pitchFamily="18" charset="0"/>
+              </a:rPr>
+              <a:t>p(t</a:t>
+            </a:r>
+            <a:r>
+              <a:rPr lang="en-US" sz="3200" i="1" baseline="-25000" dirty="0">
+                <a:latin typeface="Times New Roman" panose="02020603050405020304" pitchFamily="18" charset="0"/>
+                <a:cs typeface="Times New Roman" panose="02020603050405020304" pitchFamily="18" charset="0"/>
+              </a:rPr>
+              <a:t>0</a:t>
+            </a:r>
+            <a:r>
+              <a:rPr lang="en-US" sz="3200" i="1" dirty="0">
+                <a:latin typeface="Times New Roman" panose="02020603050405020304" pitchFamily="18" charset="0"/>
+                <a:cs typeface="Times New Roman" panose="02020603050405020304" pitchFamily="18" charset="0"/>
+              </a:rPr>
+              <a:t>)</a:t>
+            </a:r>
+          </a:p>
+        </p:txBody>
+      </p:sp>
+      <p:sp>
+        <p:nvSpPr>
+          <p:cNvPr id="57" name="TextBox 56">
+            <a:extLst>
+              <a:ext uri="{FF2B5EF4-FFF2-40B4-BE49-F238E27FC236}">
+                <a16:creationId xmlns:a16="http://schemas.microsoft.com/office/drawing/2014/main" id="{7C5CFD04-1C6F-FE4C-B062-26130FD6DEE7}"/>
+              </a:ext>
+            </a:extLst>
+          </p:cNvPr>
+          <p:cNvSpPr txBox="1"/>
+          <p:nvPr/>
+        </p:nvSpPr>
+        <p:spPr>
+          <a:xfrm>
+            <a:off x="6178746" y="2091040"/>
+            <a:ext cx="1236032" cy="584775"/>
+          </a:xfrm>
+          <a:prstGeom prst="rect">
+            <a:avLst/>
+          </a:prstGeom>
+          <a:noFill/>
+        </p:spPr>
+        <p:txBody>
+          <a:bodyPr wrap="square" rtlCol="0">
+            <a:spAutoFit/>
+          </a:bodyPr>
+          <a:lstStyle/>
+          <a:p>
+            <a:r>
+              <a:rPr lang="en-US" sz="3200" i="1" dirty="0">
+                <a:latin typeface="Times New Roman" panose="02020603050405020304" pitchFamily="18" charset="0"/>
+                <a:cs typeface="Times New Roman" panose="02020603050405020304" pitchFamily="18" charset="0"/>
+              </a:rPr>
+              <a:t>p(t</a:t>
+            </a:r>
+            <a:r>
+              <a:rPr lang="en-US" sz="3200" i="1" baseline="-25000" dirty="0">
+                <a:latin typeface="Times New Roman" panose="02020603050405020304" pitchFamily="18" charset="0"/>
+                <a:cs typeface="Times New Roman" panose="02020603050405020304" pitchFamily="18" charset="0"/>
+              </a:rPr>
+              <a:t>1</a:t>
+            </a:r>
+            <a:r>
+              <a:rPr lang="en-US" sz="3200" i="1" dirty="0">
+                <a:latin typeface="Times New Roman" panose="02020603050405020304" pitchFamily="18" charset="0"/>
+                <a:cs typeface="Times New Roman" panose="02020603050405020304" pitchFamily="18" charset="0"/>
+              </a:rPr>
+              <a:t>)</a:t>
+            </a:r>
+          </a:p>
+        </p:txBody>
+      </p:sp>
+      <p:sp>
+        <p:nvSpPr>
+          <p:cNvPr id="58" name="TextBox 57">
+            <a:extLst>
+              <a:ext uri="{FF2B5EF4-FFF2-40B4-BE49-F238E27FC236}">
+                <a16:creationId xmlns:a16="http://schemas.microsoft.com/office/drawing/2014/main" id="{DE6A1038-E591-8349-ADCA-CE27E8BE4F48}"/>
+              </a:ext>
+            </a:extLst>
+          </p:cNvPr>
+          <p:cNvSpPr txBox="1"/>
+          <p:nvPr/>
+        </p:nvSpPr>
+        <p:spPr>
+          <a:xfrm>
+            <a:off x="1009048" y="1303822"/>
+            <a:ext cx="1236032" cy="584775"/>
+          </a:xfrm>
+          <a:prstGeom prst="rect">
+            <a:avLst/>
+          </a:prstGeom>
+          <a:noFill/>
+        </p:spPr>
+        <p:txBody>
+          <a:bodyPr wrap="square" rtlCol="0">
+            <a:spAutoFit/>
+          </a:bodyPr>
+          <a:lstStyle/>
+          <a:p>
+            <a:r>
+              <a:rPr lang="en-US" sz="3200" i="1" dirty="0">
+                <a:latin typeface="Times New Roman" panose="02020603050405020304" pitchFamily="18" charset="0"/>
+                <a:cs typeface="Times New Roman" panose="02020603050405020304" pitchFamily="18" charset="0"/>
+              </a:rPr>
+              <a:t>x</a:t>
+            </a:r>
+            <a:r>
+              <a:rPr lang="en-US" sz="3200" i="1" baseline="-25000" dirty="0">
+                <a:latin typeface="Times New Roman" panose="02020603050405020304" pitchFamily="18" charset="0"/>
+                <a:cs typeface="Times New Roman" panose="02020603050405020304" pitchFamily="18" charset="0"/>
+              </a:rPr>
+              <a:t>0</a:t>
+            </a:r>
+            <a:r>
+              <a:rPr lang="en-US" sz="3200" i="1" dirty="0">
+                <a:latin typeface="Times New Roman" panose="02020603050405020304" pitchFamily="18" charset="0"/>
+                <a:cs typeface="Times New Roman" panose="02020603050405020304" pitchFamily="18" charset="0"/>
+              </a:rPr>
+              <a:t>(t</a:t>
+            </a:r>
+            <a:r>
+              <a:rPr lang="en-US" sz="3200" i="1" baseline="-25000" dirty="0">
+                <a:latin typeface="Times New Roman" panose="02020603050405020304" pitchFamily="18" charset="0"/>
+                <a:cs typeface="Times New Roman" panose="02020603050405020304" pitchFamily="18" charset="0"/>
+              </a:rPr>
+              <a:t>0</a:t>
+            </a:r>
+            <a:r>
+              <a:rPr lang="en-US" sz="3200" i="1" dirty="0">
+                <a:latin typeface="Times New Roman" panose="02020603050405020304" pitchFamily="18" charset="0"/>
+                <a:cs typeface="Times New Roman" panose="02020603050405020304" pitchFamily="18" charset="0"/>
+              </a:rPr>
+              <a:t>)</a:t>
+            </a:r>
+          </a:p>
+        </p:txBody>
+      </p:sp>
+      <p:sp>
+        <p:nvSpPr>
+          <p:cNvPr id="59" name="TextBox 58">
+            <a:extLst>
+              <a:ext uri="{FF2B5EF4-FFF2-40B4-BE49-F238E27FC236}">
+                <a16:creationId xmlns:a16="http://schemas.microsoft.com/office/drawing/2014/main" id="{8BEAB0C9-E6F5-EC4F-A514-7573801B95A0}"/>
+              </a:ext>
+            </a:extLst>
+          </p:cNvPr>
+          <p:cNvSpPr txBox="1"/>
+          <p:nvPr/>
+        </p:nvSpPr>
+        <p:spPr>
+          <a:xfrm>
+            <a:off x="4564459" y="1489583"/>
+            <a:ext cx="1236032" cy="584775"/>
+          </a:xfrm>
+          <a:prstGeom prst="rect">
+            <a:avLst/>
+          </a:prstGeom>
+          <a:noFill/>
+        </p:spPr>
+        <p:txBody>
+          <a:bodyPr wrap="square" rtlCol="0">
+            <a:spAutoFit/>
+          </a:bodyPr>
+          <a:lstStyle/>
+          <a:p>
+            <a:r>
+              <a:rPr lang="en-US" sz="3200" i="1" dirty="0">
+                <a:latin typeface="Times New Roman" panose="02020603050405020304" pitchFamily="18" charset="0"/>
+                <a:cs typeface="Times New Roman" panose="02020603050405020304" pitchFamily="18" charset="0"/>
+              </a:rPr>
+              <a:t>x</a:t>
+            </a:r>
+            <a:r>
+              <a:rPr lang="en-US" sz="3200" i="1" baseline="-25000" dirty="0">
+                <a:latin typeface="Times New Roman" panose="02020603050405020304" pitchFamily="18" charset="0"/>
+                <a:cs typeface="Times New Roman" panose="02020603050405020304" pitchFamily="18" charset="0"/>
+              </a:rPr>
+              <a:t>1</a:t>
+            </a:r>
+            <a:r>
+              <a:rPr lang="en-US" sz="3200" i="1" dirty="0">
+                <a:latin typeface="Times New Roman" panose="02020603050405020304" pitchFamily="18" charset="0"/>
+                <a:cs typeface="Times New Roman" panose="02020603050405020304" pitchFamily="18" charset="0"/>
+              </a:rPr>
+              <a:t>(t</a:t>
+            </a:r>
+            <a:r>
+              <a:rPr lang="en-US" sz="3200" i="1" baseline="-25000" dirty="0">
+                <a:latin typeface="Times New Roman" panose="02020603050405020304" pitchFamily="18" charset="0"/>
+                <a:cs typeface="Times New Roman" panose="02020603050405020304" pitchFamily="18" charset="0"/>
+              </a:rPr>
+              <a:t>1</a:t>
+            </a:r>
+            <a:r>
+              <a:rPr lang="en-US" sz="3200" i="1" dirty="0">
+                <a:latin typeface="Times New Roman" panose="02020603050405020304" pitchFamily="18" charset="0"/>
+                <a:cs typeface="Times New Roman" panose="02020603050405020304" pitchFamily="18" charset="0"/>
+              </a:rPr>
+              <a:t>)</a:t>
+            </a:r>
+          </a:p>
+        </p:txBody>
+      </p:sp>
+      <p:sp>
+        <p:nvSpPr>
+          <p:cNvPr id="60" name="TextBox 59">
+            <a:extLst>
+              <a:ext uri="{FF2B5EF4-FFF2-40B4-BE49-F238E27FC236}">
+                <a16:creationId xmlns:a16="http://schemas.microsoft.com/office/drawing/2014/main" id="{743D9C5E-C70E-034E-A7F0-F904BDD62DDC}"/>
+              </a:ext>
+            </a:extLst>
+          </p:cNvPr>
+          <p:cNvSpPr txBox="1"/>
+          <p:nvPr/>
+        </p:nvSpPr>
+        <p:spPr>
+          <a:xfrm>
+            <a:off x="4687050" y="3066837"/>
+            <a:ext cx="1236032" cy="584775"/>
+          </a:xfrm>
+          <a:prstGeom prst="rect">
+            <a:avLst/>
+          </a:prstGeom>
+          <a:noFill/>
+        </p:spPr>
+        <p:txBody>
+          <a:bodyPr wrap="square" rtlCol="0">
+            <a:spAutoFit/>
+          </a:bodyPr>
+          <a:lstStyle/>
+          <a:p>
+            <a:r>
+              <a:rPr lang="en-US" sz="3200" i="1" dirty="0">
+                <a:latin typeface="Times New Roman" panose="02020603050405020304" pitchFamily="18" charset="0"/>
+                <a:cs typeface="Times New Roman" panose="02020603050405020304" pitchFamily="18" charset="0"/>
+              </a:rPr>
+              <a:t>x</a:t>
+            </a:r>
+            <a:r>
+              <a:rPr lang="en-US" sz="3200" i="1" baseline="-25000" dirty="0">
+                <a:latin typeface="Times New Roman" panose="02020603050405020304" pitchFamily="18" charset="0"/>
+                <a:cs typeface="Times New Roman" panose="02020603050405020304" pitchFamily="18" charset="0"/>
+              </a:rPr>
+              <a:t>2</a:t>
+            </a:r>
+            <a:r>
+              <a:rPr lang="en-US" sz="3200" i="1" dirty="0">
+                <a:latin typeface="Times New Roman" panose="02020603050405020304" pitchFamily="18" charset="0"/>
+                <a:cs typeface="Times New Roman" panose="02020603050405020304" pitchFamily="18" charset="0"/>
+              </a:rPr>
+              <a:t>(t</a:t>
+            </a:r>
+            <a:r>
+              <a:rPr lang="en-US" sz="3200" i="1" baseline="-25000" dirty="0">
+                <a:latin typeface="Times New Roman" panose="02020603050405020304" pitchFamily="18" charset="0"/>
+                <a:cs typeface="Times New Roman" panose="02020603050405020304" pitchFamily="18" charset="0"/>
+              </a:rPr>
+              <a:t>1</a:t>
+            </a:r>
+            <a:r>
+              <a:rPr lang="en-US" sz="3200" i="1" dirty="0">
+                <a:latin typeface="Times New Roman" panose="02020603050405020304" pitchFamily="18" charset="0"/>
+                <a:cs typeface="Times New Roman" panose="02020603050405020304" pitchFamily="18" charset="0"/>
+              </a:rPr>
+              <a:t>)</a:t>
+            </a:r>
+          </a:p>
+        </p:txBody>
+      </p:sp>
+      <p:sp>
+        <p:nvSpPr>
+          <p:cNvPr id="61" name="TextBox 60">
+            <a:extLst>
+              <a:ext uri="{FF2B5EF4-FFF2-40B4-BE49-F238E27FC236}">
+                <a16:creationId xmlns:a16="http://schemas.microsoft.com/office/drawing/2014/main" id="{0D9A07E1-FC22-D54A-A527-6900DAE727DA}"/>
+              </a:ext>
+            </a:extLst>
+          </p:cNvPr>
+          <p:cNvSpPr txBox="1"/>
+          <p:nvPr/>
+        </p:nvSpPr>
+        <p:spPr>
+          <a:xfrm>
+            <a:off x="4791881" y="2357253"/>
+            <a:ext cx="1236032" cy="584775"/>
+          </a:xfrm>
+          <a:prstGeom prst="rect">
+            <a:avLst/>
+          </a:prstGeom>
+          <a:noFill/>
+        </p:spPr>
+        <p:txBody>
+          <a:bodyPr wrap="square" rtlCol="0">
+            <a:spAutoFit/>
+          </a:bodyPr>
+          <a:lstStyle/>
+          <a:p>
+            <a:r>
+              <a:rPr lang="en-US" sz="3200" i="1" dirty="0">
+                <a:latin typeface="Times New Roman" panose="02020603050405020304" pitchFamily="18" charset="0"/>
+                <a:cs typeface="Times New Roman" panose="02020603050405020304" pitchFamily="18" charset="0"/>
+              </a:rPr>
+              <a:t>p(t</a:t>
+            </a:r>
+            <a:r>
+              <a:rPr lang="en-US" sz="3200" i="1" baseline="-25000" dirty="0">
+                <a:latin typeface="Times New Roman" panose="02020603050405020304" pitchFamily="18" charset="0"/>
+                <a:cs typeface="Times New Roman" panose="02020603050405020304" pitchFamily="18" charset="0"/>
+              </a:rPr>
+              <a:t>1</a:t>
+            </a:r>
+            <a:r>
+              <a:rPr lang="en-US" sz="3200" i="1" dirty="0">
+                <a:latin typeface="Times New Roman" panose="02020603050405020304" pitchFamily="18" charset="0"/>
+                <a:cs typeface="Times New Roman" panose="02020603050405020304" pitchFamily="18" charset="0"/>
+              </a:rPr>
+              <a:t>)</a:t>
+            </a:r>
+          </a:p>
+        </p:txBody>
+      </p:sp>
     </p:spTree>
     <p:extLst>
       <p:ext uri="{BB962C8B-B14F-4D97-AF65-F5344CB8AC3E}">
-        <p14:creationId xmlns:p14="http://schemas.microsoft.com/office/powerpoint/2010/main" val="3804798557"/>
+        <p14:creationId xmlns:p14="http://schemas.microsoft.com/office/powerpoint/2010/main" val="2822409052"/>
       </p:ext>
     </p:extLst>
   </p:cSld>
